--- a/defender/DefenderSlides.pptx
+++ b/defender/DefenderSlides.pptx
@@ -7,8 +7,8 @@
   <p:sldIdLst>
     <p:sldId id="256" r:id="rId2"/>
     <p:sldId id="257" r:id="rId3"/>
-    <p:sldId id="262" r:id="rId4"/>
-    <p:sldId id="263" r:id="rId5"/>
+    <p:sldId id="263" r:id="rId4"/>
+    <p:sldId id="262" r:id="rId5"/>
     <p:sldId id="258" r:id="rId6"/>
     <p:sldId id="266" r:id="rId7"/>
     <p:sldId id="261" r:id="rId8"/>
@@ -292,7 +292,7 @@
           <a:p>
             <a:fld id="{A5CE7FD4-0403-4900-89EA-BB2B497AEF90}" type="datetimeFigureOut">
               <a:rPr lang="en-US" smtClean="0"/>
-              <a:t>4/23/2023</a:t>
+              <a:t>4/25/2023</a:t>
             </a:fld>
             <a:endParaRPr lang="en-US"/>
           </a:p>
@@ -490,7 +490,7 @@
           <a:p>
             <a:fld id="{A5CE7FD4-0403-4900-89EA-BB2B497AEF90}" type="datetimeFigureOut">
               <a:rPr lang="en-US" smtClean="0"/>
-              <a:t>4/23/2023</a:t>
+              <a:t>4/25/2023</a:t>
             </a:fld>
             <a:endParaRPr lang="en-US"/>
           </a:p>
@@ -698,7 +698,7 @@
           <a:p>
             <a:fld id="{A5CE7FD4-0403-4900-89EA-BB2B497AEF90}" type="datetimeFigureOut">
               <a:rPr lang="en-US" smtClean="0"/>
-              <a:t>4/23/2023</a:t>
+              <a:t>4/25/2023</a:t>
             </a:fld>
             <a:endParaRPr lang="en-US"/>
           </a:p>
@@ -896,7 +896,7 @@
           <a:p>
             <a:fld id="{A5CE7FD4-0403-4900-89EA-BB2B497AEF90}" type="datetimeFigureOut">
               <a:rPr lang="en-US" smtClean="0"/>
-              <a:t>4/23/2023</a:t>
+              <a:t>4/25/2023</a:t>
             </a:fld>
             <a:endParaRPr lang="en-US"/>
           </a:p>
@@ -1171,7 +1171,7 @@
           <a:p>
             <a:fld id="{A5CE7FD4-0403-4900-89EA-BB2B497AEF90}" type="datetimeFigureOut">
               <a:rPr lang="en-US" smtClean="0"/>
-              <a:t>4/23/2023</a:t>
+              <a:t>4/25/2023</a:t>
             </a:fld>
             <a:endParaRPr lang="en-US"/>
           </a:p>
@@ -1436,7 +1436,7 @@
           <a:p>
             <a:fld id="{A5CE7FD4-0403-4900-89EA-BB2B497AEF90}" type="datetimeFigureOut">
               <a:rPr lang="en-US" smtClean="0"/>
-              <a:t>4/23/2023</a:t>
+              <a:t>4/25/2023</a:t>
             </a:fld>
             <a:endParaRPr lang="en-US"/>
           </a:p>
@@ -1848,7 +1848,7 @@
           <a:p>
             <a:fld id="{A5CE7FD4-0403-4900-89EA-BB2B497AEF90}" type="datetimeFigureOut">
               <a:rPr lang="en-US" smtClean="0"/>
-              <a:t>4/23/2023</a:t>
+              <a:t>4/25/2023</a:t>
             </a:fld>
             <a:endParaRPr lang="en-US"/>
           </a:p>
@@ -1989,7 +1989,7 @@
           <a:p>
             <a:fld id="{A5CE7FD4-0403-4900-89EA-BB2B497AEF90}" type="datetimeFigureOut">
               <a:rPr lang="en-US" smtClean="0"/>
-              <a:t>4/23/2023</a:t>
+              <a:t>4/25/2023</a:t>
             </a:fld>
             <a:endParaRPr lang="en-US"/>
           </a:p>
@@ -2102,7 +2102,7 @@
           <a:p>
             <a:fld id="{A5CE7FD4-0403-4900-89EA-BB2B497AEF90}" type="datetimeFigureOut">
               <a:rPr lang="en-US" smtClean="0"/>
-              <a:t>4/23/2023</a:t>
+              <a:t>4/25/2023</a:t>
             </a:fld>
             <a:endParaRPr lang="en-US"/>
           </a:p>
@@ -2413,7 +2413,7 @@
           <a:p>
             <a:fld id="{A5CE7FD4-0403-4900-89EA-BB2B497AEF90}" type="datetimeFigureOut">
               <a:rPr lang="en-US" smtClean="0"/>
-              <a:t>4/23/2023</a:t>
+              <a:t>4/25/2023</a:t>
             </a:fld>
             <a:endParaRPr lang="en-US"/>
           </a:p>
@@ -2701,7 +2701,7 @@
           <a:p>
             <a:fld id="{A5CE7FD4-0403-4900-89EA-BB2B497AEF90}" type="datetimeFigureOut">
               <a:rPr lang="en-US" smtClean="0"/>
-              <a:t>4/23/2023</a:t>
+              <a:t>4/25/2023</a:t>
             </a:fld>
             <a:endParaRPr lang="en-US"/>
           </a:p>
@@ -2942,7 +2942,7 @@
           <a:p>
             <a:fld id="{A5CE7FD4-0403-4900-89EA-BB2B497AEF90}" type="datetimeFigureOut">
               <a:rPr lang="en-US" smtClean="0"/>
-              <a:t>4/23/2023</a:t>
+              <a:t>4/25/2023</a:t>
             </a:fld>
             <a:endParaRPr lang="en-US"/>
           </a:p>
@@ -3386,7 +3386,7 @@
             </a:r>
             <a:r>
               <a:rPr lang="en-US" altLang="zh-CN" dirty="0"/>
-              <a:t>Defend</a:t>
+              <a:t>Defense</a:t>
             </a:r>
             <a:endParaRPr lang="en-US" dirty="0"/>
           </a:p>
@@ -4934,7 +4934,7 @@
           <a:p>
             <a:r>
               <a:rPr lang="en-US" dirty="0"/>
-              <a:t>Motivation</a:t>
+              <a:t>Submitted Model</a:t>
             </a:r>
           </a:p>
         </p:txBody>
@@ -4962,28 +4962,13 @@
           <a:p>
             <a:r>
               <a:rPr lang="en-US" dirty="0"/>
-              <a:t>Comparing all papers covering in this class, Dr. </a:t>
-            </a:r>
-            <a:r>
-              <a:rPr lang="en-US" dirty="0" err="1"/>
-              <a:t>Botacin’s</a:t>
-            </a:r>
-            <a:r>
-              <a:rPr lang="en-US" dirty="0"/>
-              <a:t> method proved to yield the highest evasion rates.</a:t>
-            </a:r>
-          </a:p>
-          <a:p>
-            <a:pPr marL="0" indent="0">
-              <a:buNone/>
-            </a:pPr>
+              <a:t>Random Forest (</a:t>
+            </a:r>
+            <a:r>
+              <a:rPr lang="en-US"/>
+              <a:t>1000 estimators)</a:t>
+            </a:r>
             <a:endParaRPr lang="en-US" dirty="0"/>
-          </a:p>
-          <a:p>
-            <a:r>
-              <a:rPr lang="en-US" dirty="0"/>
-              <a:t>We decided to take the existing example on Github and augment it with improvements.</a:t>
-            </a:r>
           </a:p>
         </p:txBody>
       </p:sp>
@@ -6246,7 +6231,7 @@
           <p:cNvPr id="2" name="Title 1">
             <a:extLst>
               <a:ext uri="{FF2B5EF4-FFF2-40B4-BE49-F238E27FC236}">
-                <a16:creationId xmlns:a16="http://schemas.microsoft.com/office/drawing/2014/main" id="{F0CF6617-A08A-C0D6-F1DE-192CBAA5BE64}"/>
+                <a16:creationId xmlns:a16="http://schemas.microsoft.com/office/drawing/2014/main" id="{4FB198E3-1EDE-0E6D-7A4D-CE66E43E21FD}"/>
               </a:ext>
             </a:extLst>
           </p:cNvPr>
@@ -6264,7 +6249,7 @@
           <a:p>
             <a:r>
               <a:rPr lang="en-US" dirty="0"/>
-              <a:t>Baseline Attack</a:t>
+              <a:t>Dataset</a:t>
             </a:r>
           </a:p>
         </p:txBody>
@@ -6274,7 +6259,7 @@
           <p:cNvPr id="3" name="Content Placeholder 2">
             <a:extLst>
               <a:ext uri="{FF2B5EF4-FFF2-40B4-BE49-F238E27FC236}">
-                <a16:creationId xmlns:a16="http://schemas.microsoft.com/office/drawing/2014/main" id="{BB3EDD30-3F33-08E6-18FC-603451BAE124}"/>
+                <a16:creationId xmlns:a16="http://schemas.microsoft.com/office/drawing/2014/main" id="{9D118AC6-6D85-C3C2-E653-2FC1561C7EFE}"/>
               </a:ext>
             </a:extLst>
           </p:cNvPr>
@@ -6287,120 +6272,17 @@
         </p:nvSpPr>
         <p:spPr/>
         <p:txBody>
-          <a:bodyPr>
-            <a:normAutofit lnSpcReduction="10000"/>
-          </a:bodyPr>
-          <a:lstStyle/>
-          <a:p>
-            <a:r>
-              <a:rPr lang="en-US" dirty="0"/>
-              <a:t>Combined Dr. </a:t>
-            </a:r>
-            <a:r>
-              <a:rPr lang="en-US" dirty="0" err="1"/>
-              <a:t>Botacin’s</a:t>
-            </a:r>
-            <a:r>
-              <a:rPr lang="en-US" dirty="0"/>
-              <a:t> filesystem.exe and inmemory.dll droppers into a single dropper that:</a:t>
-            </a:r>
-          </a:p>
-          <a:p>
-            <a:pPr marL="914400" lvl="1" indent="-457200">
-              <a:buFont typeface="+mj-lt"/>
-              <a:buAutoNum type="arabicPeriod"/>
-            </a:pPr>
-            <a:r>
-              <a:rPr lang="en-US" dirty="0"/>
-              <a:t>Compiled into an executable</a:t>
-            </a:r>
-          </a:p>
-          <a:p>
-            <a:pPr marL="914400" lvl="1" indent="-457200">
-              <a:buFont typeface="+mj-lt"/>
-              <a:buAutoNum type="arabicPeriod"/>
-            </a:pPr>
-            <a:r>
-              <a:rPr lang="en-US" dirty="0"/>
-              <a:t>Contained a single resource</a:t>
-            </a:r>
-          </a:p>
-          <a:p>
-            <a:pPr marL="914400" lvl="1" indent="-457200">
-              <a:buFont typeface="+mj-lt"/>
-              <a:buAutoNum type="arabicPeriod"/>
-            </a:pPr>
-            <a:r>
-              <a:rPr lang="en-US" dirty="0"/>
-              <a:t>XOR decrypted the resource</a:t>
-            </a:r>
-          </a:p>
-          <a:p>
-            <a:pPr marL="914400" lvl="1" indent="-457200">
-              <a:buFont typeface="+mj-lt"/>
-              <a:buAutoNum type="arabicPeriod"/>
-            </a:pPr>
-            <a:r>
-              <a:rPr lang="en-US" dirty="0"/>
-              <a:t>Base64 decoded the resource</a:t>
-            </a:r>
-          </a:p>
-          <a:p>
-            <a:pPr marL="914400" lvl="1" indent="-457200">
-              <a:buFont typeface="+mj-lt"/>
-              <a:buAutoNum type="arabicPeriod"/>
-            </a:pPr>
-            <a:r>
-              <a:rPr lang="en-US" dirty="0"/>
-              <a:t>Wrote the resource to file</a:t>
-            </a:r>
-          </a:p>
-          <a:p>
-            <a:pPr marL="914400" lvl="1" indent="-457200">
-              <a:buFont typeface="+mj-lt"/>
-              <a:buAutoNum type="arabicPeriod"/>
-            </a:pPr>
-            <a:r>
-              <a:rPr lang="en-US" dirty="0"/>
-              <a:t>Launched the resource</a:t>
-            </a:r>
-          </a:p>
-          <a:p>
-            <a:pPr marL="914400" lvl="1" indent="-457200">
-              <a:buFont typeface="+mj-lt"/>
-              <a:buAutoNum type="arabicPeriod"/>
-            </a:pPr>
-            <a:r>
-              <a:rPr lang="en-US" dirty="0"/>
-              <a:t>Dynamically loaded 90% of APIs</a:t>
-            </a:r>
-          </a:p>
-          <a:p>
-            <a:pPr marL="914400" lvl="1" indent="-457200">
-              <a:buFont typeface="+mj-lt"/>
-              <a:buAutoNum type="arabicPeriod"/>
-            </a:pPr>
-            <a:r>
-              <a:rPr lang="en-US" dirty="0"/>
-              <a:t>Encoded strings as int arrays</a:t>
-            </a:r>
-          </a:p>
-          <a:p>
-            <a:pPr marL="914400" lvl="1" indent="-457200">
-              <a:buFont typeface="+mj-lt"/>
-              <a:buAutoNum type="arabicPeriod"/>
-            </a:pPr>
-            <a:r>
-              <a:rPr lang="en-US" dirty="0"/>
-              <a:t>Mimicked the NTDLL.dll</a:t>
-            </a:r>
+          <a:bodyPr/>
+          <a:lstStyle/>
+          <a:p>
+            <a:endParaRPr lang="en-US" dirty="0"/>
           </a:p>
         </p:txBody>
       </p:sp>
     </p:spTree>
     <p:extLst>
       <p:ext uri="{BB962C8B-B14F-4D97-AF65-F5344CB8AC3E}">
-        <p14:creationId xmlns:p14="http://schemas.microsoft.com/office/powerpoint/2010/main" val="2985131579"/>
+        <p14:creationId xmlns:p14="http://schemas.microsoft.com/office/powerpoint/2010/main" val="1150152782"/>
       </p:ext>
     </p:extLst>
   </p:cSld>
@@ -7066,7 +6948,7 @@
           <p:cNvPr id="2" name="Title 1">
             <a:extLst>
               <a:ext uri="{FF2B5EF4-FFF2-40B4-BE49-F238E27FC236}">
-                <a16:creationId xmlns:a16="http://schemas.microsoft.com/office/drawing/2014/main" id="{4FB198E3-1EDE-0E6D-7A4D-CE66E43E21FD}"/>
+                <a16:creationId xmlns:a16="http://schemas.microsoft.com/office/drawing/2014/main" id="{F0CF6617-A08A-C0D6-F1DE-192CBAA5BE64}"/>
               </a:ext>
             </a:extLst>
           </p:cNvPr>
@@ -7084,7 +6966,7 @@
           <a:p>
             <a:r>
               <a:rPr lang="en-US" dirty="0"/>
-              <a:t>Baseline Attack Visualization</a:t>
+              <a:t>Feature Extraction</a:t>
             </a:r>
           </a:p>
         </p:txBody>
@@ -7094,7 +6976,7 @@
           <p:cNvPr id="3" name="Content Placeholder 2">
             <a:extLst>
               <a:ext uri="{FF2B5EF4-FFF2-40B4-BE49-F238E27FC236}">
-                <a16:creationId xmlns:a16="http://schemas.microsoft.com/office/drawing/2014/main" id="{9D118AC6-6D85-C3C2-E653-2FC1561C7EFE}"/>
+                <a16:creationId xmlns:a16="http://schemas.microsoft.com/office/drawing/2014/main" id="{BB3EDD30-3F33-08E6-18FC-603451BAE124}"/>
               </a:ext>
             </a:extLst>
           </p:cNvPr>
@@ -7107,17 +6989,49 @@
         </p:nvSpPr>
         <p:spPr/>
         <p:txBody>
-          <a:bodyPr/>
-          <a:lstStyle/>
-          <a:p>
-            <a:endParaRPr lang="en-US"/>
+          <a:bodyPr>
+            <a:normAutofit/>
+          </a:bodyPr>
+          <a:lstStyle/>
+          <a:p>
+            <a:pPr marL="0" indent="0">
+              <a:buNone/>
+            </a:pPr>
+            <a:r>
+              <a:rPr lang="en-US" dirty="0"/>
+              <a:t>414 features in total extracted</a:t>
+            </a:r>
+          </a:p>
+          <a:p>
+            <a:r>
+              <a:rPr lang="en-US" dirty="0"/>
+              <a:t>14 header features </a:t>
+            </a:r>
+          </a:p>
+          <a:p>
+            <a:r>
+              <a:rPr lang="en-US" dirty="0"/>
+              <a:t>200 bi-gram byte features </a:t>
+            </a:r>
+          </a:p>
+          <a:p>
+            <a:r>
+              <a:rPr lang="en-US" dirty="0"/>
+              <a:t>100 bi-gram opcode features </a:t>
+            </a:r>
+          </a:p>
+          <a:p>
+            <a:r>
+              <a:rPr lang="en-US" dirty="0"/>
+              <a:t>100 tri-gram opcode features</a:t>
+            </a:r>
           </a:p>
         </p:txBody>
       </p:sp>
     </p:spTree>
     <p:extLst>
       <p:ext uri="{BB962C8B-B14F-4D97-AF65-F5344CB8AC3E}">
-        <p14:creationId xmlns:p14="http://schemas.microsoft.com/office/powerpoint/2010/main" val="1150152782"/>
+        <p14:creationId xmlns:p14="http://schemas.microsoft.com/office/powerpoint/2010/main" val="2985131579"/>
       </p:ext>
     </p:extLst>
   </p:cSld>

--- a/defender/DefenderSlides.pptx
+++ b/defender/DefenderSlides.pptx
@@ -7,38 +7,19 @@
   <p:sldIdLst>
     <p:sldId id="256" r:id="rId2"/>
     <p:sldId id="257" r:id="rId3"/>
-    <p:sldId id="263" r:id="rId4"/>
-    <p:sldId id="262" r:id="rId5"/>
-    <p:sldId id="258" r:id="rId6"/>
-    <p:sldId id="266" r:id="rId7"/>
-    <p:sldId id="261" r:id="rId8"/>
-    <p:sldId id="264" r:id="rId9"/>
-    <p:sldId id="265" r:id="rId10"/>
-    <p:sldId id="267" r:id="rId11"/>
-    <p:sldId id="268" r:id="rId12"/>
-    <p:sldId id="269" r:id="rId13"/>
-    <p:sldId id="270" r:id="rId14"/>
-    <p:sldId id="259" r:id="rId15"/>
-    <p:sldId id="283" r:id="rId16"/>
-    <p:sldId id="284" r:id="rId17"/>
-    <p:sldId id="285" r:id="rId18"/>
-    <p:sldId id="286" r:id="rId19"/>
-    <p:sldId id="287" r:id="rId20"/>
-    <p:sldId id="288" r:id="rId21"/>
-    <p:sldId id="289" r:id="rId22"/>
-    <p:sldId id="260" r:id="rId23"/>
-    <p:sldId id="273" r:id="rId24"/>
-    <p:sldId id="274" r:id="rId25"/>
-    <p:sldId id="275" r:id="rId26"/>
-    <p:sldId id="276" r:id="rId27"/>
-    <p:sldId id="277" r:id="rId28"/>
-    <p:sldId id="279" r:id="rId29"/>
-    <p:sldId id="278" r:id="rId30"/>
-    <p:sldId id="280" r:id="rId31"/>
-    <p:sldId id="272" r:id="rId32"/>
-    <p:sldId id="271" r:id="rId33"/>
-    <p:sldId id="281" r:id="rId34"/>
-    <p:sldId id="282" r:id="rId35"/>
+    <p:sldId id="262" r:id="rId4"/>
+    <p:sldId id="276" r:id="rId5"/>
+    <p:sldId id="277" r:id="rId6"/>
+    <p:sldId id="270" r:id="rId7"/>
+    <p:sldId id="265" r:id="rId8"/>
+    <p:sldId id="268" r:id="rId9"/>
+    <p:sldId id="269" r:id="rId10"/>
+    <p:sldId id="271" r:id="rId11"/>
+    <p:sldId id="272" r:id="rId12"/>
+    <p:sldId id="273" r:id="rId13"/>
+    <p:sldId id="274" r:id="rId14"/>
+    <p:sldId id="275" r:id="rId15"/>
+    <p:sldId id="258" r:id="rId16"/>
   </p:sldIdLst>
   <p:sldSz cx="12192000" cy="6858000"/>
   <p:notesSz cx="6858000" cy="9144000"/>
@@ -3452,7 +3433,7 @@
           <p:cNvPr id="2" name="Title 1">
             <a:extLst>
               <a:ext uri="{FF2B5EF4-FFF2-40B4-BE49-F238E27FC236}">
-                <a16:creationId xmlns:a16="http://schemas.microsoft.com/office/drawing/2014/main" id="{CA3AB646-4C73-B174-E071-D087189BB4AF}"/>
+                <a16:creationId xmlns:a16="http://schemas.microsoft.com/office/drawing/2014/main" id="{3B25F6F7-EF78-64B6-9D93-BFF7FACB8359}"/>
               </a:ext>
             </a:extLst>
           </p:cNvPr>
@@ -3470,7 +3451,7 @@
           <a:p>
             <a:r>
               <a:rPr lang="en-US" dirty="0"/>
-              <a:t>Attack v1 Results</a:t>
+              <a:t>Bi-gram byte feature - selection</a:t>
             </a:r>
           </a:p>
         </p:txBody>
@@ -3480,7 +3461,7 @@
           <p:cNvPr id="3" name="Content Placeholder 2">
             <a:extLst>
               <a:ext uri="{FF2B5EF4-FFF2-40B4-BE49-F238E27FC236}">
-                <a16:creationId xmlns:a16="http://schemas.microsoft.com/office/drawing/2014/main" id="{7A036275-1230-BD83-524D-FE95F9913FA8}"/>
+                <a16:creationId xmlns:a16="http://schemas.microsoft.com/office/drawing/2014/main" id="{9102029A-D9D6-38EC-1827-9D6254A869B5}"/>
               </a:ext>
             </a:extLst>
           </p:cNvPr>
@@ -3493,188 +3474,207 @@
         </p:nvSpPr>
         <p:spPr/>
         <p:txBody>
-          <a:bodyPr/>
-          <a:lstStyle/>
-          <a:p>
+          <a:bodyPr>
+            <a:normAutofit fontScale="85000" lnSpcReduction="20000"/>
+          </a:bodyPr>
+          <a:lstStyle/>
+          <a:p>
+            <a:pPr>
+              <a:lnSpc>
+                <a:spcPct val="100000"/>
+              </a:lnSpc>
+            </a:pPr>
+            <a:r>
+              <a:rPr lang="en-US" dirty="0">
+                <a:solidFill>
+                  <a:srgbClr val="374151"/>
+                </a:solidFill>
+                <a:latin typeface="Söhne"/>
+              </a:rPr>
+              <a:t>Unique set of every bi-gram byte encountered in all samples</a:t>
+            </a:r>
+          </a:p>
+          <a:p>
+            <a:pPr>
+              <a:lnSpc>
+                <a:spcPct val="100000"/>
+              </a:lnSpc>
+            </a:pPr>
+            <a:endParaRPr lang="en-US" dirty="0">
+              <a:solidFill>
+                <a:srgbClr val="374151"/>
+              </a:solidFill>
+              <a:latin typeface="Söhne"/>
+            </a:endParaRPr>
+          </a:p>
+          <a:p>
+            <a:pPr>
+              <a:lnSpc>
+                <a:spcPct val="100000"/>
+              </a:lnSpc>
+            </a:pPr>
+            <a:r>
+              <a:rPr lang="en-US" dirty="0">
+                <a:solidFill>
+                  <a:srgbClr val="374151"/>
+                </a:solidFill>
+                <a:latin typeface="Söhne"/>
+              </a:rPr>
+              <a:t>Selected top 200 most influential bi-gram bytes from the unique set</a:t>
+            </a:r>
+          </a:p>
+          <a:p>
+            <a:pPr>
+              <a:lnSpc>
+                <a:spcPct val="100000"/>
+              </a:lnSpc>
+            </a:pPr>
+            <a:endParaRPr lang="en-US" dirty="0">
+              <a:solidFill>
+                <a:srgbClr val="374151"/>
+              </a:solidFill>
+              <a:latin typeface="Söhne"/>
+            </a:endParaRPr>
+          </a:p>
+          <a:p>
+            <a:pPr>
+              <a:lnSpc>
+                <a:spcPct val="100000"/>
+              </a:lnSpc>
+            </a:pPr>
+            <a:r>
+              <a:rPr lang="en-US" dirty="0">
+                <a:solidFill>
+                  <a:srgbClr val="374151"/>
+                </a:solidFill>
+                <a:latin typeface="Söhne"/>
+              </a:rPr>
+              <a:t>We selected the features using the </a:t>
+            </a:r>
             <a:r>
               <a:rPr lang="en-US" dirty="0" err="1"/>
-              <a:t>VirusTotal</a:t>
+              <a:t>RandomForest</a:t>
             </a:r>
             <a:r>
               <a:rPr lang="en-US" dirty="0"/>
-              <a:t> of Evade1-0000 before and after</a:t>
-            </a:r>
-          </a:p>
-        </p:txBody>
-      </p:sp>
-      <p:pic>
-        <p:nvPicPr>
-          <p:cNvPr id="1026" name="Picture 2">
-            <a:extLst>
-              <a:ext uri="{FF2B5EF4-FFF2-40B4-BE49-F238E27FC236}">
-                <a16:creationId xmlns:a16="http://schemas.microsoft.com/office/drawing/2014/main" id="{E7AED2E5-255F-2A76-7417-DAF4C9A74D25}"/>
-              </a:ext>
-            </a:extLst>
-          </p:cNvPr>
-          <p:cNvPicPr>
-            <a:picLocks noChangeAspect="1" noChangeArrowheads="1"/>
-          </p:cNvPicPr>
-          <p:nvPr/>
-        </p:nvPicPr>
-        <p:blipFill>
-          <a:blip r:embed="rId2">
-            <a:extLst>
-              <a:ext uri="{28A0092B-C50C-407E-A947-70E740481C1C}">
-                <a14:useLocalDpi xmlns:a14="http://schemas.microsoft.com/office/drawing/2010/main" val="0"/>
-              </a:ext>
-            </a:extLst>
-          </a:blip>
-          <a:srcRect/>
-          <a:stretch>
-            <a:fillRect/>
-          </a:stretch>
-        </p:blipFill>
-        <p:spPr bwMode="auto">
-          <a:xfrm>
-            <a:off x="756567" y="2514600"/>
-            <a:ext cx="4860202" cy="2819400"/>
-          </a:xfrm>
-          <a:prstGeom prst="rect">
-            <a:avLst/>
-          </a:prstGeom>
-          <a:noFill/>
-          <a:extLst>
-            <a:ext uri="{909E8E84-426E-40DD-AFC4-6F175D3DCCD1}">
-              <a14:hiddenFill xmlns:a14="http://schemas.microsoft.com/office/drawing/2010/main">
-                <a:solidFill>
-                  <a:srgbClr val="FFFFFF"/>
-                </a:solidFill>
-              </a14:hiddenFill>
-            </a:ext>
-          </a:extLst>
-        </p:spPr>
-      </p:pic>
-      <p:pic>
-        <p:nvPicPr>
-          <p:cNvPr id="1028" name="Picture 4">
-            <a:extLst>
-              <a:ext uri="{FF2B5EF4-FFF2-40B4-BE49-F238E27FC236}">
-                <a16:creationId xmlns:a16="http://schemas.microsoft.com/office/drawing/2014/main" id="{81E8044B-9CAD-AB50-9C8C-11C6EB4B5A5D}"/>
-              </a:ext>
-            </a:extLst>
-          </p:cNvPr>
-          <p:cNvPicPr>
-            <a:picLocks noChangeAspect="1" noChangeArrowheads="1"/>
-          </p:cNvPicPr>
-          <p:nvPr/>
-        </p:nvPicPr>
-        <p:blipFill>
-          <a:blip r:embed="rId3">
-            <a:extLst>
-              <a:ext uri="{28A0092B-C50C-407E-A947-70E740481C1C}">
-                <a14:useLocalDpi xmlns:a14="http://schemas.microsoft.com/office/drawing/2010/main" val="0"/>
-              </a:ext>
-            </a:extLst>
-          </a:blip>
-          <a:srcRect/>
-          <a:stretch>
-            <a:fillRect/>
-          </a:stretch>
-        </p:blipFill>
-        <p:spPr bwMode="auto">
-          <a:xfrm>
-            <a:off x="6381751" y="2514600"/>
-            <a:ext cx="4870644" cy="2819400"/>
-          </a:xfrm>
-          <a:prstGeom prst="rect">
-            <a:avLst/>
-          </a:prstGeom>
-          <a:noFill/>
-          <a:extLst>
-            <a:ext uri="{909E8E84-426E-40DD-AFC4-6F175D3DCCD1}">
-              <a14:hiddenFill xmlns:a14="http://schemas.microsoft.com/office/drawing/2010/main">
-                <a:solidFill>
-                  <a:srgbClr val="FFFFFF"/>
-                </a:solidFill>
-              </a14:hiddenFill>
-            </a:ext>
-          </a:extLst>
-        </p:spPr>
-      </p:pic>
-      <p:sp>
-        <p:nvSpPr>
-          <p:cNvPr id="4" name="TextBox 3">
-            <a:extLst>
-              <a:ext uri="{FF2B5EF4-FFF2-40B4-BE49-F238E27FC236}">
-                <a16:creationId xmlns:a16="http://schemas.microsoft.com/office/drawing/2014/main" id="{2D6A3241-A039-B967-177D-44E673AFF8F6}"/>
-              </a:ext>
-            </a:extLst>
-          </p:cNvPr>
-          <p:cNvSpPr txBox="1"/>
-          <p:nvPr/>
-        </p:nvSpPr>
-        <p:spPr>
-          <a:xfrm>
-            <a:off x="2785115" y="5334000"/>
-            <a:ext cx="803105" cy="369332"/>
-          </a:xfrm>
-          <a:prstGeom prst="rect">
-            <a:avLst/>
-          </a:prstGeom>
-          <a:noFill/>
-        </p:spPr>
-        <p:txBody>
-          <a:bodyPr wrap="none" rtlCol="0">
-            <a:spAutoFit/>
-          </a:bodyPr>
-          <a:lstStyle/>
-          <a:p>
+              <a:t> (</a:t>
+            </a:r>
+            <a:r>
+              <a:rPr lang="en-US" altLang="zh-CN" dirty="0" err="1"/>
+              <a:t>n_</a:t>
+            </a:r>
+            <a:r>
+              <a:rPr lang="en-US" dirty="0" err="1"/>
+              <a:t>estimators</a:t>
+            </a:r>
             <a:r>
               <a:rPr lang="en-US" dirty="0"/>
-              <a:t>Before</a:t>
-            </a:r>
-          </a:p>
-        </p:txBody>
-      </p:sp>
-      <p:sp>
-        <p:nvSpPr>
-          <p:cNvPr id="5" name="TextBox 4">
-            <a:extLst>
-              <a:ext uri="{FF2B5EF4-FFF2-40B4-BE49-F238E27FC236}">
-                <a16:creationId xmlns:a16="http://schemas.microsoft.com/office/drawing/2014/main" id="{1D2433BE-C890-09BF-F526-603B51AB1757}"/>
-              </a:ext>
-            </a:extLst>
-          </p:cNvPr>
-          <p:cNvSpPr txBox="1"/>
-          <p:nvPr/>
-        </p:nvSpPr>
-        <p:spPr>
-          <a:xfrm>
-            <a:off x="8415520" y="5334000"/>
-            <a:ext cx="658257" cy="369332"/>
-          </a:xfrm>
-          <a:prstGeom prst="rect">
-            <a:avLst/>
-          </a:prstGeom>
-          <a:noFill/>
-        </p:spPr>
-        <p:txBody>
-          <a:bodyPr wrap="none" rtlCol="0">
-            <a:spAutoFit/>
-          </a:bodyPr>
-          <a:lstStyle/>
-          <a:p>
+              <a:t>=1000, </a:t>
+            </a:r>
+            <a:r>
+              <a:rPr lang="en-US" dirty="0" err="1"/>
+              <a:t>max_depth</a:t>
+            </a:r>
             <a:r>
               <a:rPr lang="en-US" dirty="0"/>
-              <a:t>After</a:t>
-            </a:r>
+              <a:t>=5) </a:t>
+            </a:r>
+            <a:r>
+              <a:rPr lang="en-US" altLang="zh-CN" dirty="0">
+                <a:solidFill>
+                  <a:srgbClr val="374151"/>
+                </a:solidFill>
+                <a:latin typeface="Söhne"/>
+              </a:rPr>
+              <a:t>classifier</a:t>
+            </a:r>
+          </a:p>
+          <a:p>
+            <a:pPr>
+              <a:lnSpc>
+                <a:spcPct val="100000"/>
+              </a:lnSpc>
+            </a:pPr>
+            <a:endParaRPr lang="en-US" altLang="zh-CN" dirty="0">
+              <a:solidFill>
+                <a:srgbClr val="374151"/>
+              </a:solidFill>
+              <a:latin typeface="Söhne"/>
+            </a:endParaRPr>
+          </a:p>
+          <a:p>
+            <a:pPr>
+              <a:lnSpc>
+                <a:spcPct val="100000"/>
+              </a:lnSpc>
+            </a:pPr>
+            <a:r>
+              <a:rPr lang="en-US" altLang="zh-CN" dirty="0">
+                <a:solidFill>
+                  <a:srgbClr val="374151"/>
+                </a:solidFill>
+                <a:latin typeface="Söhne"/>
+              </a:rPr>
+              <a:t>One-hot encoded each of the sample with the presence of each selected bi-gram byte</a:t>
+            </a:r>
+          </a:p>
+          <a:p>
+            <a:pPr marL="0" indent="0">
+              <a:lnSpc>
+                <a:spcPct val="100000"/>
+              </a:lnSpc>
+              <a:buNone/>
+            </a:pPr>
+            <a:br>
+              <a:rPr lang="en-US" dirty="0">
+                <a:solidFill>
+                  <a:srgbClr val="374151"/>
+                </a:solidFill>
+                <a:latin typeface="Söhne"/>
+              </a:rPr>
+            </a:br>
+            <a:endParaRPr lang="en-US" dirty="0">
+              <a:solidFill>
+                <a:srgbClr val="374151"/>
+              </a:solidFill>
+              <a:latin typeface="Söhne"/>
+            </a:endParaRPr>
+          </a:p>
+          <a:p>
+            <a:pPr>
+              <a:lnSpc>
+                <a:spcPct val="100000"/>
+              </a:lnSpc>
+            </a:pPr>
+            <a:endParaRPr lang="en-US" b="0" i="0" dirty="0">
+              <a:solidFill>
+                <a:srgbClr val="374151"/>
+              </a:solidFill>
+              <a:effectLst/>
+              <a:latin typeface="Söhne"/>
+            </a:endParaRPr>
+          </a:p>
+          <a:p>
+            <a:pPr marL="0" indent="0">
+              <a:lnSpc>
+                <a:spcPct val="100000"/>
+              </a:lnSpc>
+              <a:buNone/>
+            </a:pPr>
+            <a:endParaRPr lang="en-US" b="0" i="0" dirty="0">
+              <a:solidFill>
+                <a:srgbClr val="374151"/>
+              </a:solidFill>
+              <a:effectLst/>
+              <a:latin typeface="Söhne"/>
+            </a:endParaRPr>
           </a:p>
         </p:txBody>
       </p:sp>
     </p:spTree>
     <p:extLst>
       <p:ext uri="{BB962C8B-B14F-4D97-AF65-F5344CB8AC3E}">
-        <p14:creationId xmlns:p14="http://schemas.microsoft.com/office/powerpoint/2010/main" val="281060214"/>
+        <p14:creationId xmlns:p14="http://schemas.microsoft.com/office/powerpoint/2010/main" val="4243993425"/>
       </p:ext>
     </p:extLst>
   </p:cSld>
@@ -3706,7 +3706,7 @@
           <p:cNvPr id="2" name="Title 1">
             <a:extLst>
               <a:ext uri="{FF2B5EF4-FFF2-40B4-BE49-F238E27FC236}">
-                <a16:creationId xmlns:a16="http://schemas.microsoft.com/office/drawing/2014/main" id="{3BE92800-A50A-0405-E2C4-CFF529A88714}"/>
+                <a16:creationId xmlns:a16="http://schemas.microsoft.com/office/drawing/2014/main" id="{3B25F6F7-EF78-64B6-9D93-BFF7FACB8359}"/>
               </a:ext>
             </a:extLst>
           </p:cNvPr>
@@ -3724,7 +3724,7 @@
           <a:p>
             <a:r>
               <a:rPr lang="en-US" dirty="0"/>
-              <a:t>Attack v1 Results</a:t>
+              <a:t>Bi-gram opcode feature - selection</a:t>
             </a:r>
           </a:p>
         </p:txBody>
@@ -3734,7 +3734,7 @@
           <p:cNvPr id="3" name="Content Placeholder 2">
             <a:extLst>
               <a:ext uri="{FF2B5EF4-FFF2-40B4-BE49-F238E27FC236}">
-                <a16:creationId xmlns:a16="http://schemas.microsoft.com/office/drawing/2014/main" id="{8BA3E57B-49AD-486A-DFF2-62FACAE0EFEB}"/>
+                <a16:creationId xmlns:a16="http://schemas.microsoft.com/office/drawing/2014/main" id="{9102029A-D9D6-38EC-1827-9D6254A869B5}"/>
               </a:ext>
             </a:extLst>
           </p:cNvPr>
@@ -3747,67 +3747,225 @@
         </p:nvSpPr>
         <p:spPr/>
         <p:txBody>
-          <a:bodyPr/>
-          <a:lstStyle/>
-          <a:p>
+          <a:bodyPr>
+            <a:normAutofit fontScale="85000" lnSpcReduction="20000"/>
+          </a:bodyPr>
+          <a:lstStyle/>
+          <a:p>
+            <a:pPr>
+              <a:lnSpc>
+                <a:spcPct val="100000"/>
+              </a:lnSpc>
+            </a:pPr>
+            <a:r>
+              <a:rPr lang="en-US" dirty="0">
+                <a:solidFill>
+                  <a:srgbClr val="374151"/>
+                </a:solidFill>
+                <a:latin typeface="Söhne"/>
+              </a:rPr>
+              <a:t>Unique set of every bi-gram opcode encountered in all samples</a:t>
+            </a:r>
+          </a:p>
+          <a:p>
+            <a:pPr>
+              <a:lnSpc>
+                <a:spcPct val="100000"/>
+              </a:lnSpc>
+            </a:pPr>
+            <a:endParaRPr lang="en-US" dirty="0">
+              <a:solidFill>
+                <a:srgbClr val="374151"/>
+              </a:solidFill>
+              <a:latin typeface="Söhne"/>
+            </a:endParaRPr>
+          </a:p>
+          <a:p>
+            <a:pPr>
+              <a:lnSpc>
+                <a:spcPct val="100000"/>
+              </a:lnSpc>
+            </a:pPr>
+            <a:r>
+              <a:rPr lang="en-US" dirty="0">
+                <a:solidFill>
+                  <a:srgbClr val="374151"/>
+                </a:solidFill>
+                <a:latin typeface="Söhne"/>
+              </a:rPr>
+              <a:t>Selected top 100 most influential bi-gram </a:t>
+            </a:r>
+            <a:r>
+              <a:rPr lang="en-US" altLang="zh-CN" dirty="0">
+                <a:solidFill>
+                  <a:srgbClr val="374151"/>
+                </a:solidFill>
+                <a:latin typeface="Söhne"/>
+              </a:rPr>
+              <a:t>opcodes</a:t>
+            </a:r>
+            <a:r>
+              <a:rPr lang="en-US" dirty="0">
+                <a:solidFill>
+                  <a:srgbClr val="374151"/>
+                </a:solidFill>
+                <a:latin typeface="Söhne"/>
+              </a:rPr>
+              <a:t> from the unique set</a:t>
+            </a:r>
+          </a:p>
+          <a:p>
+            <a:pPr>
+              <a:lnSpc>
+                <a:spcPct val="100000"/>
+              </a:lnSpc>
+            </a:pPr>
+            <a:endParaRPr lang="en-US" dirty="0">
+              <a:solidFill>
+                <a:srgbClr val="374151"/>
+              </a:solidFill>
+              <a:latin typeface="Söhne"/>
+            </a:endParaRPr>
+          </a:p>
+          <a:p>
+            <a:pPr>
+              <a:lnSpc>
+                <a:spcPct val="100000"/>
+              </a:lnSpc>
+            </a:pPr>
+            <a:r>
+              <a:rPr lang="en-US" dirty="0">
+                <a:solidFill>
+                  <a:srgbClr val="374151"/>
+                </a:solidFill>
+                <a:latin typeface="Söhne"/>
+              </a:rPr>
+              <a:t>We selected the features using the </a:t>
+            </a:r>
+            <a:r>
+              <a:rPr lang="en-US" dirty="0" err="1"/>
+              <a:t>RandomForest</a:t>
+            </a:r>
             <a:r>
               <a:rPr lang="en-US" dirty="0"/>
-              <a:t>Hybrid Analysis</a:t>
-            </a:r>
-          </a:p>
-        </p:txBody>
-      </p:sp>
-      <p:pic>
-        <p:nvPicPr>
-          <p:cNvPr id="2050" name="Picture 2">
-            <a:extLst>
-              <a:ext uri="{FF2B5EF4-FFF2-40B4-BE49-F238E27FC236}">
-                <a16:creationId xmlns:a16="http://schemas.microsoft.com/office/drawing/2014/main" id="{82D5E5C7-AAE9-23BC-12B8-8F6B5008C9B5}"/>
-              </a:ext>
-            </a:extLst>
-          </p:cNvPr>
-          <p:cNvPicPr>
-            <a:picLocks noChangeAspect="1" noChangeArrowheads="1"/>
-          </p:cNvPicPr>
-          <p:nvPr/>
-        </p:nvPicPr>
-        <p:blipFill>
-          <a:blip r:embed="rId2">
-            <a:extLst>
-              <a:ext uri="{28A0092B-C50C-407E-A947-70E740481C1C}">
-                <a14:useLocalDpi xmlns:a14="http://schemas.microsoft.com/office/drawing/2010/main" val="0"/>
-              </a:ext>
-            </a:extLst>
-          </a:blip>
-          <a:srcRect/>
-          <a:stretch>
-            <a:fillRect/>
-          </a:stretch>
-        </p:blipFill>
-        <p:spPr bwMode="auto">
-          <a:xfrm>
-            <a:off x="3867150" y="1690688"/>
-            <a:ext cx="4457699" cy="4693458"/>
-          </a:xfrm>
-          <a:prstGeom prst="rect">
-            <a:avLst/>
-          </a:prstGeom>
-          <a:noFill/>
-          <a:extLst>
-            <a:ext uri="{909E8E84-426E-40DD-AFC4-6F175D3DCCD1}">
-              <a14:hiddenFill xmlns:a14="http://schemas.microsoft.com/office/drawing/2010/main">
-                <a:solidFill>
-                  <a:srgbClr val="FFFFFF"/>
-                </a:solidFill>
-              </a14:hiddenFill>
-            </a:ext>
-          </a:extLst>
-        </p:spPr>
-      </p:pic>
+              <a:t> (</a:t>
+            </a:r>
+            <a:r>
+              <a:rPr lang="en-US" altLang="zh-CN" dirty="0" err="1"/>
+              <a:t>n_</a:t>
+            </a:r>
+            <a:r>
+              <a:rPr lang="en-US" dirty="0" err="1"/>
+              <a:t>estimators</a:t>
+            </a:r>
+            <a:r>
+              <a:rPr lang="en-US" dirty="0"/>
+              <a:t>=1000, </a:t>
+            </a:r>
+            <a:r>
+              <a:rPr lang="en-US" dirty="0" err="1"/>
+              <a:t>max_depth</a:t>
+            </a:r>
+            <a:r>
+              <a:rPr lang="en-US" dirty="0"/>
+              <a:t>=5) </a:t>
+            </a:r>
+            <a:r>
+              <a:rPr lang="en-US" altLang="zh-CN" dirty="0">
+                <a:solidFill>
+                  <a:srgbClr val="374151"/>
+                </a:solidFill>
+                <a:latin typeface="Söhne"/>
+              </a:rPr>
+              <a:t>classifier</a:t>
+            </a:r>
+          </a:p>
+          <a:p>
+            <a:pPr>
+              <a:lnSpc>
+                <a:spcPct val="100000"/>
+              </a:lnSpc>
+            </a:pPr>
+            <a:endParaRPr lang="en-US" altLang="zh-CN" dirty="0">
+              <a:solidFill>
+                <a:srgbClr val="374151"/>
+              </a:solidFill>
+              <a:latin typeface="Söhne"/>
+            </a:endParaRPr>
+          </a:p>
+          <a:p>
+            <a:pPr>
+              <a:lnSpc>
+                <a:spcPct val="100000"/>
+              </a:lnSpc>
+            </a:pPr>
+            <a:r>
+              <a:rPr lang="en-US" altLang="zh-CN" dirty="0">
+                <a:solidFill>
+                  <a:srgbClr val="374151"/>
+                </a:solidFill>
+                <a:latin typeface="Söhne"/>
+              </a:rPr>
+              <a:t>One-hot encoded each of the sample with the presence of each selected bi-gram opcodes</a:t>
+            </a:r>
+          </a:p>
+          <a:p>
+            <a:pPr marL="0" indent="0">
+              <a:lnSpc>
+                <a:spcPct val="100000"/>
+              </a:lnSpc>
+              <a:buNone/>
+            </a:pPr>
+            <a:br>
+              <a:rPr lang="en-US" dirty="0">
+                <a:solidFill>
+                  <a:srgbClr val="374151"/>
+                </a:solidFill>
+                <a:latin typeface="Söhne"/>
+              </a:rPr>
+            </a:br>
+            <a:endParaRPr lang="en-US" dirty="0">
+              <a:solidFill>
+                <a:srgbClr val="374151"/>
+              </a:solidFill>
+              <a:latin typeface="Söhne"/>
+            </a:endParaRPr>
+          </a:p>
+          <a:p>
+            <a:pPr>
+              <a:lnSpc>
+                <a:spcPct val="100000"/>
+              </a:lnSpc>
+            </a:pPr>
+            <a:endParaRPr lang="en-US" b="0" i="0" dirty="0">
+              <a:solidFill>
+                <a:srgbClr val="374151"/>
+              </a:solidFill>
+              <a:effectLst/>
+              <a:latin typeface="Söhne"/>
+            </a:endParaRPr>
+          </a:p>
+          <a:p>
+            <a:pPr marL="0" indent="0">
+              <a:lnSpc>
+                <a:spcPct val="100000"/>
+              </a:lnSpc>
+              <a:buNone/>
+            </a:pPr>
+            <a:endParaRPr lang="en-US" b="0" i="0" dirty="0">
+              <a:solidFill>
+                <a:srgbClr val="374151"/>
+              </a:solidFill>
+              <a:effectLst/>
+              <a:latin typeface="Söhne"/>
+            </a:endParaRPr>
+          </a:p>
+        </p:txBody>
+      </p:sp>
     </p:spTree>
     <p:extLst>
       <p:ext uri="{BB962C8B-B14F-4D97-AF65-F5344CB8AC3E}">
-        <p14:creationId xmlns:p14="http://schemas.microsoft.com/office/powerpoint/2010/main" val="1739672199"/>
+        <p14:creationId xmlns:p14="http://schemas.microsoft.com/office/powerpoint/2010/main" val="3559358046"/>
       </p:ext>
     </p:extLst>
   </p:cSld>
@@ -3839,7 +3997,7 @@
           <p:cNvPr id="2" name="Title 1">
             <a:extLst>
               <a:ext uri="{FF2B5EF4-FFF2-40B4-BE49-F238E27FC236}">
-                <a16:creationId xmlns:a16="http://schemas.microsoft.com/office/drawing/2014/main" id="{5A2D35F4-B6D9-1888-7B5B-ECD1CD183E40}"/>
+                <a16:creationId xmlns:a16="http://schemas.microsoft.com/office/drawing/2014/main" id="{3B25F6F7-EF78-64B6-9D93-BFF7FACB8359}"/>
               </a:ext>
             </a:extLst>
           </p:cNvPr>
@@ -3857,7 +4015,7 @@
           <a:p>
             <a:r>
               <a:rPr lang="en-US" dirty="0"/>
-              <a:t>Attack v1 Results</a:t>
+              <a:t>Tri-gram opcode feature - selection</a:t>
             </a:r>
           </a:p>
         </p:txBody>
@@ -3867,7 +4025,7 @@
           <p:cNvPr id="3" name="Content Placeholder 2">
             <a:extLst>
               <a:ext uri="{FF2B5EF4-FFF2-40B4-BE49-F238E27FC236}">
-                <a16:creationId xmlns:a16="http://schemas.microsoft.com/office/drawing/2014/main" id="{2AD16838-4405-31D0-B333-91AE730E2CF8}"/>
+                <a16:creationId xmlns:a16="http://schemas.microsoft.com/office/drawing/2014/main" id="{9102029A-D9D6-38EC-1827-9D6254A869B5}"/>
               </a:ext>
             </a:extLst>
           </p:cNvPr>
@@ -3880,67 +4038,225 @@
         </p:nvSpPr>
         <p:spPr/>
         <p:txBody>
-          <a:bodyPr/>
-          <a:lstStyle/>
-          <a:p>
+          <a:bodyPr>
+            <a:normAutofit fontScale="85000" lnSpcReduction="20000"/>
+          </a:bodyPr>
+          <a:lstStyle/>
+          <a:p>
+            <a:pPr>
+              <a:lnSpc>
+                <a:spcPct val="100000"/>
+              </a:lnSpc>
+            </a:pPr>
+            <a:r>
+              <a:rPr lang="en-US" dirty="0">
+                <a:solidFill>
+                  <a:srgbClr val="374151"/>
+                </a:solidFill>
+                <a:latin typeface="Söhne"/>
+              </a:rPr>
+              <a:t>Unique set of every tri-gram opcode encountered in all samples</a:t>
+            </a:r>
+          </a:p>
+          <a:p>
+            <a:pPr>
+              <a:lnSpc>
+                <a:spcPct val="100000"/>
+              </a:lnSpc>
+            </a:pPr>
+            <a:endParaRPr lang="en-US" dirty="0">
+              <a:solidFill>
+                <a:srgbClr val="374151"/>
+              </a:solidFill>
+              <a:latin typeface="Söhne"/>
+            </a:endParaRPr>
+          </a:p>
+          <a:p>
+            <a:pPr>
+              <a:lnSpc>
+                <a:spcPct val="100000"/>
+              </a:lnSpc>
+            </a:pPr>
+            <a:r>
+              <a:rPr lang="en-US" dirty="0">
+                <a:solidFill>
+                  <a:srgbClr val="374151"/>
+                </a:solidFill>
+                <a:latin typeface="Söhne"/>
+              </a:rPr>
+              <a:t>Selected top 100 most influential bi-gram </a:t>
+            </a:r>
+            <a:r>
+              <a:rPr lang="en-US" altLang="zh-CN" dirty="0">
+                <a:solidFill>
+                  <a:srgbClr val="374151"/>
+                </a:solidFill>
+                <a:latin typeface="Söhne"/>
+              </a:rPr>
+              <a:t>opcodes</a:t>
+            </a:r>
+            <a:r>
+              <a:rPr lang="en-US" dirty="0">
+                <a:solidFill>
+                  <a:srgbClr val="374151"/>
+                </a:solidFill>
+                <a:latin typeface="Söhne"/>
+              </a:rPr>
+              <a:t> from the unique set</a:t>
+            </a:r>
+          </a:p>
+          <a:p>
+            <a:pPr>
+              <a:lnSpc>
+                <a:spcPct val="100000"/>
+              </a:lnSpc>
+            </a:pPr>
+            <a:endParaRPr lang="en-US" dirty="0">
+              <a:solidFill>
+                <a:srgbClr val="374151"/>
+              </a:solidFill>
+              <a:latin typeface="Söhne"/>
+            </a:endParaRPr>
+          </a:p>
+          <a:p>
+            <a:pPr>
+              <a:lnSpc>
+                <a:spcPct val="100000"/>
+              </a:lnSpc>
+            </a:pPr>
+            <a:r>
+              <a:rPr lang="en-US" dirty="0">
+                <a:solidFill>
+                  <a:srgbClr val="374151"/>
+                </a:solidFill>
+                <a:latin typeface="Söhne"/>
+              </a:rPr>
+              <a:t>We selected the features using the </a:t>
+            </a:r>
+            <a:r>
+              <a:rPr lang="en-US" dirty="0" err="1"/>
+              <a:t>RandomForest</a:t>
+            </a:r>
             <a:r>
               <a:rPr lang="en-US" dirty="0"/>
-              <a:t>Sandbox Execution</a:t>
-            </a:r>
-          </a:p>
-        </p:txBody>
-      </p:sp>
-      <p:pic>
-        <p:nvPicPr>
-          <p:cNvPr id="3074" name="Picture 2">
-            <a:extLst>
-              <a:ext uri="{FF2B5EF4-FFF2-40B4-BE49-F238E27FC236}">
-                <a16:creationId xmlns:a16="http://schemas.microsoft.com/office/drawing/2014/main" id="{E4714D19-BF44-814D-45CD-66E992404ADD}"/>
-              </a:ext>
-            </a:extLst>
-          </p:cNvPr>
-          <p:cNvPicPr>
-            <a:picLocks noChangeAspect="1" noChangeArrowheads="1"/>
-          </p:cNvPicPr>
-          <p:nvPr/>
-        </p:nvPicPr>
-        <p:blipFill>
-          <a:blip r:embed="rId2">
-            <a:extLst>
-              <a:ext uri="{28A0092B-C50C-407E-A947-70E740481C1C}">
-                <a14:useLocalDpi xmlns:a14="http://schemas.microsoft.com/office/drawing/2010/main" val="0"/>
-              </a:ext>
-            </a:extLst>
-          </a:blip>
-          <a:srcRect/>
-          <a:stretch>
-            <a:fillRect/>
-          </a:stretch>
-        </p:blipFill>
-        <p:spPr bwMode="auto">
-          <a:xfrm>
-            <a:off x="1781493" y="2288478"/>
-            <a:ext cx="8629014" cy="4204397"/>
-          </a:xfrm>
-          <a:prstGeom prst="rect">
-            <a:avLst/>
-          </a:prstGeom>
-          <a:noFill/>
-          <a:extLst>
-            <a:ext uri="{909E8E84-426E-40DD-AFC4-6F175D3DCCD1}">
-              <a14:hiddenFill xmlns:a14="http://schemas.microsoft.com/office/drawing/2010/main">
-                <a:solidFill>
-                  <a:srgbClr val="FFFFFF"/>
-                </a:solidFill>
-              </a14:hiddenFill>
-            </a:ext>
-          </a:extLst>
-        </p:spPr>
-      </p:pic>
+              <a:t> (</a:t>
+            </a:r>
+            <a:r>
+              <a:rPr lang="en-US" altLang="zh-CN" dirty="0" err="1"/>
+              <a:t>n_</a:t>
+            </a:r>
+            <a:r>
+              <a:rPr lang="en-US" dirty="0" err="1"/>
+              <a:t>estimators</a:t>
+            </a:r>
+            <a:r>
+              <a:rPr lang="en-US" dirty="0"/>
+              <a:t>=1000, </a:t>
+            </a:r>
+            <a:r>
+              <a:rPr lang="en-US" dirty="0" err="1"/>
+              <a:t>max_depth</a:t>
+            </a:r>
+            <a:r>
+              <a:rPr lang="en-US" dirty="0"/>
+              <a:t>=5) </a:t>
+            </a:r>
+            <a:r>
+              <a:rPr lang="en-US" altLang="zh-CN" dirty="0">
+                <a:solidFill>
+                  <a:srgbClr val="374151"/>
+                </a:solidFill>
+                <a:latin typeface="Söhne"/>
+              </a:rPr>
+              <a:t>classifier</a:t>
+            </a:r>
+          </a:p>
+          <a:p>
+            <a:pPr>
+              <a:lnSpc>
+                <a:spcPct val="100000"/>
+              </a:lnSpc>
+            </a:pPr>
+            <a:endParaRPr lang="en-US" altLang="zh-CN" dirty="0">
+              <a:solidFill>
+                <a:srgbClr val="374151"/>
+              </a:solidFill>
+              <a:latin typeface="Söhne"/>
+            </a:endParaRPr>
+          </a:p>
+          <a:p>
+            <a:pPr>
+              <a:lnSpc>
+                <a:spcPct val="100000"/>
+              </a:lnSpc>
+            </a:pPr>
+            <a:r>
+              <a:rPr lang="en-US" altLang="zh-CN" dirty="0">
+                <a:solidFill>
+                  <a:srgbClr val="374151"/>
+                </a:solidFill>
+                <a:latin typeface="Söhne"/>
+              </a:rPr>
+              <a:t>One-hot encoded each of the sample with the presence of each selected tri-gram opcodes</a:t>
+            </a:r>
+          </a:p>
+          <a:p>
+            <a:pPr marL="0" indent="0">
+              <a:lnSpc>
+                <a:spcPct val="100000"/>
+              </a:lnSpc>
+              <a:buNone/>
+            </a:pPr>
+            <a:br>
+              <a:rPr lang="en-US" dirty="0">
+                <a:solidFill>
+                  <a:srgbClr val="374151"/>
+                </a:solidFill>
+                <a:latin typeface="Söhne"/>
+              </a:rPr>
+            </a:br>
+            <a:endParaRPr lang="en-US" dirty="0">
+              <a:solidFill>
+                <a:srgbClr val="374151"/>
+              </a:solidFill>
+              <a:latin typeface="Söhne"/>
+            </a:endParaRPr>
+          </a:p>
+          <a:p>
+            <a:pPr>
+              <a:lnSpc>
+                <a:spcPct val="100000"/>
+              </a:lnSpc>
+            </a:pPr>
+            <a:endParaRPr lang="en-US" b="0" i="0" dirty="0">
+              <a:solidFill>
+                <a:srgbClr val="374151"/>
+              </a:solidFill>
+              <a:effectLst/>
+              <a:latin typeface="Söhne"/>
+            </a:endParaRPr>
+          </a:p>
+          <a:p>
+            <a:pPr marL="0" indent="0">
+              <a:lnSpc>
+                <a:spcPct val="100000"/>
+              </a:lnSpc>
+              <a:buNone/>
+            </a:pPr>
+            <a:endParaRPr lang="en-US" b="0" i="0" dirty="0">
+              <a:solidFill>
+                <a:srgbClr val="374151"/>
+              </a:solidFill>
+              <a:effectLst/>
+              <a:latin typeface="Söhne"/>
+            </a:endParaRPr>
+          </a:p>
+        </p:txBody>
+      </p:sp>
     </p:spTree>
     <p:extLst>
       <p:ext uri="{BB962C8B-B14F-4D97-AF65-F5344CB8AC3E}">
-        <p14:creationId xmlns:p14="http://schemas.microsoft.com/office/powerpoint/2010/main" val="4275369606"/>
+        <p14:creationId xmlns:p14="http://schemas.microsoft.com/office/powerpoint/2010/main" val="34170220"/>
       </p:ext>
     </p:extLst>
   </p:cSld>
@@ -3972,7 +4288,7 @@
           <p:cNvPr id="2" name="Title 1">
             <a:extLst>
               <a:ext uri="{FF2B5EF4-FFF2-40B4-BE49-F238E27FC236}">
-                <a16:creationId xmlns:a16="http://schemas.microsoft.com/office/drawing/2014/main" id="{9073D560-83D7-B935-F854-17766C55EA3F}"/>
+                <a16:creationId xmlns:a16="http://schemas.microsoft.com/office/drawing/2014/main" id="{3B25F6F7-EF78-64B6-9D93-BFF7FACB8359}"/>
               </a:ext>
             </a:extLst>
           </p:cNvPr>
@@ -3990,7 +4306,7 @@
           <a:p>
             <a:r>
               <a:rPr lang="en-US" dirty="0"/>
-              <a:t>Attack v1 Additional Note</a:t>
+              <a:t>Tri-gram opcode feature - selection</a:t>
             </a:r>
           </a:p>
         </p:txBody>
@@ -4000,7 +4316,7 @@
           <p:cNvPr id="3" name="Content Placeholder 2">
             <a:extLst>
               <a:ext uri="{FF2B5EF4-FFF2-40B4-BE49-F238E27FC236}">
-                <a16:creationId xmlns:a16="http://schemas.microsoft.com/office/drawing/2014/main" id="{23A2BE76-59BA-404D-82F6-8AE46FE9B4AE}"/>
+                <a16:creationId xmlns:a16="http://schemas.microsoft.com/office/drawing/2014/main" id="{9102029A-D9D6-38EC-1827-9D6254A869B5}"/>
               </a:ext>
             </a:extLst>
           </p:cNvPr>
@@ -4013,73 +4329,225 @@
         </p:nvSpPr>
         <p:spPr/>
         <p:txBody>
-          <a:bodyPr/>
-          <a:lstStyle/>
-          <a:p>
+          <a:bodyPr>
+            <a:normAutofit fontScale="85000" lnSpcReduction="20000"/>
+          </a:bodyPr>
+          <a:lstStyle/>
+          <a:p>
+            <a:pPr>
+              <a:lnSpc>
+                <a:spcPct val="100000"/>
+              </a:lnSpc>
+            </a:pPr>
+            <a:r>
+              <a:rPr lang="en-US" dirty="0">
+                <a:solidFill>
+                  <a:srgbClr val="374151"/>
+                </a:solidFill>
+                <a:latin typeface="Söhne"/>
+              </a:rPr>
+              <a:t>Unique set of every tri-gram opcode encountered in all samples</a:t>
+            </a:r>
+          </a:p>
+          <a:p>
+            <a:pPr>
+              <a:lnSpc>
+                <a:spcPct val="100000"/>
+              </a:lnSpc>
+            </a:pPr>
+            <a:endParaRPr lang="en-US" dirty="0">
+              <a:solidFill>
+                <a:srgbClr val="374151"/>
+              </a:solidFill>
+              <a:latin typeface="Söhne"/>
+            </a:endParaRPr>
+          </a:p>
+          <a:p>
+            <a:pPr>
+              <a:lnSpc>
+                <a:spcPct val="100000"/>
+              </a:lnSpc>
+            </a:pPr>
+            <a:r>
+              <a:rPr lang="en-US" dirty="0">
+                <a:solidFill>
+                  <a:srgbClr val="374151"/>
+                </a:solidFill>
+                <a:latin typeface="Söhne"/>
+              </a:rPr>
+              <a:t>Selected top 100 most influential bi-gram </a:t>
+            </a:r>
+            <a:r>
+              <a:rPr lang="en-US" altLang="zh-CN" dirty="0">
+                <a:solidFill>
+                  <a:srgbClr val="374151"/>
+                </a:solidFill>
+                <a:latin typeface="Söhne"/>
+              </a:rPr>
+              <a:t>opcodes</a:t>
+            </a:r>
+            <a:r>
+              <a:rPr lang="en-US" dirty="0">
+                <a:solidFill>
+                  <a:srgbClr val="374151"/>
+                </a:solidFill>
+                <a:latin typeface="Söhne"/>
+              </a:rPr>
+              <a:t> from the unique set</a:t>
+            </a:r>
+          </a:p>
+          <a:p>
+            <a:pPr>
+              <a:lnSpc>
+                <a:spcPct val="100000"/>
+              </a:lnSpc>
+            </a:pPr>
+            <a:endParaRPr lang="en-US" dirty="0">
+              <a:solidFill>
+                <a:srgbClr val="374151"/>
+              </a:solidFill>
+              <a:latin typeface="Söhne"/>
+            </a:endParaRPr>
+          </a:p>
+          <a:p>
+            <a:pPr>
+              <a:lnSpc>
+                <a:spcPct val="100000"/>
+              </a:lnSpc>
+            </a:pPr>
+            <a:r>
+              <a:rPr lang="en-US" dirty="0">
+                <a:solidFill>
+                  <a:srgbClr val="374151"/>
+                </a:solidFill>
+                <a:latin typeface="Söhne"/>
+              </a:rPr>
+              <a:t>We selected the features using the </a:t>
+            </a:r>
+            <a:r>
+              <a:rPr lang="en-US" dirty="0" err="1"/>
+              <a:t>RandomForest</a:t>
+            </a:r>
             <a:r>
               <a:rPr lang="en-US" dirty="0"/>
-              <a:t>Changing nothing and running Evade1-0000 24 hours later</a:t>
-            </a:r>
-          </a:p>
-          <a:p>
+              <a:t> (</a:t>
+            </a:r>
+            <a:r>
+              <a:rPr lang="en-US" altLang="zh-CN" dirty="0" err="1"/>
+              <a:t>n_</a:t>
+            </a:r>
+            <a:r>
+              <a:rPr lang="en-US" dirty="0" err="1"/>
+              <a:t>estimators</a:t>
+            </a:r>
             <a:r>
               <a:rPr lang="en-US" dirty="0"/>
-              <a:t>Indicates industry information sharing and quick retrain</a:t>
-            </a:r>
-          </a:p>
-        </p:txBody>
-      </p:sp>
-      <p:pic>
-        <p:nvPicPr>
-          <p:cNvPr id="4098" name="Picture 2">
-            <a:extLst>
-              <a:ext uri="{FF2B5EF4-FFF2-40B4-BE49-F238E27FC236}">
-                <a16:creationId xmlns:a16="http://schemas.microsoft.com/office/drawing/2014/main" id="{3B639268-CC1A-49D8-73EB-CC1CAA86F5DD}"/>
-              </a:ext>
-            </a:extLst>
-          </p:cNvPr>
-          <p:cNvPicPr>
-            <a:picLocks noChangeAspect="1" noChangeArrowheads="1"/>
-          </p:cNvPicPr>
-          <p:nvPr/>
-        </p:nvPicPr>
-        <p:blipFill>
-          <a:blip r:embed="rId2">
-            <a:extLst>
-              <a:ext uri="{28A0092B-C50C-407E-A947-70E740481C1C}">
-                <a14:useLocalDpi xmlns:a14="http://schemas.microsoft.com/office/drawing/2010/main" val="0"/>
-              </a:ext>
-            </a:extLst>
-          </a:blip>
-          <a:srcRect/>
-          <a:stretch>
-            <a:fillRect/>
-          </a:stretch>
-        </p:blipFill>
-        <p:spPr bwMode="auto">
-          <a:xfrm>
-            <a:off x="2778800" y="2861232"/>
-            <a:ext cx="6634400" cy="3631643"/>
-          </a:xfrm>
-          <a:prstGeom prst="rect">
-            <a:avLst/>
-          </a:prstGeom>
-          <a:noFill/>
-          <a:extLst>
-            <a:ext uri="{909E8E84-426E-40DD-AFC4-6F175D3DCCD1}">
-              <a14:hiddenFill xmlns:a14="http://schemas.microsoft.com/office/drawing/2010/main">
-                <a:solidFill>
-                  <a:srgbClr val="FFFFFF"/>
-                </a:solidFill>
-              </a14:hiddenFill>
-            </a:ext>
-          </a:extLst>
-        </p:spPr>
-      </p:pic>
+              <a:t>=1000, </a:t>
+            </a:r>
+            <a:r>
+              <a:rPr lang="en-US" dirty="0" err="1"/>
+              <a:t>max_depth</a:t>
+            </a:r>
+            <a:r>
+              <a:rPr lang="en-US" dirty="0"/>
+              <a:t>=5) </a:t>
+            </a:r>
+            <a:r>
+              <a:rPr lang="en-US" altLang="zh-CN" dirty="0">
+                <a:solidFill>
+                  <a:srgbClr val="374151"/>
+                </a:solidFill>
+                <a:latin typeface="Söhne"/>
+              </a:rPr>
+              <a:t>classifier</a:t>
+            </a:r>
+          </a:p>
+          <a:p>
+            <a:pPr>
+              <a:lnSpc>
+                <a:spcPct val="100000"/>
+              </a:lnSpc>
+            </a:pPr>
+            <a:endParaRPr lang="en-US" altLang="zh-CN" dirty="0">
+              <a:solidFill>
+                <a:srgbClr val="374151"/>
+              </a:solidFill>
+              <a:latin typeface="Söhne"/>
+            </a:endParaRPr>
+          </a:p>
+          <a:p>
+            <a:pPr>
+              <a:lnSpc>
+                <a:spcPct val="100000"/>
+              </a:lnSpc>
+            </a:pPr>
+            <a:r>
+              <a:rPr lang="en-US" altLang="zh-CN" dirty="0">
+                <a:solidFill>
+                  <a:srgbClr val="374151"/>
+                </a:solidFill>
+                <a:latin typeface="Söhne"/>
+              </a:rPr>
+              <a:t>One-hot encoded each of the sample with the presence of each selected tri-gram opcodes</a:t>
+            </a:r>
+          </a:p>
+          <a:p>
+            <a:pPr marL="0" indent="0">
+              <a:lnSpc>
+                <a:spcPct val="100000"/>
+              </a:lnSpc>
+              <a:buNone/>
+            </a:pPr>
+            <a:br>
+              <a:rPr lang="en-US" dirty="0">
+                <a:solidFill>
+                  <a:srgbClr val="374151"/>
+                </a:solidFill>
+                <a:latin typeface="Söhne"/>
+              </a:rPr>
+            </a:br>
+            <a:endParaRPr lang="en-US" dirty="0">
+              <a:solidFill>
+                <a:srgbClr val="374151"/>
+              </a:solidFill>
+              <a:latin typeface="Söhne"/>
+            </a:endParaRPr>
+          </a:p>
+          <a:p>
+            <a:pPr>
+              <a:lnSpc>
+                <a:spcPct val="100000"/>
+              </a:lnSpc>
+            </a:pPr>
+            <a:endParaRPr lang="en-US" b="0" i="0" dirty="0">
+              <a:solidFill>
+                <a:srgbClr val="374151"/>
+              </a:solidFill>
+              <a:effectLst/>
+              <a:latin typeface="Söhne"/>
+            </a:endParaRPr>
+          </a:p>
+          <a:p>
+            <a:pPr marL="0" indent="0">
+              <a:lnSpc>
+                <a:spcPct val="100000"/>
+              </a:lnSpc>
+              <a:buNone/>
+            </a:pPr>
+            <a:endParaRPr lang="en-US" b="0" i="0" dirty="0">
+              <a:solidFill>
+                <a:srgbClr val="374151"/>
+              </a:solidFill>
+              <a:effectLst/>
+              <a:latin typeface="Söhne"/>
+            </a:endParaRPr>
+          </a:p>
+        </p:txBody>
+      </p:sp>
     </p:spTree>
     <p:extLst>
       <p:ext uri="{BB962C8B-B14F-4D97-AF65-F5344CB8AC3E}">
-        <p14:creationId xmlns:p14="http://schemas.microsoft.com/office/powerpoint/2010/main" val="3489197704"/>
+        <p14:creationId xmlns:p14="http://schemas.microsoft.com/office/powerpoint/2010/main" val="4095221913"/>
       </p:ext>
     </p:extLst>
   </p:cSld>
@@ -4111,7 +4579,7 @@
           <p:cNvPr id="2" name="Title 1">
             <a:extLst>
               <a:ext uri="{FF2B5EF4-FFF2-40B4-BE49-F238E27FC236}">
-                <a16:creationId xmlns:a16="http://schemas.microsoft.com/office/drawing/2014/main" id="{03D7448F-84C1-B663-1F12-B029218E46F6}"/>
+                <a16:creationId xmlns:a16="http://schemas.microsoft.com/office/drawing/2014/main" id="{3B25F6F7-EF78-64B6-9D93-BFF7FACB8359}"/>
               </a:ext>
             </a:extLst>
           </p:cNvPr>
@@ -4129,7 +4597,7 @@
           <a:p>
             <a:r>
               <a:rPr lang="en-US" dirty="0"/>
-              <a:t>Attack v2 Summary</a:t>
+              <a:t>Weakness</a:t>
             </a:r>
           </a:p>
         </p:txBody>
@@ -4139,7 +4607,7 @@
           <p:cNvPr id="3" name="Content Placeholder 2">
             <a:extLst>
               <a:ext uri="{FF2B5EF4-FFF2-40B4-BE49-F238E27FC236}">
-                <a16:creationId xmlns:a16="http://schemas.microsoft.com/office/drawing/2014/main" id="{E7D2CB41-3C32-9FE4-C8A3-A93DEE1B511D}"/>
+                <a16:creationId xmlns:a16="http://schemas.microsoft.com/office/drawing/2014/main" id="{9102029A-D9D6-38EC-1827-9D6254A869B5}"/>
               </a:ext>
             </a:extLst>
           </p:cNvPr>
@@ -4152,88 +4620,177 @@
         </p:nvSpPr>
         <p:spPr/>
         <p:txBody>
-          <a:bodyPr/>
-          <a:lstStyle/>
-          <a:p>
-            <a:r>
-              <a:rPr lang="en-US" dirty="0"/>
-              <a:t>A list of improvements added:</a:t>
-            </a:r>
-          </a:p>
-          <a:p>
-            <a:pPr marL="914400" lvl="1" indent="-457200">
-              <a:buFont typeface="+mj-lt"/>
-              <a:buAutoNum type="arabicPeriod"/>
-            </a:pPr>
-            <a:r>
-              <a:rPr lang="en-US" dirty="0"/>
-              <a:t>Manually parsed Kernel32.dll to find </a:t>
-            </a:r>
-            <a:r>
-              <a:rPr lang="en-US" dirty="0" err="1"/>
-              <a:t>GetProcAddress</a:t>
-            </a:r>
-            <a:endParaRPr lang="en-US" dirty="0"/>
-          </a:p>
-          <a:p>
-            <a:pPr marL="914400" lvl="1" indent="-457200">
-              <a:buFont typeface="+mj-lt"/>
-              <a:buAutoNum type="arabicPeriod"/>
-            </a:pPr>
-            <a:r>
-              <a:rPr lang="en-US" dirty="0"/>
-              <a:t>Added dynamic reference for </a:t>
-            </a:r>
-            <a:r>
-              <a:rPr lang="en-US" dirty="0" err="1"/>
-              <a:t>LoadLibraryA</a:t>
-            </a:r>
-            <a:endParaRPr lang="en-US" dirty="0"/>
-          </a:p>
-          <a:p>
-            <a:pPr marL="914400" lvl="1" indent="-457200">
-              <a:buFont typeface="+mj-lt"/>
-              <a:buAutoNum type="arabicPeriod"/>
-            </a:pPr>
-            <a:r>
-              <a:rPr lang="en-US" dirty="0"/>
-              <a:t>Implemented manual computation of int array length</a:t>
-            </a:r>
-          </a:p>
-          <a:p>
-            <a:pPr marL="914400" lvl="1" indent="-457200">
-              <a:buFont typeface="+mj-lt"/>
-              <a:buAutoNum type="arabicPeriod"/>
-            </a:pPr>
-            <a:r>
-              <a:rPr lang="en-US" dirty="0"/>
-              <a:t>Implemented manual conversion of GETINTRESOURCE</a:t>
-            </a:r>
-          </a:p>
-          <a:p>
-            <a:pPr marL="914400" lvl="1" indent="-457200">
-              <a:buFont typeface="+mj-lt"/>
-              <a:buAutoNum type="arabicPeriod"/>
-            </a:pPr>
-            <a:r>
-              <a:rPr lang="en-US" dirty="0"/>
-              <a:t>Added error checking at each stage of dynamic loading</a:t>
-            </a:r>
-          </a:p>
-          <a:p>
-            <a:pPr lvl="1"/>
-            <a:endParaRPr lang="en-US" dirty="0"/>
-          </a:p>
-          <a:p>
-            <a:pPr lvl="1"/>
-            <a:endParaRPr lang="en-US" dirty="0"/>
+          <a:bodyPr>
+            <a:normAutofit fontScale="85000" lnSpcReduction="20000"/>
+          </a:bodyPr>
+          <a:lstStyle/>
+          <a:p>
+            <a:pPr>
+              <a:lnSpc>
+                <a:spcPct val="100000"/>
+              </a:lnSpc>
+            </a:pPr>
+            <a:r>
+              <a:rPr lang="en-US" dirty="0">
+                <a:solidFill>
+                  <a:srgbClr val="374151"/>
+                </a:solidFill>
+                <a:latin typeface="Söhne"/>
+              </a:rPr>
+              <a:t>Any time the header feature is not there we have it encoded as 0 </a:t>
+            </a:r>
+          </a:p>
+          <a:p>
+            <a:pPr>
+              <a:lnSpc>
+                <a:spcPct val="100000"/>
+              </a:lnSpc>
+            </a:pPr>
+            <a:endParaRPr lang="en-US" dirty="0">
+              <a:solidFill>
+                <a:srgbClr val="374151"/>
+              </a:solidFill>
+              <a:latin typeface="Söhne"/>
+            </a:endParaRPr>
+          </a:p>
+          <a:p>
+            <a:pPr>
+              <a:lnSpc>
+                <a:spcPct val="100000"/>
+              </a:lnSpc>
+            </a:pPr>
+            <a:r>
+              <a:rPr lang="en-US" dirty="0">
+                <a:solidFill>
+                  <a:srgbClr val="374151"/>
+                </a:solidFill>
+                <a:latin typeface="Söhne"/>
+              </a:rPr>
+              <a:t>We don’t have a pipeline for checking different features yet like some of the other teams</a:t>
+            </a:r>
+          </a:p>
+          <a:p>
+            <a:pPr>
+              <a:lnSpc>
+                <a:spcPct val="100000"/>
+              </a:lnSpc>
+            </a:pPr>
+            <a:endParaRPr lang="en-US" dirty="0">
+              <a:solidFill>
+                <a:srgbClr val="374151"/>
+              </a:solidFill>
+              <a:latin typeface="Söhne"/>
+            </a:endParaRPr>
+          </a:p>
+          <a:p>
+            <a:pPr>
+              <a:lnSpc>
+                <a:spcPct val="100000"/>
+              </a:lnSpc>
+            </a:pPr>
+            <a:r>
+              <a:rPr lang="en-US" dirty="0">
+                <a:solidFill>
+                  <a:srgbClr val="374151"/>
+                </a:solidFill>
+                <a:latin typeface="Söhne"/>
+              </a:rPr>
+              <a:t>We don’t have the confidence interval like other team for more explainable results</a:t>
+            </a:r>
+          </a:p>
+          <a:p>
+            <a:pPr>
+              <a:lnSpc>
+                <a:spcPct val="100000"/>
+              </a:lnSpc>
+            </a:pPr>
+            <a:endParaRPr lang="en-US" dirty="0">
+              <a:solidFill>
+                <a:srgbClr val="374151"/>
+              </a:solidFill>
+              <a:latin typeface="Söhne"/>
+            </a:endParaRPr>
+          </a:p>
+          <a:p>
+            <a:pPr>
+              <a:lnSpc>
+                <a:spcPct val="100000"/>
+              </a:lnSpc>
+            </a:pPr>
+            <a:r>
+              <a:rPr lang="en-US" dirty="0">
+                <a:solidFill>
+                  <a:srgbClr val="374151"/>
+                </a:solidFill>
+                <a:latin typeface="Söhne"/>
+              </a:rPr>
+              <a:t>Small dataset not representative of real-world samples</a:t>
+            </a:r>
+          </a:p>
+          <a:p>
+            <a:pPr>
+              <a:lnSpc>
+                <a:spcPct val="100000"/>
+              </a:lnSpc>
+            </a:pPr>
+            <a:endParaRPr lang="en-US" dirty="0">
+              <a:solidFill>
+                <a:srgbClr val="374151"/>
+              </a:solidFill>
+              <a:latin typeface="Söhne"/>
+            </a:endParaRPr>
+          </a:p>
+          <a:p>
+            <a:pPr>
+              <a:lnSpc>
+                <a:spcPct val="100000"/>
+              </a:lnSpc>
+            </a:pPr>
+            <a:r>
+              <a:rPr lang="en-US" dirty="0">
+                <a:solidFill>
+                  <a:srgbClr val="374151"/>
+                </a:solidFill>
+                <a:latin typeface="Söhne"/>
+              </a:rPr>
+              <a:t>We are only analyzing the first 50,000 bytes of the file</a:t>
+            </a:r>
+          </a:p>
+          <a:p>
+            <a:pPr>
+              <a:lnSpc>
+                <a:spcPct val="100000"/>
+              </a:lnSpc>
+            </a:pPr>
+            <a:endParaRPr lang="en-US" b="0" i="0" dirty="0">
+              <a:solidFill>
+                <a:srgbClr val="374151"/>
+              </a:solidFill>
+              <a:effectLst/>
+              <a:latin typeface="Söhne"/>
+            </a:endParaRPr>
+          </a:p>
+          <a:p>
+            <a:pPr marL="0" indent="0">
+              <a:lnSpc>
+                <a:spcPct val="100000"/>
+              </a:lnSpc>
+              <a:buNone/>
+            </a:pPr>
+            <a:endParaRPr lang="en-US" b="0" i="0" dirty="0">
+              <a:solidFill>
+                <a:srgbClr val="374151"/>
+              </a:solidFill>
+              <a:effectLst/>
+              <a:latin typeface="Söhne"/>
+            </a:endParaRPr>
           </a:p>
         </p:txBody>
       </p:sp>
     </p:spTree>
     <p:extLst>
       <p:ext uri="{BB962C8B-B14F-4D97-AF65-F5344CB8AC3E}">
-        <p14:creationId xmlns:p14="http://schemas.microsoft.com/office/powerpoint/2010/main" val="1285747875"/>
+        <p14:creationId xmlns:p14="http://schemas.microsoft.com/office/powerpoint/2010/main" val="3881904104"/>
       </p:ext>
     </p:extLst>
   </p:cSld>
@@ -4265,7 +4822,7 @@
           <p:cNvPr id="2" name="Title 1">
             <a:extLst>
               <a:ext uri="{FF2B5EF4-FFF2-40B4-BE49-F238E27FC236}">
-                <a16:creationId xmlns:a16="http://schemas.microsoft.com/office/drawing/2014/main" id="{F97B4B14-44A2-2C41-95B9-C11EB08EDF8C}"/>
+                <a16:creationId xmlns:a16="http://schemas.microsoft.com/office/drawing/2014/main" id="{0E04E9B0-DC28-AD6F-AC22-81DBE9E4DF81}"/>
               </a:ext>
             </a:extLst>
           </p:cNvPr>
@@ -4283,52 +4840,30 @@
           <a:p>
             <a:r>
               <a:rPr lang="en-US" dirty="0"/>
-              <a:t>Attack v2 Visualization</a:t>
-            </a:r>
-          </a:p>
-        </p:txBody>
-      </p:sp>
-      <p:sp>
-        <p:nvSpPr>
-          <p:cNvPr id="3" name="Content Placeholder 2">
-            <a:extLst>
-              <a:ext uri="{FF2B5EF4-FFF2-40B4-BE49-F238E27FC236}">
-                <a16:creationId xmlns:a16="http://schemas.microsoft.com/office/drawing/2014/main" id="{9917A5DD-384A-11CC-CAD0-D5C6C90D4224}"/>
-              </a:ext>
-            </a:extLst>
-          </p:cNvPr>
-          <p:cNvSpPr>
-            <a:spLocks noGrp="1"/>
-          </p:cNvSpPr>
-          <p:nvPr>
-            <p:ph idx="1"/>
-          </p:nvPr>
-        </p:nvSpPr>
-        <p:spPr/>
-        <p:txBody>
-          <a:bodyPr/>
-          <a:lstStyle/>
-          <a:p>
-            <a:r>
+              <a:t>Result</a:t>
+            </a:r>
+            <a:br>
               <a:rPr lang="en-US" dirty="0"/>
-              <a:t>Reduced dynamic APIs</a:t>
-            </a:r>
+            </a:br>
+            <a:endParaRPr lang="en-US" dirty="0"/>
           </a:p>
         </p:txBody>
       </p:sp>
       <p:pic>
         <p:nvPicPr>
-          <p:cNvPr id="7" name="Picture 6" descr="Graphical user interface, text, chat or text message&#10;&#10;Description automatically generated">
-            <a:extLst>
-              <a:ext uri="{FF2B5EF4-FFF2-40B4-BE49-F238E27FC236}">
-                <a16:creationId xmlns:a16="http://schemas.microsoft.com/office/drawing/2014/main" id="{DA167B03-7067-8BEB-0BEF-285664086390}"/>
+          <p:cNvPr id="1026" name="Picture 2" descr="Image">
+            <a:extLst>
+              <a:ext uri="{FF2B5EF4-FFF2-40B4-BE49-F238E27FC236}">
+                <a16:creationId xmlns:a16="http://schemas.microsoft.com/office/drawing/2014/main" id="{3C02253A-8266-0344-C1C1-DF74BC64EB46}"/>
               </a:ext>
             </a:extLst>
           </p:cNvPr>
           <p:cNvPicPr>
-            <a:picLocks noChangeAspect="1"/>
+            <a:picLocks noGrp="1" noChangeAspect="1" noChangeArrowheads="1"/>
           </p:cNvPicPr>
-          <p:nvPr/>
+          <p:nvPr>
+            <p:ph idx="1"/>
+          </p:nvPr>
         </p:nvPicPr>
         <p:blipFill>
           <a:blip r:embed="rId2">
@@ -4338,553 +4873,35 @@
               </a:ext>
             </a:extLst>
           </a:blip>
+          <a:srcRect/>
           <a:stretch>
             <a:fillRect/>
           </a:stretch>
         </p:blipFill>
-        <p:spPr>
+        <p:spPr bwMode="auto">
           <a:xfrm>
-            <a:off x="3176180" y="2413904"/>
-            <a:ext cx="5839640" cy="1686160"/>
+            <a:off x="3271851" y="1825625"/>
+            <a:ext cx="5648297" cy="4351338"/>
           </a:xfrm>
           <a:prstGeom prst="rect">
             <a:avLst/>
           </a:prstGeom>
-        </p:spPr>
-      </p:pic>
-      <p:pic>
-        <p:nvPicPr>
-          <p:cNvPr id="9" name="Picture 8" descr="Text&#10;&#10;Description automatically generated">
-            <a:extLst>
-              <a:ext uri="{FF2B5EF4-FFF2-40B4-BE49-F238E27FC236}">
-                <a16:creationId xmlns:a16="http://schemas.microsoft.com/office/drawing/2014/main" id="{9B3E7462-7034-46F1-6AB8-76AE25A34B30}"/>
-              </a:ext>
-            </a:extLst>
-          </p:cNvPr>
-          <p:cNvPicPr>
-            <a:picLocks noChangeAspect="1"/>
-          </p:cNvPicPr>
-          <p:nvPr/>
-        </p:nvPicPr>
-        <p:blipFill>
-          <a:blip r:embed="rId3">
-            <a:extLst>
-              <a:ext uri="{28A0092B-C50C-407E-A947-70E740481C1C}">
-                <a14:useLocalDpi xmlns:a14="http://schemas.microsoft.com/office/drawing/2010/main" val="0"/>
-              </a:ext>
-            </a:extLst>
-          </a:blip>
-          <a:stretch>
-            <a:fillRect/>
-          </a:stretch>
-        </p:blipFill>
-        <p:spPr>
-          <a:xfrm>
-            <a:off x="4919498" y="4292293"/>
-            <a:ext cx="2353003" cy="2200582"/>
-          </a:xfrm>
-          <a:prstGeom prst="rect">
-            <a:avLst/>
-          </a:prstGeom>
+          <a:noFill/>
+          <a:extLst>
+            <a:ext uri="{909E8E84-426E-40DD-AFC4-6F175D3DCCD1}">
+              <a14:hiddenFill xmlns:a14="http://schemas.microsoft.com/office/drawing/2010/main">
+                <a:solidFill>
+                  <a:srgbClr val="FFFFFF"/>
+                </a:solidFill>
+              </a14:hiddenFill>
+            </a:ext>
+          </a:extLst>
         </p:spPr>
       </p:pic>
     </p:spTree>
     <p:extLst>
       <p:ext uri="{BB962C8B-B14F-4D97-AF65-F5344CB8AC3E}">
-        <p14:creationId xmlns:p14="http://schemas.microsoft.com/office/powerpoint/2010/main" val="2812281088"/>
-      </p:ext>
-    </p:extLst>
-  </p:cSld>
-  <p:clrMapOvr>
-    <a:masterClrMapping/>
-  </p:clrMapOvr>
-</p:sld>
-</file>
-
-<file path=ppt/slides/slide16.xml><?xml version="1.0" encoding="utf-8"?>
-<p:sld xmlns:a="http://schemas.openxmlformats.org/drawingml/2006/main" xmlns:r="http://schemas.openxmlformats.org/officeDocument/2006/relationships" xmlns:p="http://schemas.openxmlformats.org/presentationml/2006/main">
-  <p:cSld>
-    <p:spTree>
-      <p:nvGrpSpPr>
-        <p:cNvPr id="1" name=""/>
-        <p:cNvGrpSpPr/>
-        <p:nvPr/>
-      </p:nvGrpSpPr>
-      <p:grpSpPr>
-        <a:xfrm>
-          <a:off x="0" y="0"/>
-          <a:ext cx="0" cy="0"/>
-          <a:chOff x="0" y="0"/>
-          <a:chExt cx="0" cy="0"/>
-        </a:xfrm>
-      </p:grpSpPr>
-      <p:sp>
-        <p:nvSpPr>
-          <p:cNvPr id="2" name="Title 1">
-            <a:extLst>
-              <a:ext uri="{FF2B5EF4-FFF2-40B4-BE49-F238E27FC236}">
-                <a16:creationId xmlns:a16="http://schemas.microsoft.com/office/drawing/2014/main" id="{F97B4B14-44A2-2C41-95B9-C11EB08EDF8C}"/>
-              </a:ext>
-            </a:extLst>
-          </p:cNvPr>
-          <p:cNvSpPr>
-            <a:spLocks noGrp="1"/>
-          </p:cNvSpPr>
-          <p:nvPr>
-            <p:ph type="title"/>
-          </p:nvPr>
-        </p:nvSpPr>
-        <p:spPr/>
-        <p:txBody>
-          <a:bodyPr/>
-          <a:lstStyle/>
-          <a:p>
-            <a:r>
-              <a:rPr lang="en-US" dirty="0"/>
-              <a:t>Attack v2 Visualization</a:t>
-            </a:r>
-          </a:p>
-        </p:txBody>
-      </p:sp>
-      <p:sp>
-        <p:nvSpPr>
-          <p:cNvPr id="3" name="Content Placeholder 2">
-            <a:extLst>
-              <a:ext uri="{FF2B5EF4-FFF2-40B4-BE49-F238E27FC236}">
-                <a16:creationId xmlns:a16="http://schemas.microsoft.com/office/drawing/2014/main" id="{9917A5DD-384A-11CC-CAD0-D5C6C90D4224}"/>
-              </a:ext>
-            </a:extLst>
-          </p:cNvPr>
-          <p:cNvSpPr>
-            <a:spLocks noGrp="1"/>
-          </p:cNvSpPr>
-          <p:nvPr>
-            <p:ph idx="1"/>
-          </p:nvPr>
-        </p:nvSpPr>
-        <p:spPr/>
-        <p:txBody>
-          <a:bodyPr/>
-          <a:lstStyle/>
-          <a:p>
-            <a:r>
-              <a:rPr lang="en-US" dirty="0"/>
-              <a:t>Reduced encoded API strings</a:t>
-            </a:r>
-          </a:p>
-        </p:txBody>
-      </p:sp>
-      <p:pic>
-        <p:nvPicPr>
-          <p:cNvPr id="5" name="Picture 4" descr="Text&#10;&#10;Description automatically generated">
-            <a:extLst>
-              <a:ext uri="{FF2B5EF4-FFF2-40B4-BE49-F238E27FC236}">
-                <a16:creationId xmlns:a16="http://schemas.microsoft.com/office/drawing/2014/main" id="{899280E6-327B-36A4-3F94-B196AC630776}"/>
-              </a:ext>
-            </a:extLst>
-          </p:cNvPr>
-          <p:cNvPicPr>
-            <a:picLocks noChangeAspect="1"/>
-          </p:cNvPicPr>
-          <p:nvPr/>
-        </p:nvPicPr>
-        <p:blipFill>
-          <a:blip r:embed="rId2">
-            <a:extLst>
-              <a:ext uri="{28A0092B-C50C-407E-A947-70E740481C1C}">
-                <a14:useLocalDpi xmlns:a14="http://schemas.microsoft.com/office/drawing/2010/main" val="0"/>
-              </a:ext>
-            </a:extLst>
-          </a:blip>
-          <a:stretch>
-            <a:fillRect/>
-          </a:stretch>
-        </p:blipFill>
-        <p:spPr>
-          <a:xfrm>
-            <a:off x="799361" y="2607208"/>
-            <a:ext cx="10593278" cy="3381847"/>
-          </a:xfrm>
-          <a:prstGeom prst="rect">
-            <a:avLst/>
-          </a:prstGeom>
-        </p:spPr>
-      </p:pic>
-    </p:spTree>
-    <p:extLst>
-      <p:ext uri="{BB962C8B-B14F-4D97-AF65-F5344CB8AC3E}">
-        <p14:creationId xmlns:p14="http://schemas.microsoft.com/office/powerpoint/2010/main" val="911981526"/>
-      </p:ext>
-    </p:extLst>
-  </p:cSld>
-  <p:clrMapOvr>
-    <a:masterClrMapping/>
-  </p:clrMapOvr>
-</p:sld>
-</file>
-
-<file path=ppt/slides/slide17.xml><?xml version="1.0" encoding="utf-8"?>
-<p:sld xmlns:a="http://schemas.openxmlformats.org/drawingml/2006/main" xmlns:r="http://schemas.openxmlformats.org/officeDocument/2006/relationships" xmlns:p="http://schemas.openxmlformats.org/presentationml/2006/main">
-  <p:cSld>
-    <p:spTree>
-      <p:nvGrpSpPr>
-        <p:cNvPr id="1" name=""/>
-        <p:cNvGrpSpPr/>
-        <p:nvPr/>
-      </p:nvGrpSpPr>
-      <p:grpSpPr>
-        <a:xfrm>
-          <a:off x="0" y="0"/>
-          <a:ext cx="0" cy="0"/>
-          <a:chOff x="0" y="0"/>
-          <a:chExt cx="0" cy="0"/>
-        </a:xfrm>
-      </p:grpSpPr>
-      <p:sp>
-        <p:nvSpPr>
-          <p:cNvPr id="2" name="Title 1">
-            <a:extLst>
-              <a:ext uri="{FF2B5EF4-FFF2-40B4-BE49-F238E27FC236}">
-                <a16:creationId xmlns:a16="http://schemas.microsoft.com/office/drawing/2014/main" id="{F97B4B14-44A2-2C41-95B9-C11EB08EDF8C}"/>
-              </a:ext>
-            </a:extLst>
-          </p:cNvPr>
-          <p:cNvSpPr>
-            <a:spLocks noGrp="1"/>
-          </p:cNvSpPr>
-          <p:nvPr>
-            <p:ph type="title"/>
-          </p:nvPr>
-        </p:nvSpPr>
-        <p:spPr/>
-        <p:txBody>
-          <a:bodyPr/>
-          <a:lstStyle/>
-          <a:p>
-            <a:r>
-              <a:rPr lang="en-US" dirty="0"/>
-              <a:t>Attack v2 Visualization</a:t>
-            </a:r>
-          </a:p>
-        </p:txBody>
-      </p:sp>
-      <p:sp>
-        <p:nvSpPr>
-          <p:cNvPr id="3" name="Content Placeholder 2">
-            <a:extLst>
-              <a:ext uri="{FF2B5EF4-FFF2-40B4-BE49-F238E27FC236}">
-                <a16:creationId xmlns:a16="http://schemas.microsoft.com/office/drawing/2014/main" id="{9917A5DD-384A-11CC-CAD0-D5C6C90D4224}"/>
-              </a:ext>
-            </a:extLst>
-          </p:cNvPr>
-          <p:cNvSpPr>
-            <a:spLocks noGrp="1"/>
-          </p:cNvSpPr>
-          <p:nvPr>
-            <p:ph idx="1"/>
-          </p:nvPr>
-        </p:nvSpPr>
-        <p:spPr/>
-        <p:txBody>
-          <a:bodyPr/>
-          <a:lstStyle/>
-          <a:p>
-            <a:r>
-              <a:rPr lang="en-US" dirty="0"/>
-              <a:t>Manual int array size calculation and </a:t>
-            </a:r>
-            <a:r>
-              <a:rPr lang="en-US" dirty="0" err="1"/>
-              <a:t>strcmp</a:t>
-            </a:r>
-            <a:endParaRPr lang="en-US" dirty="0"/>
-          </a:p>
-        </p:txBody>
-      </p:sp>
-      <p:pic>
-        <p:nvPicPr>
-          <p:cNvPr id="5" name="Picture 4" descr="Text&#10;&#10;Description automatically generated">
-            <a:extLst>
-              <a:ext uri="{FF2B5EF4-FFF2-40B4-BE49-F238E27FC236}">
-                <a16:creationId xmlns:a16="http://schemas.microsoft.com/office/drawing/2014/main" id="{07DAC063-CFFD-4417-BB02-33751BB59F75}"/>
-              </a:ext>
-            </a:extLst>
-          </p:cNvPr>
-          <p:cNvPicPr>
-            <a:picLocks noChangeAspect="1"/>
-          </p:cNvPicPr>
-          <p:nvPr/>
-        </p:nvPicPr>
-        <p:blipFill>
-          <a:blip r:embed="rId2">
-            <a:extLst>
-              <a:ext uri="{28A0092B-C50C-407E-A947-70E740481C1C}">
-                <a14:useLocalDpi xmlns:a14="http://schemas.microsoft.com/office/drawing/2010/main" val="0"/>
-              </a:ext>
-            </a:extLst>
-          </a:blip>
-          <a:stretch>
-            <a:fillRect/>
-          </a:stretch>
-        </p:blipFill>
-        <p:spPr>
-          <a:xfrm>
-            <a:off x="4113184" y="2749659"/>
-            <a:ext cx="3965631" cy="2912260"/>
-          </a:xfrm>
-          <a:prstGeom prst="rect">
-            <a:avLst/>
-          </a:prstGeom>
-        </p:spPr>
-      </p:pic>
-    </p:spTree>
-    <p:extLst>
-      <p:ext uri="{BB962C8B-B14F-4D97-AF65-F5344CB8AC3E}">
-        <p14:creationId xmlns:p14="http://schemas.microsoft.com/office/powerpoint/2010/main" val="781258831"/>
-      </p:ext>
-    </p:extLst>
-  </p:cSld>
-  <p:clrMapOvr>
-    <a:masterClrMapping/>
-  </p:clrMapOvr>
-</p:sld>
-</file>
-
-<file path=ppt/slides/slide18.xml><?xml version="1.0" encoding="utf-8"?>
-<p:sld xmlns:a="http://schemas.openxmlformats.org/drawingml/2006/main" xmlns:r="http://schemas.openxmlformats.org/officeDocument/2006/relationships" xmlns:p="http://schemas.openxmlformats.org/presentationml/2006/main">
-  <p:cSld>
-    <p:spTree>
-      <p:nvGrpSpPr>
-        <p:cNvPr id="1" name=""/>
-        <p:cNvGrpSpPr/>
-        <p:nvPr/>
-      </p:nvGrpSpPr>
-      <p:grpSpPr>
-        <a:xfrm>
-          <a:off x="0" y="0"/>
-          <a:ext cx="0" cy="0"/>
-          <a:chOff x="0" y="0"/>
-          <a:chExt cx="0" cy="0"/>
-        </a:xfrm>
-      </p:grpSpPr>
-      <p:sp>
-        <p:nvSpPr>
-          <p:cNvPr id="2" name="Title 1">
-            <a:extLst>
-              <a:ext uri="{FF2B5EF4-FFF2-40B4-BE49-F238E27FC236}">
-                <a16:creationId xmlns:a16="http://schemas.microsoft.com/office/drawing/2014/main" id="{F97B4B14-44A2-2C41-95B9-C11EB08EDF8C}"/>
-              </a:ext>
-            </a:extLst>
-          </p:cNvPr>
-          <p:cNvSpPr>
-            <a:spLocks noGrp="1"/>
-          </p:cNvSpPr>
-          <p:nvPr>
-            <p:ph type="title"/>
-          </p:nvPr>
-        </p:nvSpPr>
-        <p:spPr/>
-        <p:txBody>
-          <a:bodyPr/>
-          <a:lstStyle/>
-          <a:p>
-            <a:r>
-              <a:rPr lang="en-US" dirty="0"/>
-              <a:t>Attack v2 Visualization</a:t>
-            </a:r>
-          </a:p>
-        </p:txBody>
-      </p:sp>
-      <p:sp>
-        <p:nvSpPr>
-          <p:cNvPr id="3" name="Content Placeholder 2">
-            <a:extLst>
-              <a:ext uri="{FF2B5EF4-FFF2-40B4-BE49-F238E27FC236}">
-                <a16:creationId xmlns:a16="http://schemas.microsoft.com/office/drawing/2014/main" id="{9917A5DD-384A-11CC-CAD0-D5C6C90D4224}"/>
-              </a:ext>
-            </a:extLst>
-          </p:cNvPr>
-          <p:cNvSpPr>
-            <a:spLocks noGrp="1"/>
-          </p:cNvSpPr>
-          <p:nvPr>
-            <p:ph idx="1"/>
-          </p:nvPr>
-        </p:nvSpPr>
-        <p:spPr/>
-        <p:txBody>
-          <a:bodyPr/>
-          <a:lstStyle/>
-          <a:p>
-            <a:r>
-              <a:rPr lang="en-US" dirty="0"/>
-              <a:t>Library loading error checking and abstraction</a:t>
-            </a:r>
-          </a:p>
-        </p:txBody>
-      </p:sp>
-      <p:pic>
-        <p:nvPicPr>
-          <p:cNvPr id="5" name="Picture 4" descr="Graphical user interface, text, application, chat or text message&#10;&#10;Description automatically generated">
-            <a:extLst>
-              <a:ext uri="{FF2B5EF4-FFF2-40B4-BE49-F238E27FC236}">
-                <a16:creationId xmlns:a16="http://schemas.microsoft.com/office/drawing/2014/main" id="{B679C0D6-2B10-D9F0-4BDF-5A4DA8AA63A4}"/>
-              </a:ext>
-            </a:extLst>
-          </p:cNvPr>
-          <p:cNvPicPr>
-            <a:picLocks noChangeAspect="1"/>
-          </p:cNvPicPr>
-          <p:nvPr/>
-        </p:nvPicPr>
-        <p:blipFill>
-          <a:blip r:embed="rId2">
-            <a:extLst>
-              <a:ext uri="{28A0092B-C50C-407E-A947-70E740481C1C}">
-                <a14:useLocalDpi xmlns:a14="http://schemas.microsoft.com/office/drawing/2010/main" val="0"/>
-              </a:ext>
-            </a:extLst>
-          </a:blip>
-          <a:stretch>
-            <a:fillRect/>
-          </a:stretch>
-        </p:blipFill>
-        <p:spPr>
-          <a:xfrm>
-            <a:off x="3204692" y="2489703"/>
-            <a:ext cx="5782615" cy="3822197"/>
-          </a:xfrm>
-          <a:prstGeom prst="rect">
-            <a:avLst/>
-          </a:prstGeom>
-        </p:spPr>
-      </p:pic>
-    </p:spTree>
-    <p:extLst>
-      <p:ext uri="{BB962C8B-B14F-4D97-AF65-F5344CB8AC3E}">
-        <p14:creationId xmlns:p14="http://schemas.microsoft.com/office/powerpoint/2010/main" val="1119563347"/>
-      </p:ext>
-    </p:extLst>
-  </p:cSld>
-  <p:clrMapOvr>
-    <a:masterClrMapping/>
-  </p:clrMapOvr>
-</p:sld>
-</file>
-
-<file path=ppt/slides/slide19.xml><?xml version="1.0" encoding="utf-8"?>
-<p:sld xmlns:a="http://schemas.openxmlformats.org/drawingml/2006/main" xmlns:r="http://schemas.openxmlformats.org/officeDocument/2006/relationships" xmlns:p="http://schemas.openxmlformats.org/presentationml/2006/main">
-  <p:cSld>
-    <p:spTree>
-      <p:nvGrpSpPr>
-        <p:cNvPr id="1" name=""/>
-        <p:cNvGrpSpPr/>
-        <p:nvPr/>
-      </p:nvGrpSpPr>
-      <p:grpSpPr>
-        <a:xfrm>
-          <a:off x="0" y="0"/>
-          <a:ext cx="0" cy="0"/>
-          <a:chOff x="0" y="0"/>
-          <a:chExt cx="0" cy="0"/>
-        </a:xfrm>
-      </p:grpSpPr>
-      <p:sp>
-        <p:nvSpPr>
-          <p:cNvPr id="2" name="Title 1">
-            <a:extLst>
-              <a:ext uri="{FF2B5EF4-FFF2-40B4-BE49-F238E27FC236}">
-                <a16:creationId xmlns:a16="http://schemas.microsoft.com/office/drawing/2014/main" id="{F97B4B14-44A2-2C41-95B9-C11EB08EDF8C}"/>
-              </a:ext>
-            </a:extLst>
-          </p:cNvPr>
-          <p:cNvSpPr>
-            <a:spLocks noGrp="1"/>
-          </p:cNvSpPr>
-          <p:nvPr>
-            <p:ph type="title"/>
-          </p:nvPr>
-        </p:nvSpPr>
-        <p:spPr/>
-        <p:txBody>
-          <a:bodyPr/>
-          <a:lstStyle/>
-          <a:p>
-            <a:r>
-              <a:rPr lang="en-US" dirty="0"/>
-              <a:t>Attack v2 Visualization</a:t>
-            </a:r>
-          </a:p>
-        </p:txBody>
-      </p:sp>
-      <p:sp>
-        <p:nvSpPr>
-          <p:cNvPr id="3" name="Content Placeholder 2">
-            <a:extLst>
-              <a:ext uri="{FF2B5EF4-FFF2-40B4-BE49-F238E27FC236}">
-                <a16:creationId xmlns:a16="http://schemas.microsoft.com/office/drawing/2014/main" id="{9917A5DD-384A-11CC-CAD0-D5C6C90D4224}"/>
-              </a:ext>
-            </a:extLst>
-          </p:cNvPr>
-          <p:cNvSpPr>
-            <a:spLocks noGrp="1"/>
-          </p:cNvSpPr>
-          <p:nvPr>
-            <p:ph idx="1"/>
-          </p:nvPr>
-        </p:nvSpPr>
-        <p:spPr/>
-        <p:txBody>
-          <a:bodyPr/>
-          <a:lstStyle/>
-          <a:p>
-            <a:r>
-              <a:rPr lang="en-US" dirty="0"/>
-              <a:t>Actual dropper run abstraction and GETINTRESOURCE obfuscation</a:t>
-            </a:r>
-          </a:p>
-        </p:txBody>
-      </p:sp>
-      <p:pic>
-        <p:nvPicPr>
-          <p:cNvPr id="5" name="Picture 4" descr="Text&#10;&#10;Description automatically generated">
-            <a:extLst>
-              <a:ext uri="{FF2B5EF4-FFF2-40B4-BE49-F238E27FC236}">
-                <a16:creationId xmlns:a16="http://schemas.microsoft.com/office/drawing/2014/main" id="{2BAC2E22-3CAB-6DA5-1C39-9885005575DD}"/>
-              </a:ext>
-            </a:extLst>
-          </p:cNvPr>
-          <p:cNvPicPr>
-            <a:picLocks noChangeAspect="1"/>
-          </p:cNvPicPr>
-          <p:nvPr/>
-        </p:nvPicPr>
-        <p:blipFill>
-          <a:blip r:embed="rId2">
-            <a:extLst>
-              <a:ext uri="{28A0092B-C50C-407E-A947-70E740481C1C}">
-                <a14:useLocalDpi xmlns:a14="http://schemas.microsoft.com/office/drawing/2010/main" val="0"/>
-              </a:ext>
-            </a:extLst>
-          </a:blip>
-          <a:stretch>
-            <a:fillRect/>
-          </a:stretch>
-        </p:blipFill>
-        <p:spPr>
-          <a:xfrm>
-            <a:off x="3268324" y="2426328"/>
-            <a:ext cx="5655351" cy="4247616"/>
-          </a:xfrm>
-          <a:prstGeom prst="rect">
-            <a:avLst/>
-          </a:prstGeom>
-        </p:spPr>
-      </p:pic>
-    </p:spTree>
-    <p:extLst>
-      <p:ext uri="{BB962C8B-B14F-4D97-AF65-F5344CB8AC3E}">
-        <p14:creationId xmlns:p14="http://schemas.microsoft.com/office/powerpoint/2010/main" val="1153571681"/>
+        <p14:creationId xmlns:p14="http://schemas.microsoft.com/office/powerpoint/2010/main" val="2344274572"/>
       </p:ext>
     </p:extLst>
   </p:cSld>
@@ -4961,13 +4978,101 @@
           <a:lstStyle/>
           <a:p>
             <a:r>
+              <a:rPr lang="en-US" dirty="0" err="1"/>
+              <a:t>RandomForest</a:t>
+            </a:r>
+            <a:r>
               <a:rPr lang="en-US" dirty="0"/>
-              <a:t>Random Forest (</a:t>
-            </a:r>
-            <a:r>
-              <a:rPr lang="en-US"/>
-              <a:t>1000 estimators)</a:t>
-            </a:r>
+              <a:t> (</a:t>
+            </a:r>
+            <a:r>
+              <a:rPr lang="en-US" altLang="zh-CN" dirty="0" err="1"/>
+              <a:t>n_</a:t>
+            </a:r>
+            <a:r>
+              <a:rPr lang="en-US" dirty="0" err="1"/>
+              <a:t>estimators</a:t>
+            </a:r>
+            <a:r>
+              <a:rPr lang="en-US" dirty="0"/>
+              <a:t>=1000, </a:t>
+            </a:r>
+            <a:r>
+              <a:rPr lang="en-US" dirty="0" err="1"/>
+              <a:t>max_depth</a:t>
+            </a:r>
+            <a:r>
+              <a:rPr lang="en-US" dirty="0"/>
+              <a:t>=5)</a:t>
+            </a:r>
+          </a:p>
+          <a:p>
+            <a:r>
+              <a:rPr lang="en-US" dirty="0"/>
+              <a:t>Dataset:</a:t>
+            </a:r>
+          </a:p>
+          <a:p>
+            <a:pPr marL="457200" lvl="1" indent="0">
+              <a:buNone/>
+            </a:pPr>
+            <a:r>
+              <a:rPr lang="en-US" dirty="0"/>
+              <a:t>1000 - Windows default binaries </a:t>
+            </a:r>
+          </a:p>
+          <a:p>
+            <a:pPr marL="457200" lvl="1" indent="0">
+              <a:buNone/>
+            </a:pPr>
+            <a:r>
+              <a:rPr lang="en-US" dirty="0"/>
+              <a:t>500 - Vendor 64-bit binaries </a:t>
+            </a:r>
+          </a:p>
+          <a:p>
+            <a:pPr marL="457200" lvl="1" indent="0">
+              <a:buNone/>
+            </a:pPr>
+            <a:r>
+              <a:rPr lang="en-US" dirty="0"/>
+              <a:t>500 - Vendor 32-bit binaries </a:t>
+            </a:r>
+          </a:p>
+          <a:p>
+            <a:pPr marL="457200" lvl="1" indent="0">
+              <a:buNone/>
+            </a:pPr>
+            <a:r>
+              <a:rPr lang="en-US" dirty="0"/>
+              <a:t>250 - Initial malware samples for adversarial portion</a:t>
+            </a:r>
+          </a:p>
+          <a:p>
+            <a:pPr marL="457200" lvl="1" indent="0">
+              <a:buNone/>
+            </a:pPr>
+            <a:r>
+              <a:rPr lang="en-US" dirty="0"/>
+              <a:t>250 - Our adversarial samples </a:t>
+            </a:r>
+          </a:p>
+          <a:p>
+            <a:pPr marL="457200" lvl="1" indent="0">
+              <a:buNone/>
+            </a:pPr>
+            <a:r>
+              <a:rPr lang="en-US" dirty="0"/>
+              <a:t>500 - Most recent malwares uploaded in last week (malware bazar)</a:t>
+            </a:r>
+          </a:p>
+          <a:p>
+            <a:endParaRPr lang="en-US" dirty="0"/>
+          </a:p>
+          <a:p>
+            <a:pPr marL="0" indent="0">
+              <a:buNone/>
+            </a:pPr>
             <a:endParaRPr lang="en-US" dirty="0"/>
           </a:p>
         </p:txBody>
@@ -4976,1230 +5081,6 @@
     <p:extLst>
       <p:ext uri="{BB962C8B-B14F-4D97-AF65-F5344CB8AC3E}">
         <p14:creationId xmlns:p14="http://schemas.microsoft.com/office/powerpoint/2010/main" val="2754636783"/>
-      </p:ext>
-    </p:extLst>
-  </p:cSld>
-  <p:clrMapOvr>
-    <a:masterClrMapping/>
-  </p:clrMapOvr>
-</p:sld>
-</file>
-
-<file path=ppt/slides/slide20.xml><?xml version="1.0" encoding="utf-8"?>
-<p:sld xmlns:a="http://schemas.openxmlformats.org/drawingml/2006/main" xmlns:r="http://schemas.openxmlformats.org/officeDocument/2006/relationships" xmlns:p="http://schemas.openxmlformats.org/presentationml/2006/main">
-  <p:cSld>
-    <p:spTree>
-      <p:nvGrpSpPr>
-        <p:cNvPr id="1" name=""/>
-        <p:cNvGrpSpPr/>
-        <p:nvPr/>
-      </p:nvGrpSpPr>
-      <p:grpSpPr>
-        <a:xfrm>
-          <a:off x="0" y="0"/>
-          <a:ext cx="0" cy="0"/>
-          <a:chOff x="0" y="0"/>
-          <a:chExt cx="0" cy="0"/>
-        </a:xfrm>
-      </p:grpSpPr>
-      <p:sp>
-        <p:nvSpPr>
-          <p:cNvPr id="2" name="Title 1">
-            <a:extLst>
-              <a:ext uri="{FF2B5EF4-FFF2-40B4-BE49-F238E27FC236}">
-                <a16:creationId xmlns:a16="http://schemas.microsoft.com/office/drawing/2014/main" id="{DD2AEB79-E092-9B3F-A242-7C8998FFD105}"/>
-              </a:ext>
-            </a:extLst>
-          </p:cNvPr>
-          <p:cNvSpPr>
-            <a:spLocks noGrp="1"/>
-          </p:cNvSpPr>
-          <p:nvPr>
-            <p:ph type="title"/>
-          </p:nvPr>
-        </p:nvSpPr>
-        <p:spPr/>
-        <p:txBody>
-          <a:bodyPr/>
-          <a:lstStyle/>
-          <a:p>
-            <a:r>
-              <a:rPr lang="en-US" dirty="0"/>
-              <a:t>Attack v2 Visualization</a:t>
-            </a:r>
-          </a:p>
-        </p:txBody>
-      </p:sp>
-      <p:sp>
-        <p:nvSpPr>
-          <p:cNvPr id="3" name="Content Placeholder 2">
-            <a:extLst>
-              <a:ext uri="{FF2B5EF4-FFF2-40B4-BE49-F238E27FC236}">
-                <a16:creationId xmlns:a16="http://schemas.microsoft.com/office/drawing/2014/main" id="{C08B4FDE-EF92-733D-9832-2576F0B60B9B}"/>
-              </a:ext>
-            </a:extLst>
-          </p:cNvPr>
-          <p:cNvSpPr>
-            <a:spLocks noGrp="1"/>
-          </p:cNvSpPr>
-          <p:nvPr>
-            <p:ph idx="1"/>
-          </p:nvPr>
-        </p:nvSpPr>
-        <p:spPr/>
-        <p:txBody>
-          <a:bodyPr/>
-          <a:lstStyle/>
-          <a:p>
-            <a:r>
-              <a:rPr lang="en-US" dirty="0"/>
-              <a:t>Final main with manual Kernel32.dll parsing and dynamic loading</a:t>
-            </a:r>
-          </a:p>
-        </p:txBody>
-      </p:sp>
-      <p:pic>
-        <p:nvPicPr>
-          <p:cNvPr id="5" name="Picture 4" descr="Text&#10;&#10;Description automatically generated">
-            <a:extLst>
-              <a:ext uri="{FF2B5EF4-FFF2-40B4-BE49-F238E27FC236}">
-                <a16:creationId xmlns:a16="http://schemas.microsoft.com/office/drawing/2014/main" id="{65BDEFB5-F5E3-C01C-CB94-A1CAFB54BC62}"/>
-              </a:ext>
-            </a:extLst>
-          </p:cNvPr>
-          <p:cNvPicPr>
-            <a:picLocks noChangeAspect="1"/>
-          </p:cNvPicPr>
-          <p:nvPr/>
-        </p:nvPicPr>
-        <p:blipFill>
-          <a:blip r:embed="rId2">
-            <a:extLst>
-              <a:ext uri="{28A0092B-C50C-407E-A947-70E740481C1C}">
-                <a14:useLocalDpi xmlns:a14="http://schemas.microsoft.com/office/drawing/2010/main" val="0"/>
-              </a:ext>
-            </a:extLst>
-          </a:blip>
-          <a:stretch>
-            <a:fillRect/>
-          </a:stretch>
-        </p:blipFill>
-        <p:spPr>
-          <a:xfrm>
-            <a:off x="1988528" y="2342537"/>
-            <a:ext cx="8214943" cy="4372342"/>
-          </a:xfrm>
-          <a:prstGeom prst="rect">
-            <a:avLst/>
-          </a:prstGeom>
-        </p:spPr>
-      </p:pic>
-    </p:spTree>
-    <p:extLst>
-      <p:ext uri="{BB962C8B-B14F-4D97-AF65-F5344CB8AC3E}">
-        <p14:creationId xmlns:p14="http://schemas.microsoft.com/office/powerpoint/2010/main" val="748810606"/>
-      </p:ext>
-    </p:extLst>
-  </p:cSld>
-  <p:clrMapOvr>
-    <a:masterClrMapping/>
-  </p:clrMapOvr>
-</p:sld>
-</file>
-
-<file path=ppt/slides/slide21.xml><?xml version="1.0" encoding="utf-8"?>
-<p:sld xmlns:a="http://schemas.openxmlformats.org/drawingml/2006/main" xmlns:r="http://schemas.openxmlformats.org/officeDocument/2006/relationships" xmlns:p="http://schemas.openxmlformats.org/presentationml/2006/main">
-  <p:cSld>
-    <p:spTree>
-      <p:nvGrpSpPr>
-        <p:cNvPr id="1" name=""/>
-        <p:cNvGrpSpPr/>
-        <p:nvPr/>
-      </p:nvGrpSpPr>
-      <p:grpSpPr>
-        <a:xfrm>
-          <a:off x="0" y="0"/>
-          <a:ext cx="0" cy="0"/>
-          <a:chOff x="0" y="0"/>
-          <a:chExt cx="0" cy="0"/>
-        </a:xfrm>
-      </p:grpSpPr>
-      <p:sp>
-        <p:nvSpPr>
-          <p:cNvPr id="2" name="Title 1">
-            <a:extLst>
-              <a:ext uri="{FF2B5EF4-FFF2-40B4-BE49-F238E27FC236}">
-                <a16:creationId xmlns:a16="http://schemas.microsoft.com/office/drawing/2014/main" id="{A9ECFAF4-F3C4-89E4-2719-0DE09764B26D}"/>
-              </a:ext>
-            </a:extLst>
-          </p:cNvPr>
-          <p:cNvSpPr>
-            <a:spLocks noGrp="1"/>
-          </p:cNvSpPr>
-          <p:nvPr>
-            <p:ph type="title"/>
-          </p:nvPr>
-        </p:nvSpPr>
-        <p:spPr/>
-        <p:txBody>
-          <a:bodyPr/>
-          <a:lstStyle/>
-          <a:p>
-            <a:r>
-              <a:rPr lang="en-US" dirty="0"/>
-              <a:t>Attack v2 Results</a:t>
-            </a:r>
-          </a:p>
-        </p:txBody>
-      </p:sp>
-      <p:sp>
-        <p:nvSpPr>
-          <p:cNvPr id="3" name="Content Placeholder 2">
-            <a:extLst>
-              <a:ext uri="{FF2B5EF4-FFF2-40B4-BE49-F238E27FC236}">
-                <a16:creationId xmlns:a16="http://schemas.microsoft.com/office/drawing/2014/main" id="{B4B71F73-5C98-BB08-35CA-E0118CE1C665}"/>
-              </a:ext>
-            </a:extLst>
-          </p:cNvPr>
-          <p:cNvSpPr>
-            <a:spLocks noGrp="1"/>
-          </p:cNvSpPr>
-          <p:nvPr>
-            <p:ph idx="1"/>
-          </p:nvPr>
-        </p:nvSpPr>
-        <p:spPr/>
-        <p:txBody>
-          <a:bodyPr/>
-          <a:lstStyle/>
-          <a:p>
-            <a:r>
-              <a:rPr lang="en-US" dirty="0" err="1"/>
-              <a:t>VirusTotal</a:t>
-            </a:r>
-            <a:r>
-              <a:rPr lang="en-US" dirty="0"/>
-              <a:t> of Evade1-0000</a:t>
-            </a:r>
-          </a:p>
-        </p:txBody>
-      </p:sp>
-    </p:spTree>
-    <p:extLst>
-      <p:ext uri="{BB962C8B-B14F-4D97-AF65-F5344CB8AC3E}">
-        <p14:creationId xmlns:p14="http://schemas.microsoft.com/office/powerpoint/2010/main" val="373806978"/>
-      </p:ext>
-    </p:extLst>
-  </p:cSld>
-  <p:clrMapOvr>
-    <a:masterClrMapping/>
-  </p:clrMapOvr>
-</p:sld>
-</file>
-
-<file path=ppt/slides/slide22.xml><?xml version="1.0" encoding="utf-8"?>
-<p:sld xmlns:a="http://schemas.openxmlformats.org/drawingml/2006/main" xmlns:r="http://schemas.openxmlformats.org/officeDocument/2006/relationships" xmlns:p="http://schemas.openxmlformats.org/presentationml/2006/main">
-  <p:cSld>
-    <p:spTree>
-      <p:nvGrpSpPr>
-        <p:cNvPr id="1" name=""/>
-        <p:cNvGrpSpPr/>
-        <p:nvPr/>
-      </p:nvGrpSpPr>
-      <p:grpSpPr>
-        <a:xfrm>
-          <a:off x="0" y="0"/>
-          <a:ext cx="0" cy="0"/>
-          <a:chOff x="0" y="0"/>
-          <a:chExt cx="0" cy="0"/>
-        </a:xfrm>
-      </p:grpSpPr>
-      <p:sp>
-        <p:nvSpPr>
-          <p:cNvPr id="2" name="Title 1">
-            <a:extLst>
-              <a:ext uri="{FF2B5EF4-FFF2-40B4-BE49-F238E27FC236}">
-                <a16:creationId xmlns:a16="http://schemas.microsoft.com/office/drawing/2014/main" id="{D5F59CE6-091E-B07E-EC9D-4F213E210DC9}"/>
-              </a:ext>
-            </a:extLst>
-          </p:cNvPr>
-          <p:cNvSpPr>
-            <a:spLocks noGrp="1"/>
-          </p:cNvSpPr>
-          <p:nvPr>
-            <p:ph type="title"/>
-          </p:nvPr>
-        </p:nvSpPr>
-        <p:spPr/>
-        <p:txBody>
-          <a:bodyPr/>
-          <a:lstStyle/>
-          <a:p>
-            <a:r>
-              <a:rPr lang="en-US" dirty="0"/>
-              <a:t>Attack v3 Summary</a:t>
-            </a:r>
-          </a:p>
-        </p:txBody>
-      </p:sp>
-      <p:sp>
-        <p:nvSpPr>
-          <p:cNvPr id="3" name="Content Placeholder 2">
-            <a:extLst>
-              <a:ext uri="{FF2B5EF4-FFF2-40B4-BE49-F238E27FC236}">
-                <a16:creationId xmlns:a16="http://schemas.microsoft.com/office/drawing/2014/main" id="{33C14D61-2ABF-9AC8-45AF-62CB57F9B805}"/>
-              </a:ext>
-            </a:extLst>
-          </p:cNvPr>
-          <p:cNvSpPr>
-            <a:spLocks noGrp="1"/>
-          </p:cNvSpPr>
-          <p:nvPr>
-            <p:ph idx="1"/>
-          </p:nvPr>
-        </p:nvSpPr>
-        <p:spPr/>
-        <p:txBody>
-          <a:bodyPr/>
-          <a:lstStyle/>
-          <a:p>
-            <a:r>
-              <a:rPr lang="en-US" dirty="0"/>
-              <a:t>A list of improvements added:</a:t>
-            </a:r>
-          </a:p>
-          <a:p>
-            <a:pPr marL="914400" lvl="1" indent="-457200">
-              <a:buFont typeface="+mj-lt"/>
-              <a:buAutoNum type="arabicPeriod"/>
-            </a:pPr>
-            <a:r>
-              <a:rPr lang="en-US" dirty="0"/>
-              <a:t>Added 60 second wait timer before execution</a:t>
-            </a:r>
-          </a:p>
-          <a:p>
-            <a:pPr marL="914400" lvl="1" indent="-457200">
-              <a:buFont typeface="+mj-lt"/>
-              <a:buAutoNum type="arabicPeriod"/>
-            </a:pPr>
-            <a:r>
-              <a:rPr lang="en-US" dirty="0"/>
-              <a:t>Added sandbox environment detection</a:t>
-            </a:r>
-          </a:p>
-          <a:p>
-            <a:pPr marL="914400" lvl="1" indent="-457200">
-              <a:buFont typeface="+mj-lt"/>
-              <a:buAutoNum type="arabicPeriod"/>
-            </a:pPr>
-            <a:r>
-              <a:rPr lang="en-US" dirty="0"/>
-              <a:t>Added debugger detection</a:t>
-            </a:r>
-          </a:p>
-        </p:txBody>
-      </p:sp>
-    </p:spTree>
-    <p:extLst>
-      <p:ext uri="{BB962C8B-B14F-4D97-AF65-F5344CB8AC3E}">
-        <p14:creationId xmlns:p14="http://schemas.microsoft.com/office/powerpoint/2010/main" val="611597306"/>
-      </p:ext>
-    </p:extLst>
-  </p:cSld>
-  <p:clrMapOvr>
-    <a:masterClrMapping/>
-  </p:clrMapOvr>
-</p:sld>
-</file>
-
-<file path=ppt/slides/slide23.xml><?xml version="1.0" encoding="utf-8"?>
-<p:sld xmlns:a="http://schemas.openxmlformats.org/drawingml/2006/main" xmlns:r="http://schemas.openxmlformats.org/officeDocument/2006/relationships" xmlns:p="http://schemas.openxmlformats.org/presentationml/2006/main">
-  <p:cSld>
-    <p:spTree>
-      <p:nvGrpSpPr>
-        <p:cNvPr id="1" name=""/>
-        <p:cNvGrpSpPr/>
-        <p:nvPr/>
-      </p:nvGrpSpPr>
-      <p:grpSpPr>
-        <a:xfrm>
-          <a:off x="0" y="0"/>
-          <a:ext cx="0" cy="0"/>
-          <a:chOff x="0" y="0"/>
-          <a:chExt cx="0" cy="0"/>
-        </a:xfrm>
-      </p:grpSpPr>
-      <p:sp>
-        <p:nvSpPr>
-          <p:cNvPr id="2" name="Title 1">
-            <a:extLst>
-              <a:ext uri="{FF2B5EF4-FFF2-40B4-BE49-F238E27FC236}">
-                <a16:creationId xmlns:a16="http://schemas.microsoft.com/office/drawing/2014/main" id="{185E1562-BDAB-CFEF-E0CB-08D5FF266B20}"/>
-              </a:ext>
-            </a:extLst>
-          </p:cNvPr>
-          <p:cNvSpPr>
-            <a:spLocks noGrp="1"/>
-          </p:cNvSpPr>
-          <p:nvPr>
-            <p:ph type="title"/>
-          </p:nvPr>
-        </p:nvSpPr>
-        <p:spPr/>
-        <p:txBody>
-          <a:bodyPr/>
-          <a:lstStyle/>
-          <a:p>
-            <a:r>
-              <a:rPr lang="en-US" dirty="0"/>
-              <a:t>Attack v3 Visualization</a:t>
-            </a:r>
-          </a:p>
-        </p:txBody>
-      </p:sp>
-      <p:sp>
-        <p:nvSpPr>
-          <p:cNvPr id="3" name="Content Placeholder 2">
-            <a:extLst>
-              <a:ext uri="{FF2B5EF4-FFF2-40B4-BE49-F238E27FC236}">
-                <a16:creationId xmlns:a16="http://schemas.microsoft.com/office/drawing/2014/main" id="{C1F07408-F3AA-7562-256D-9D0DA5239CE7}"/>
-              </a:ext>
-            </a:extLst>
-          </p:cNvPr>
-          <p:cNvSpPr>
-            <a:spLocks noGrp="1"/>
-          </p:cNvSpPr>
-          <p:nvPr>
-            <p:ph idx="1"/>
-          </p:nvPr>
-        </p:nvSpPr>
-        <p:spPr/>
-        <p:txBody>
-          <a:bodyPr/>
-          <a:lstStyle/>
-          <a:p>
-            <a:r>
-              <a:rPr lang="en-US" dirty="0"/>
-              <a:t>New imports for dynamic analysis evasion</a:t>
-            </a:r>
-          </a:p>
-        </p:txBody>
-      </p:sp>
-      <p:pic>
-        <p:nvPicPr>
-          <p:cNvPr id="9" name="Picture 8" descr="Text&#10;&#10;Description automatically generated">
-            <a:extLst>
-              <a:ext uri="{FF2B5EF4-FFF2-40B4-BE49-F238E27FC236}">
-                <a16:creationId xmlns:a16="http://schemas.microsoft.com/office/drawing/2014/main" id="{9806D435-6336-3F90-0E8F-FCA722C209B3}"/>
-              </a:ext>
-            </a:extLst>
-          </p:cNvPr>
-          <p:cNvPicPr>
-            <a:picLocks noChangeAspect="1"/>
-          </p:cNvPicPr>
-          <p:nvPr/>
-        </p:nvPicPr>
-        <p:blipFill>
-          <a:blip r:embed="rId2">
-            <a:extLst>
-              <a:ext uri="{28A0092B-C50C-407E-A947-70E740481C1C}">
-                <a14:useLocalDpi xmlns:a14="http://schemas.microsoft.com/office/drawing/2010/main" val="0"/>
-              </a:ext>
-            </a:extLst>
-          </a:blip>
-          <a:stretch>
-            <a:fillRect/>
-          </a:stretch>
-        </p:blipFill>
-        <p:spPr>
-          <a:xfrm>
-            <a:off x="3584690" y="2796373"/>
-            <a:ext cx="5022620" cy="2310649"/>
-          </a:xfrm>
-          <a:prstGeom prst="rect">
-            <a:avLst/>
-          </a:prstGeom>
-        </p:spPr>
-      </p:pic>
-    </p:spTree>
-    <p:extLst>
-      <p:ext uri="{BB962C8B-B14F-4D97-AF65-F5344CB8AC3E}">
-        <p14:creationId xmlns:p14="http://schemas.microsoft.com/office/powerpoint/2010/main" val="515441160"/>
-      </p:ext>
-    </p:extLst>
-  </p:cSld>
-  <p:clrMapOvr>
-    <a:masterClrMapping/>
-  </p:clrMapOvr>
-</p:sld>
-</file>
-
-<file path=ppt/slides/slide24.xml><?xml version="1.0" encoding="utf-8"?>
-<p:sld xmlns:a="http://schemas.openxmlformats.org/drawingml/2006/main" xmlns:r="http://schemas.openxmlformats.org/officeDocument/2006/relationships" xmlns:p="http://schemas.openxmlformats.org/presentationml/2006/main">
-  <p:cSld>
-    <p:spTree>
-      <p:nvGrpSpPr>
-        <p:cNvPr id="1" name=""/>
-        <p:cNvGrpSpPr/>
-        <p:nvPr/>
-      </p:nvGrpSpPr>
-      <p:grpSpPr>
-        <a:xfrm>
-          <a:off x="0" y="0"/>
-          <a:ext cx="0" cy="0"/>
-          <a:chOff x="0" y="0"/>
-          <a:chExt cx="0" cy="0"/>
-        </a:xfrm>
-      </p:grpSpPr>
-      <p:sp>
-        <p:nvSpPr>
-          <p:cNvPr id="2" name="Title 1">
-            <a:extLst>
-              <a:ext uri="{FF2B5EF4-FFF2-40B4-BE49-F238E27FC236}">
-                <a16:creationId xmlns:a16="http://schemas.microsoft.com/office/drawing/2014/main" id="{39F019F1-AD4C-D038-4B56-9FBB12F40914}"/>
-              </a:ext>
-            </a:extLst>
-          </p:cNvPr>
-          <p:cNvSpPr>
-            <a:spLocks noGrp="1"/>
-          </p:cNvSpPr>
-          <p:nvPr>
-            <p:ph type="title"/>
-          </p:nvPr>
-        </p:nvSpPr>
-        <p:spPr/>
-        <p:txBody>
-          <a:bodyPr/>
-          <a:lstStyle/>
-          <a:p>
-            <a:r>
-              <a:rPr lang="en-US" dirty="0"/>
-              <a:t>Attack v3 Visualization</a:t>
-            </a:r>
-          </a:p>
-        </p:txBody>
-      </p:sp>
-      <p:sp>
-        <p:nvSpPr>
-          <p:cNvPr id="3" name="Content Placeholder 2">
-            <a:extLst>
-              <a:ext uri="{FF2B5EF4-FFF2-40B4-BE49-F238E27FC236}">
-                <a16:creationId xmlns:a16="http://schemas.microsoft.com/office/drawing/2014/main" id="{84D4A753-7773-1280-A654-58D6243A904F}"/>
-              </a:ext>
-            </a:extLst>
-          </p:cNvPr>
-          <p:cNvSpPr>
-            <a:spLocks noGrp="1"/>
-          </p:cNvSpPr>
-          <p:nvPr>
-            <p:ph idx="1"/>
-          </p:nvPr>
-        </p:nvSpPr>
-        <p:spPr/>
-        <p:txBody>
-          <a:bodyPr/>
-          <a:lstStyle/>
-          <a:p>
-            <a:r>
-              <a:rPr lang="en-US" dirty="0"/>
-              <a:t>New dynamic imports for dynamic analysis evasion</a:t>
-            </a:r>
-          </a:p>
-          <a:p>
-            <a:pPr marL="0" indent="0">
-              <a:buNone/>
-            </a:pPr>
-            <a:endParaRPr lang="en-US" dirty="0"/>
-          </a:p>
-        </p:txBody>
-      </p:sp>
-      <p:pic>
-        <p:nvPicPr>
-          <p:cNvPr id="5" name="Picture 4" descr="Graphical user interface, text, application, chat or text message&#10;&#10;Description automatically generated">
-            <a:extLst>
-              <a:ext uri="{FF2B5EF4-FFF2-40B4-BE49-F238E27FC236}">
-                <a16:creationId xmlns:a16="http://schemas.microsoft.com/office/drawing/2014/main" id="{C54633BB-9BD9-826E-A4BB-31B949CB8ED6}"/>
-              </a:ext>
-            </a:extLst>
-          </p:cNvPr>
-          <p:cNvPicPr>
-            <a:picLocks noChangeAspect="1"/>
-          </p:cNvPicPr>
-          <p:nvPr/>
-        </p:nvPicPr>
-        <p:blipFill>
-          <a:blip r:embed="rId2">
-            <a:extLst>
-              <a:ext uri="{28A0092B-C50C-407E-A947-70E740481C1C}">
-                <a14:useLocalDpi xmlns:a14="http://schemas.microsoft.com/office/drawing/2010/main" val="0"/>
-              </a:ext>
-            </a:extLst>
-          </a:blip>
-          <a:stretch>
-            <a:fillRect/>
-          </a:stretch>
-        </p:blipFill>
-        <p:spPr>
-          <a:xfrm>
-            <a:off x="842079" y="2494963"/>
-            <a:ext cx="7102566" cy="3505689"/>
-          </a:xfrm>
-          <a:prstGeom prst="rect">
-            <a:avLst/>
-          </a:prstGeom>
-        </p:spPr>
-      </p:pic>
-      <p:pic>
-        <p:nvPicPr>
-          <p:cNvPr id="7" name="Picture 6" descr="Text&#10;&#10;Description automatically generated">
-            <a:extLst>
-              <a:ext uri="{FF2B5EF4-FFF2-40B4-BE49-F238E27FC236}">
-                <a16:creationId xmlns:a16="http://schemas.microsoft.com/office/drawing/2014/main" id="{08F0ECB6-08C3-A4B5-77C1-3751D2FA08B1}"/>
-              </a:ext>
-            </a:extLst>
-          </p:cNvPr>
-          <p:cNvPicPr>
-            <a:picLocks noChangeAspect="1"/>
-          </p:cNvPicPr>
-          <p:nvPr/>
-        </p:nvPicPr>
-        <p:blipFill>
-          <a:blip r:embed="rId3">
-            <a:extLst>
-              <a:ext uri="{28A0092B-C50C-407E-A947-70E740481C1C}">
-                <a14:useLocalDpi xmlns:a14="http://schemas.microsoft.com/office/drawing/2010/main" val="0"/>
-              </a:ext>
-            </a:extLst>
-          </a:blip>
-          <a:stretch>
-            <a:fillRect/>
-          </a:stretch>
-        </p:blipFill>
-        <p:spPr>
-          <a:xfrm>
-            <a:off x="8506063" y="2494963"/>
-            <a:ext cx="2286319" cy="3505689"/>
-          </a:xfrm>
-          <a:prstGeom prst="rect">
-            <a:avLst/>
-          </a:prstGeom>
-        </p:spPr>
-      </p:pic>
-    </p:spTree>
-    <p:extLst>
-      <p:ext uri="{BB962C8B-B14F-4D97-AF65-F5344CB8AC3E}">
-        <p14:creationId xmlns:p14="http://schemas.microsoft.com/office/powerpoint/2010/main" val="761344105"/>
-      </p:ext>
-    </p:extLst>
-  </p:cSld>
-  <p:clrMapOvr>
-    <a:masterClrMapping/>
-  </p:clrMapOvr>
-</p:sld>
-</file>
-
-<file path=ppt/slides/slide25.xml><?xml version="1.0" encoding="utf-8"?>
-<p:sld xmlns:a="http://schemas.openxmlformats.org/drawingml/2006/main" xmlns:r="http://schemas.openxmlformats.org/officeDocument/2006/relationships" xmlns:p="http://schemas.openxmlformats.org/presentationml/2006/main">
-  <p:cSld>
-    <p:spTree>
-      <p:nvGrpSpPr>
-        <p:cNvPr id="1" name=""/>
-        <p:cNvGrpSpPr/>
-        <p:nvPr/>
-      </p:nvGrpSpPr>
-      <p:grpSpPr>
-        <a:xfrm>
-          <a:off x="0" y="0"/>
-          <a:ext cx="0" cy="0"/>
-          <a:chOff x="0" y="0"/>
-          <a:chExt cx="0" cy="0"/>
-        </a:xfrm>
-      </p:grpSpPr>
-      <p:sp>
-        <p:nvSpPr>
-          <p:cNvPr id="2" name="Title 1">
-            <a:extLst>
-              <a:ext uri="{FF2B5EF4-FFF2-40B4-BE49-F238E27FC236}">
-                <a16:creationId xmlns:a16="http://schemas.microsoft.com/office/drawing/2014/main" id="{3C777210-CCC9-83C9-E909-D7A1977C8C58}"/>
-              </a:ext>
-            </a:extLst>
-          </p:cNvPr>
-          <p:cNvSpPr>
-            <a:spLocks noGrp="1"/>
-          </p:cNvSpPr>
-          <p:nvPr>
-            <p:ph type="title"/>
-          </p:nvPr>
-        </p:nvSpPr>
-        <p:spPr/>
-        <p:txBody>
-          <a:bodyPr/>
-          <a:lstStyle/>
-          <a:p>
-            <a:r>
-              <a:rPr lang="en-US" dirty="0"/>
-              <a:t>Attack v3 Visualization</a:t>
-            </a:r>
-          </a:p>
-        </p:txBody>
-      </p:sp>
-      <p:sp>
-        <p:nvSpPr>
-          <p:cNvPr id="3" name="Content Placeholder 2">
-            <a:extLst>
-              <a:ext uri="{FF2B5EF4-FFF2-40B4-BE49-F238E27FC236}">
-                <a16:creationId xmlns:a16="http://schemas.microsoft.com/office/drawing/2014/main" id="{FEDFB103-4DF8-66EE-B74A-FD691EA4AA23}"/>
-              </a:ext>
-            </a:extLst>
-          </p:cNvPr>
-          <p:cNvSpPr>
-            <a:spLocks noGrp="1"/>
-          </p:cNvSpPr>
-          <p:nvPr>
-            <p:ph idx="1"/>
-          </p:nvPr>
-        </p:nvSpPr>
-        <p:spPr/>
-        <p:txBody>
-          <a:bodyPr/>
-          <a:lstStyle/>
-          <a:p>
-            <a:r>
-              <a:rPr lang="en-US" dirty="0"/>
-              <a:t>New encoded API strings for dynamic analysis evasion</a:t>
-            </a:r>
-          </a:p>
-        </p:txBody>
-      </p:sp>
-      <p:pic>
-        <p:nvPicPr>
-          <p:cNvPr id="5" name="Picture 4" descr="Text&#10;&#10;Description automatically generated">
-            <a:extLst>
-              <a:ext uri="{FF2B5EF4-FFF2-40B4-BE49-F238E27FC236}">
-                <a16:creationId xmlns:a16="http://schemas.microsoft.com/office/drawing/2014/main" id="{F5B7893F-65EB-4252-121D-4F53E5F5EC8F}"/>
-              </a:ext>
-            </a:extLst>
-          </p:cNvPr>
-          <p:cNvPicPr>
-            <a:picLocks noChangeAspect="1"/>
-          </p:cNvPicPr>
-          <p:nvPr/>
-        </p:nvPicPr>
-        <p:blipFill>
-          <a:blip r:embed="rId2">
-            <a:extLst>
-              <a:ext uri="{28A0092B-C50C-407E-A947-70E740481C1C}">
-                <a14:useLocalDpi xmlns:a14="http://schemas.microsoft.com/office/drawing/2010/main" val="0"/>
-              </a:ext>
-            </a:extLst>
-          </a:blip>
-          <a:stretch>
-            <a:fillRect/>
-          </a:stretch>
-        </p:blipFill>
-        <p:spPr>
-          <a:xfrm>
-            <a:off x="2319396" y="2407658"/>
-            <a:ext cx="7553208" cy="4177967"/>
-          </a:xfrm>
-          <a:prstGeom prst="rect">
-            <a:avLst/>
-          </a:prstGeom>
-        </p:spPr>
-      </p:pic>
-    </p:spTree>
-    <p:extLst>
-      <p:ext uri="{BB962C8B-B14F-4D97-AF65-F5344CB8AC3E}">
-        <p14:creationId xmlns:p14="http://schemas.microsoft.com/office/powerpoint/2010/main" val="3264949426"/>
-      </p:ext>
-    </p:extLst>
-  </p:cSld>
-  <p:clrMapOvr>
-    <a:masterClrMapping/>
-  </p:clrMapOvr>
-</p:sld>
-</file>
-
-<file path=ppt/slides/slide26.xml><?xml version="1.0" encoding="utf-8"?>
-<p:sld xmlns:a="http://schemas.openxmlformats.org/drawingml/2006/main" xmlns:r="http://schemas.openxmlformats.org/officeDocument/2006/relationships" xmlns:p="http://schemas.openxmlformats.org/presentationml/2006/main">
-  <p:cSld>
-    <p:spTree>
-      <p:nvGrpSpPr>
-        <p:cNvPr id="1" name=""/>
-        <p:cNvGrpSpPr/>
-        <p:nvPr/>
-      </p:nvGrpSpPr>
-      <p:grpSpPr>
-        <a:xfrm>
-          <a:off x="0" y="0"/>
-          <a:ext cx="0" cy="0"/>
-          <a:chOff x="0" y="0"/>
-          <a:chExt cx="0" cy="0"/>
-        </a:xfrm>
-      </p:grpSpPr>
-      <p:sp>
-        <p:nvSpPr>
-          <p:cNvPr id="2" name="Title 1">
-            <a:extLst>
-              <a:ext uri="{FF2B5EF4-FFF2-40B4-BE49-F238E27FC236}">
-                <a16:creationId xmlns:a16="http://schemas.microsoft.com/office/drawing/2014/main" id="{6A0E3301-FB4D-676F-7D73-5E50B392D1EC}"/>
-              </a:ext>
-            </a:extLst>
-          </p:cNvPr>
-          <p:cNvSpPr>
-            <a:spLocks noGrp="1"/>
-          </p:cNvSpPr>
-          <p:nvPr>
-            <p:ph type="title"/>
-          </p:nvPr>
-        </p:nvSpPr>
-        <p:spPr/>
-        <p:txBody>
-          <a:bodyPr/>
-          <a:lstStyle/>
-          <a:p>
-            <a:r>
-              <a:rPr lang="en-US" dirty="0"/>
-              <a:t>Attack v3 Visualization</a:t>
-            </a:r>
-          </a:p>
-        </p:txBody>
-      </p:sp>
-      <p:sp>
-        <p:nvSpPr>
-          <p:cNvPr id="3" name="Content Placeholder 2">
-            <a:extLst>
-              <a:ext uri="{FF2B5EF4-FFF2-40B4-BE49-F238E27FC236}">
-                <a16:creationId xmlns:a16="http://schemas.microsoft.com/office/drawing/2014/main" id="{B73321B8-EEC8-81FF-A01E-165DF63C9BF7}"/>
-              </a:ext>
-            </a:extLst>
-          </p:cNvPr>
-          <p:cNvSpPr>
-            <a:spLocks noGrp="1"/>
-          </p:cNvSpPr>
-          <p:nvPr>
-            <p:ph idx="1"/>
-          </p:nvPr>
-        </p:nvSpPr>
-        <p:spPr/>
-        <p:txBody>
-          <a:bodyPr/>
-          <a:lstStyle/>
-          <a:p>
-            <a:r>
-              <a:rPr lang="en-US" dirty="0"/>
-              <a:t>Loading of new dynamic APIs for dynamic analysis evasion</a:t>
-            </a:r>
-          </a:p>
-        </p:txBody>
-      </p:sp>
-      <p:pic>
-        <p:nvPicPr>
-          <p:cNvPr id="5" name="Picture 4" descr="Text&#10;&#10;Description automatically generated">
-            <a:extLst>
-              <a:ext uri="{FF2B5EF4-FFF2-40B4-BE49-F238E27FC236}">
-                <a16:creationId xmlns:a16="http://schemas.microsoft.com/office/drawing/2014/main" id="{1C76B934-65F9-2833-1825-7ABD9DB366D9}"/>
-              </a:ext>
-            </a:extLst>
-          </p:cNvPr>
-          <p:cNvPicPr>
-            <a:picLocks noChangeAspect="1"/>
-          </p:cNvPicPr>
-          <p:nvPr/>
-        </p:nvPicPr>
-        <p:blipFill>
-          <a:blip r:embed="rId2">
-            <a:extLst>
-              <a:ext uri="{28A0092B-C50C-407E-A947-70E740481C1C}">
-                <a14:useLocalDpi xmlns:a14="http://schemas.microsoft.com/office/drawing/2010/main" val="0"/>
-              </a:ext>
-            </a:extLst>
-          </a:blip>
-          <a:stretch>
-            <a:fillRect/>
-          </a:stretch>
-        </p:blipFill>
-        <p:spPr>
-          <a:xfrm>
-            <a:off x="3574455" y="2346713"/>
-            <a:ext cx="5043089" cy="4351338"/>
-          </a:xfrm>
-          <a:prstGeom prst="rect">
-            <a:avLst/>
-          </a:prstGeom>
-        </p:spPr>
-      </p:pic>
-    </p:spTree>
-    <p:extLst>
-      <p:ext uri="{BB962C8B-B14F-4D97-AF65-F5344CB8AC3E}">
-        <p14:creationId xmlns:p14="http://schemas.microsoft.com/office/powerpoint/2010/main" val="4056567533"/>
-      </p:ext>
-    </p:extLst>
-  </p:cSld>
-  <p:clrMapOvr>
-    <a:masterClrMapping/>
-  </p:clrMapOvr>
-</p:sld>
-</file>
-
-<file path=ppt/slides/slide27.xml><?xml version="1.0" encoding="utf-8"?>
-<p:sld xmlns:a="http://schemas.openxmlformats.org/drawingml/2006/main" xmlns:r="http://schemas.openxmlformats.org/officeDocument/2006/relationships" xmlns:p="http://schemas.openxmlformats.org/presentationml/2006/main">
-  <p:cSld>
-    <p:spTree>
-      <p:nvGrpSpPr>
-        <p:cNvPr id="1" name=""/>
-        <p:cNvGrpSpPr/>
-        <p:nvPr/>
-      </p:nvGrpSpPr>
-      <p:grpSpPr>
-        <a:xfrm>
-          <a:off x="0" y="0"/>
-          <a:ext cx="0" cy="0"/>
-          <a:chOff x="0" y="0"/>
-          <a:chExt cx="0" cy="0"/>
-        </a:xfrm>
-      </p:grpSpPr>
-      <p:sp>
-        <p:nvSpPr>
-          <p:cNvPr id="2" name="Title 1">
-            <a:extLst>
-              <a:ext uri="{FF2B5EF4-FFF2-40B4-BE49-F238E27FC236}">
-                <a16:creationId xmlns:a16="http://schemas.microsoft.com/office/drawing/2014/main" id="{A8760E82-875C-16EC-0D9B-D896CA7738D9}"/>
-              </a:ext>
-            </a:extLst>
-          </p:cNvPr>
-          <p:cNvSpPr>
-            <a:spLocks noGrp="1"/>
-          </p:cNvSpPr>
-          <p:nvPr>
-            <p:ph type="title"/>
-          </p:nvPr>
-        </p:nvSpPr>
-        <p:spPr/>
-        <p:txBody>
-          <a:bodyPr/>
-          <a:lstStyle/>
-          <a:p>
-            <a:r>
-              <a:rPr lang="en-US" dirty="0"/>
-              <a:t>Attack v3 Visualization</a:t>
-            </a:r>
-          </a:p>
-        </p:txBody>
-      </p:sp>
-      <p:sp>
-        <p:nvSpPr>
-          <p:cNvPr id="3" name="Content Placeholder 2">
-            <a:extLst>
-              <a:ext uri="{FF2B5EF4-FFF2-40B4-BE49-F238E27FC236}">
-                <a16:creationId xmlns:a16="http://schemas.microsoft.com/office/drawing/2014/main" id="{F473A61F-34D6-BBC4-1C92-5CC04B245B5C}"/>
-              </a:ext>
-            </a:extLst>
-          </p:cNvPr>
-          <p:cNvSpPr>
-            <a:spLocks noGrp="1"/>
-          </p:cNvSpPr>
-          <p:nvPr>
-            <p:ph idx="1"/>
-          </p:nvPr>
-        </p:nvSpPr>
-        <p:spPr/>
-        <p:txBody>
-          <a:bodyPr/>
-          <a:lstStyle/>
-          <a:p>
-            <a:r>
-              <a:rPr lang="en-US" dirty="0"/>
-              <a:t>Sandbox environment detection for dynamic analysis evasion (Ch1-3)</a:t>
-            </a:r>
-          </a:p>
-        </p:txBody>
-      </p:sp>
-      <p:pic>
-        <p:nvPicPr>
-          <p:cNvPr id="5" name="Picture 4" descr="Text&#10;&#10;Description automatically generated">
-            <a:extLst>
-              <a:ext uri="{FF2B5EF4-FFF2-40B4-BE49-F238E27FC236}">
-                <a16:creationId xmlns:a16="http://schemas.microsoft.com/office/drawing/2014/main" id="{64441F4A-8CCB-4FDF-A6CC-9E810B18B399}"/>
-              </a:ext>
-            </a:extLst>
-          </p:cNvPr>
-          <p:cNvPicPr>
-            <a:picLocks noChangeAspect="1"/>
-          </p:cNvPicPr>
-          <p:nvPr/>
-        </p:nvPicPr>
-        <p:blipFill>
-          <a:blip r:embed="rId2">
-            <a:extLst>
-              <a:ext uri="{28A0092B-C50C-407E-A947-70E740481C1C}">
-                <a14:useLocalDpi xmlns:a14="http://schemas.microsoft.com/office/drawing/2010/main" val="0"/>
-              </a:ext>
-            </a:extLst>
-          </a:blip>
-          <a:stretch>
-            <a:fillRect/>
-          </a:stretch>
-        </p:blipFill>
-        <p:spPr>
-          <a:xfrm>
-            <a:off x="2934028" y="2356116"/>
-            <a:ext cx="6323943" cy="4304254"/>
-          </a:xfrm>
-          <a:prstGeom prst="rect">
-            <a:avLst/>
-          </a:prstGeom>
-        </p:spPr>
-      </p:pic>
-    </p:spTree>
-    <p:extLst>
-      <p:ext uri="{BB962C8B-B14F-4D97-AF65-F5344CB8AC3E}">
-        <p14:creationId xmlns:p14="http://schemas.microsoft.com/office/powerpoint/2010/main" val="3157536462"/>
-      </p:ext>
-    </p:extLst>
-  </p:cSld>
-  <p:clrMapOvr>
-    <a:masterClrMapping/>
-  </p:clrMapOvr>
-</p:sld>
-</file>
-
-<file path=ppt/slides/slide28.xml><?xml version="1.0" encoding="utf-8"?>
-<p:sld xmlns:a="http://schemas.openxmlformats.org/drawingml/2006/main" xmlns:r="http://schemas.openxmlformats.org/officeDocument/2006/relationships" xmlns:p="http://schemas.openxmlformats.org/presentationml/2006/main">
-  <p:cSld>
-    <p:spTree>
-      <p:nvGrpSpPr>
-        <p:cNvPr id="1" name=""/>
-        <p:cNvGrpSpPr/>
-        <p:nvPr/>
-      </p:nvGrpSpPr>
-      <p:grpSpPr>
-        <a:xfrm>
-          <a:off x="0" y="0"/>
-          <a:ext cx="0" cy="0"/>
-          <a:chOff x="0" y="0"/>
-          <a:chExt cx="0" cy="0"/>
-        </a:xfrm>
-      </p:grpSpPr>
-      <p:sp>
-        <p:nvSpPr>
-          <p:cNvPr id="2" name="Title 1">
-            <a:extLst>
-              <a:ext uri="{FF2B5EF4-FFF2-40B4-BE49-F238E27FC236}">
-                <a16:creationId xmlns:a16="http://schemas.microsoft.com/office/drawing/2014/main" id="{A8760E82-875C-16EC-0D9B-D896CA7738D9}"/>
-              </a:ext>
-            </a:extLst>
-          </p:cNvPr>
-          <p:cNvSpPr>
-            <a:spLocks noGrp="1"/>
-          </p:cNvSpPr>
-          <p:nvPr>
-            <p:ph type="title"/>
-          </p:nvPr>
-        </p:nvSpPr>
-        <p:spPr/>
-        <p:txBody>
-          <a:bodyPr/>
-          <a:lstStyle/>
-          <a:p>
-            <a:r>
-              <a:rPr lang="en-US" dirty="0"/>
-              <a:t>Attack v3 Visualization</a:t>
-            </a:r>
-          </a:p>
-        </p:txBody>
-      </p:sp>
-      <p:sp>
-        <p:nvSpPr>
-          <p:cNvPr id="3" name="Content Placeholder 2">
-            <a:extLst>
-              <a:ext uri="{FF2B5EF4-FFF2-40B4-BE49-F238E27FC236}">
-                <a16:creationId xmlns:a16="http://schemas.microsoft.com/office/drawing/2014/main" id="{F473A61F-34D6-BBC4-1C92-5CC04B245B5C}"/>
-              </a:ext>
-            </a:extLst>
-          </p:cNvPr>
-          <p:cNvSpPr>
-            <a:spLocks noGrp="1"/>
-          </p:cNvSpPr>
-          <p:nvPr>
-            <p:ph idx="1"/>
-          </p:nvPr>
-        </p:nvSpPr>
-        <p:spPr/>
-        <p:txBody>
-          <a:bodyPr/>
-          <a:lstStyle/>
-          <a:p>
-            <a:r>
-              <a:rPr lang="en-US" dirty="0"/>
-              <a:t>Sandbox environment detection for dynamic analysis evasion (Ch4-5)</a:t>
-            </a:r>
-          </a:p>
-        </p:txBody>
-      </p:sp>
-      <p:pic>
-        <p:nvPicPr>
-          <p:cNvPr id="6" name="Picture 5" descr="Text&#10;&#10;Description automatically generated">
-            <a:extLst>
-              <a:ext uri="{FF2B5EF4-FFF2-40B4-BE49-F238E27FC236}">
-                <a16:creationId xmlns:a16="http://schemas.microsoft.com/office/drawing/2014/main" id="{1C85AA8E-037F-AE4F-9D4C-784F4916C55F}"/>
-              </a:ext>
-            </a:extLst>
-          </p:cNvPr>
-          <p:cNvPicPr>
-            <a:picLocks noChangeAspect="1"/>
-          </p:cNvPicPr>
-          <p:nvPr/>
-        </p:nvPicPr>
-        <p:blipFill>
-          <a:blip r:embed="rId2">
-            <a:extLst>
-              <a:ext uri="{28A0092B-C50C-407E-A947-70E740481C1C}">
-                <a14:useLocalDpi xmlns:a14="http://schemas.microsoft.com/office/drawing/2010/main" val="0"/>
-              </a:ext>
-            </a:extLst>
-          </a:blip>
-          <a:stretch>
-            <a:fillRect/>
-          </a:stretch>
-        </p:blipFill>
-        <p:spPr>
-          <a:xfrm>
-            <a:off x="2990416" y="2785590"/>
-            <a:ext cx="6211167" cy="3391373"/>
-          </a:xfrm>
-          <a:prstGeom prst="rect">
-            <a:avLst/>
-          </a:prstGeom>
-        </p:spPr>
-      </p:pic>
-    </p:spTree>
-    <p:extLst>
-      <p:ext uri="{BB962C8B-B14F-4D97-AF65-F5344CB8AC3E}">
-        <p14:creationId xmlns:p14="http://schemas.microsoft.com/office/powerpoint/2010/main" val="3197722010"/>
-      </p:ext>
-    </p:extLst>
-  </p:cSld>
-  <p:clrMapOvr>
-    <a:masterClrMapping/>
-  </p:clrMapOvr>
-</p:sld>
-</file>
-
-<file path=ppt/slides/slide29.xml><?xml version="1.0" encoding="utf-8"?>
-<p:sld xmlns:a="http://schemas.openxmlformats.org/drawingml/2006/main" xmlns:r="http://schemas.openxmlformats.org/officeDocument/2006/relationships" xmlns:p="http://schemas.openxmlformats.org/presentationml/2006/main">
-  <p:cSld>
-    <p:spTree>
-      <p:nvGrpSpPr>
-        <p:cNvPr id="1" name=""/>
-        <p:cNvGrpSpPr/>
-        <p:nvPr/>
-      </p:nvGrpSpPr>
-      <p:grpSpPr>
-        <a:xfrm>
-          <a:off x="0" y="0"/>
-          <a:ext cx="0" cy="0"/>
-          <a:chOff x="0" y="0"/>
-          <a:chExt cx="0" cy="0"/>
-        </a:xfrm>
-      </p:grpSpPr>
-      <p:sp>
-        <p:nvSpPr>
-          <p:cNvPr id="2" name="Title 1">
-            <a:extLst>
-              <a:ext uri="{FF2B5EF4-FFF2-40B4-BE49-F238E27FC236}">
-                <a16:creationId xmlns:a16="http://schemas.microsoft.com/office/drawing/2014/main" id="{527FF680-3EBB-1B0A-9D55-4FC034E8E2B0}"/>
-              </a:ext>
-            </a:extLst>
-          </p:cNvPr>
-          <p:cNvSpPr>
-            <a:spLocks noGrp="1"/>
-          </p:cNvSpPr>
-          <p:nvPr>
-            <p:ph type="title"/>
-          </p:nvPr>
-        </p:nvSpPr>
-        <p:spPr/>
-        <p:txBody>
-          <a:bodyPr/>
-          <a:lstStyle/>
-          <a:p>
-            <a:r>
-              <a:rPr lang="en-US" dirty="0"/>
-              <a:t>Attack v3 Visualization</a:t>
-            </a:r>
-          </a:p>
-        </p:txBody>
-      </p:sp>
-      <p:sp>
-        <p:nvSpPr>
-          <p:cNvPr id="3" name="Content Placeholder 2">
-            <a:extLst>
-              <a:ext uri="{FF2B5EF4-FFF2-40B4-BE49-F238E27FC236}">
-                <a16:creationId xmlns:a16="http://schemas.microsoft.com/office/drawing/2014/main" id="{9E0F23D1-614D-0A70-0B4A-3B2A92C0BF06}"/>
-              </a:ext>
-            </a:extLst>
-          </p:cNvPr>
-          <p:cNvSpPr>
-            <a:spLocks noGrp="1"/>
-          </p:cNvSpPr>
-          <p:nvPr>
-            <p:ph idx="1"/>
-          </p:nvPr>
-        </p:nvSpPr>
-        <p:spPr/>
-        <p:txBody>
-          <a:bodyPr/>
-          <a:lstStyle/>
-          <a:p>
-            <a:r>
-              <a:rPr lang="en-US" dirty="0"/>
-              <a:t>Debugger detection for dynamic analysis evasion </a:t>
-            </a:r>
-          </a:p>
-        </p:txBody>
-      </p:sp>
-      <p:pic>
-        <p:nvPicPr>
-          <p:cNvPr id="5" name="Picture 4" descr="A screenshot of a computer&#10;&#10;Description automatically generated with medium confidence">
-            <a:extLst>
-              <a:ext uri="{FF2B5EF4-FFF2-40B4-BE49-F238E27FC236}">
-                <a16:creationId xmlns:a16="http://schemas.microsoft.com/office/drawing/2014/main" id="{AAD7104A-05E8-1FD0-71D6-26949C367785}"/>
-              </a:ext>
-            </a:extLst>
-          </p:cNvPr>
-          <p:cNvPicPr>
-            <a:picLocks noChangeAspect="1"/>
-          </p:cNvPicPr>
-          <p:nvPr/>
-        </p:nvPicPr>
-        <p:blipFill>
-          <a:blip r:embed="rId2">
-            <a:extLst>
-              <a:ext uri="{28A0092B-C50C-407E-A947-70E740481C1C}">
-                <a14:useLocalDpi xmlns:a14="http://schemas.microsoft.com/office/drawing/2010/main" val="0"/>
-              </a:ext>
-            </a:extLst>
-          </a:blip>
-          <a:stretch>
-            <a:fillRect/>
-          </a:stretch>
-        </p:blipFill>
-        <p:spPr>
-          <a:xfrm>
-            <a:off x="2647468" y="2757669"/>
-            <a:ext cx="6897063" cy="2791215"/>
-          </a:xfrm>
-          <a:prstGeom prst="rect">
-            <a:avLst/>
-          </a:prstGeom>
-        </p:spPr>
-      </p:pic>
-    </p:spTree>
-    <p:extLst>
-      <p:ext uri="{BB962C8B-B14F-4D97-AF65-F5344CB8AC3E}">
-        <p14:creationId xmlns:p14="http://schemas.microsoft.com/office/powerpoint/2010/main" val="1726204676"/>
       </p:ext>
     </p:extLst>
   </p:cSld>
@@ -6231,7 +5112,7 @@
           <p:cNvPr id="2" name="Title 1">
             <a:extLst>
               <a:ext uri="{FF2B5EF4-FFF2-40B4-BE49-F238E27FC236}">
-                <a16:creationId xmlns:a16="http://schemas.microsoft.com/office/drawing/2014/main" id="{4FB198E3-1EDE-0E6D-7A4D-CE66E43E21FD}"/>
+                <a16:creationId xmlns:a16="http://schemas.microsoft.com/office/drawing/2014/main" id="{F0CF6617-A08A-C0D6-F1DE-192CBAA5BE64}"/>
               </a:ext>
             </a:extLst>
           </p:cNvPr>
@@ -6249,7 +5130,7 @@
           <a:p>
             <a:r>
               <a:rPr lang="en-US" dirty="0"/>
-              <a:t>Dataset</a:t>
+              <a:t>Feature Extraction - Summary</a:t>
             </a:r>
           </a:p>
         </p:txBody>
@@ -6259,7 +5140,7 @@
           <p:cNvPr id="3" name="Content Placeholder 2">
             <a:extLst>
               <a:ext uri="{FF2B5EF4-FFF2-40B4-BE49-F238E27FC236}">
-                <a16:creationId xmlns:a16="http://schemas.microsoft.com/office/drawing/2014/main" id="{9D118AC6-6D85-C3C2-E653-2FC1561C7EFE}"/>
+                <a16:creationId xmlns:a16="http://schemas.microsoft.com/office/drawing/2014/main" id="{BB3EDD30-3F33-08E6-18FC-603451BAE124}"/>
               </a:ext>
             </a:extLst>
           </p:cNvPr>
@@ -6272,9 +5153,68 @@
         </p:nvSpPr>
         <p:spPr/>
         <p:txBody>
-          <a:bodyPr/>
-          <a:lstStyle/>
-          <a:p>
+          <a:bodyPr>
+            <a:normAutofit/>
+          </a:bodyPr>
+          <a:lstStyle/>
+          <a:p>
+            <a:pPr marL="0" indent="0">
+              <a:buNone/>
+            </a:pPr>
+            <a:r>
+              <a:rPr lang="en-US" dirty="0"/>
+              <a:t>414 features in total extracted</a:t>
+            </a:r>
+          </a:p>
+          <a:p>
+            <a:r>
+              <a:rPr lang="en-US" dirty="0"/>
+              <a:t>14 header features </a:t>
+            </a:r>
+          </a:p>
+          <a:p>
+            <a:r>
+              <a:rPr lang="en-US" dirty="0"/>
+              <a:t>200 bi-gram byte features  </a:t>
+            </a:r>
+          </a:p>
+          <a:p>
+            <a:r>
+              <a:rPr lang="en-US" dirty="0"/>
+              <a:t>100 bi-gram opcode features </a:t>
+            </a:r>
+          </a:p>
+          <a:p>
+            <a:r>
+              <a:rPr lang="en-US" dirty="0"/>
+              <a:t>100 tri-gram opcode features  </a:t>
+            </a:r>
+          </a:p>
+          <a:p>
+            <a:pPr marL="0" indent="0">
+              <a:buNone/>
+            </a:pPr>
+            <a:r>
+              <a:rPr lang="en-US" altLang="zh-CN" dirty="0"/>
+              <a:t>n-gram: </a:t>
+            </a:r>
+            <a:r>
+              <a:rPr lang="en-US" dirty="0"/>
+              <a:t>sequence of </a:t>
+            </a:r>
+            <a:r>
+              <a:rPr lang="en-US" dirty="0" err="1"/>
+              <a:t>of</a:t>
+            </a:r>
+            <a:r>
+              <a:rPr lang="en-US" dirty="0"/>
+              <a:t> n adjacent bytes within the binary file. Frequency is computed. This can help capture the semantics of each file.</a:t>
+            </a:r>
+          </a:p>
+          <a:p>
+            <a:pPr marL="0" indent="0">
+              <a:buNone/>
+            </a:pPr>
             <a:endParaRPr lang="en-US" dirty="0"/>
           </a:p>
         </p:txBody>
@@ -6282,641 +5222,7 @@
     </p:spTree>
     <p:extLst>
       <p:ext uri="{BB962C8B-B14F-4D97-AF65-F5344CB8AC3E}">
-        <p14:creationId xmlns:p14="http://schemas.microsoft.com/office/powerpoint/2010/main" val="1150152782"/>
-      </p:ext>
-    </p:extLst>
-  </p:cSld>
-  <p:clrMapOvr>
-    <a:masterClrMapping/>
-  </p:clrMapOvr>
-</p:sld>
-</file>
-
-<file path=ppt/slides/slide30.xml><?xml version="1.0" encoding="utf-8"?>
-<p:sld xmlns:a="http://schemas.openxmlformats.org/drawingml/2006/main" xmlns:r="http://schemas.openxmlformats.org/officeDocument/2006/relationships" xmlns:p="http://schemas.openxmlformats.org/presentationml/2006/main">
-  <p:cSld>
-    <p:spTree>
-      <p:nvGrpSpPr>
-        <p:cNvPr id="1" name=""/>
-        <p:cNvGrpSpPr/>
-        <p:nvPr/>
-      </p:nvGrpSpPr>
-      <p:grpSpPr>
-        <a:xfrm>
-          <a:off x="0" y="0"/>
-          <a:ext cx="0" cy="0"/>
-          <a:chOff x="0" y="0"/>
-          <a:chExt cx="0" cy="0"/>
-        </a:xfrm>
-      </p:grpSpPr>
-      <p:sp>
-        <p:nvSpPr>
-          <p:cNvPr id="2" name="Title 1">
-            <a:extLst>
-              <a:ext uri="{FF2B5EF4-FFF2-40B4-BE49-F238E27FC236}">
-                <a16:creationId xmlns:a16="http://schemas.microsoft.com/office/drawing/2014/main" id="{BD4BF7B8-0976-DEAB-C293-21A460C964B3}"/>
-              </a:ext>
-            </a:extLst>
-          </p:cNvPr>
-          <p:cNvSpPr>
-            <a:spLocks noGrp="1"/>
-          </p:cNvSpPr>
-          <p:nvPr>
-            <p:ph type="title"/>
-          </p:nvPr>
-        </p:nvSpPr>
-        <p:spPr/>
-        <p:txBody>
-          <a:bodyPr/>
-          <a:lstStyle/>
-          <a:p>
-            <a:r>
-              <a:rPr lang="en-US" dirty="0"/>
-              <a:t>Attack v3 Visualization</a:t>
-            </a:r>
-          </a:p>
-        </p:txBody>
-      </p:sp>
-      <p:sp>
-        <p:nvSpPr>
-          <p:cNvPr id="3" name="Content Placeholder 2">
-            <a:extLst>
-              <a:ext uri="{FF2B5EF4-FFF2-40B4-BE49-F238E27FC236}">
-                <a16:creationId xmlns:a16="http://schemas.microsoft.com/office/drawing/2014/main" id="{D6F0BD04-DBBE-E598-D459-FCD2F44FC4C3}"/>
-              </a:ext>
-            </a:extLst>
-          </p:cNvPr>
-          <p:cNvSpPr>
-            <a:spLocks noGrp="1"/>
-          </p:cNvSpPr>
-          <p:nvPr>
-            <p:ph idx="1"/>
-          </p:nvPr>
-        </p:nvSpPr>
-        <p:spPr/>
-        <p:txBody>
-          <a:bodyPr/>
-          <a:lstStyle/>
-          <a:p>
-            <a:r>
-              <a:rPr lang="en-US" dirty="0"/>
-              <a:t>Final main with 1 minute wait timer to evade dynamic analysis</a:t>
-            </a:r>
-          </a:p>
-        </p:txBody>
-      </p:sp>
-      <p:pic>
-        <p:nvPicPr>
-          <p:cNvPr id="5" name="Picture 4" descr="Text&#10;&#10;Description automatically generated">
-            <a:extLst>
-              <a:ext uri="{FF2B5EF4-FFF2-40B4-BE49-F238E27FC236}">
-                <a16:creationId xmlns:a16="http://schemas.microsoft.com/office/drawing/2014/main" id="{4F9AE31D-838A-89B1-DD68-021889716DCE}"/>
-              </a:ext>
-            </a:extLst>
-          </p:cNvPr>
-          <p:cNvPicPr>
-            <a:picLocks noChangeAspect="1"/>
-          </p:cNvPicPr>
-          <p:nvPr/>
-        </p:nvPicPr>
-        <p:blipFill>
-          <a:blip r:embed="rId2">
-            <a:extLst>
-              <a:ext uri="{28A0092B-C50C-407E-A947-70E740481C1C}">
-                <a14:useLocalDpi xmlns:a14="http://schemas.microsoft.com/office/drawing/2010/main" val="0"/>
-              </a:ext>
-            </a:extLst>
-          </a:blip>
-          <a:stretch>
-            <a:fillRect/>
-          </a:stretch>
-        </p:blipFill>
-        <p:spPr>
-          <a:xfrm>
-            <a:off x="2749711" y="2272420"/>
-            <a:ext cx="6692578" cy="4453163"/>
-          </a:xfrm>
-          <a:prstGeom prst="rect">
-            <a:avLst/>
-          </a:prstGeom>
-        </p:spPr>
-      </p:pic>
-    </p:spTree>
-    <p:extLst>
-      <p:ext uri="{BB962C8B-B14F-4D97-AF65-F5344CB8AC3E}">
-        <p14:creationId xmlns:p14="http://schemas.microsoft.com/office/powerpoint/2010/main" val="2394635556"/>
-      </p:ext>
-    </p:extLst>
-  </p:cSld>
-  <p:clrMapOvr>
-    <a:masterClrMapping/>
-  </p:clrMapOvr>
-</p:sld>
-</file>
-
-<file path=ppt/slides/slide31.xml><?xml version="1.0" encoding="utf-8"?>
-<p:sld xmlns:a="http://schemas.openxmlformats.org/drawingml/2006/main" xmlns:r="http://schemas.openxmlformats.org/officeDocument/2006/relationships" xmlns:p="http://schemas.openxmlformats.org/presentationml/2006/main">
-  <p:cSld>
-    <p:spTree>
-      <p:nvGrpSpPr>
-        <p:cNvPr id="1" name=""/>
-        <p:cNvGrpSpPr/>
-        <p:nvPr/>
-      </p:nvGrpSpPr>
-      <p:grpSpPr>
-        <a:xfrm>
-          <a:off x="0" y="0"/>
-          <a:ext cx="0" cy="0"/>
-          <a:chOff x="0" y="0"/>
-          <a:chExt cx="0" cy="0"/>
-        </a:xfrm>
-      </p:grpSpPr>
-      <p:sp>
-        <p:nvSpPr>
-          <p:cNvPr id="2" name="Title 1">
-            <a:extLst>
-              <a:ext uri="{FF2B5EF4-FFF2-40B4-BE49-F238E27FC236}">
-                <a16:creationId xmlns:a16="http://schemas.microsoft.com/office/drawing/2014/main" id="{BAD081ED-1CC7-5CED-21E0-1AD3133168D4}"/>
-              </a:ext>
-            </a:extLst>
-          </p:cNvPr>
-          <p:cNvSpPr>
-            <a:spLocks noGrp="1"/>
-          </p:cNvSpPr>
-          <p:nvPr>
-            <p:ph type="title"/>
-          </p:nvPr>
-        </p:nvSpPr>
-        <p:spPr/>
-        <p:txBody>
-          <a:bodyPr/>
-          <a:lstStyle/>
-          <a:p>
-            <a:r>
-              <a:rPr lang="en-US" dirty="0"/>
-              <a:t>Attack v3 Results</a:t>
-            </a:r>
-          </a:p>
-        </p:txBody>
-      </p:sp>
-      <p:sp>
-        <p:nvSpPr>
-          <p:cNvPr id="3" name="Content Placeholder 2">
-            <a:extLst>
-              <a:ext uri="{FF2B5EF4-FFF2-40B4-BE49-F238E27FC236}">
-                <a16:creationId xmlns:a16="http://schemas.microsoft.com/office/drawing/2014/main" id="{64B2377D-8726-3D90-ABA9-7EE92BB8DB64}"/>
-              </a:ext>
-            </a:extLst>
-          </p:cNvPr>
-          <p:cNvSpPr>
-            <a:spLocks noGrp="1"/>
-          </p:cNvSpPr>
-          <p:nvPr>
-            <p:ph idx="1"/>
-          </p:nvPr>
-        </p:nvSpPr>
-        <p:spPr/>
-        <p:txBody>
-          <a:bodyPr/>
-          <a:lstStyle/>
-          <a:p>
-            <a:r>
-              <a:rPr lang="en-US" dirty="0" err="1"/>
-              <a:t>VirusTotal</a:t>
-            </a:r>
-            <a:r>
-              <a:rPr lang="en-US" dirty="0"/>
-              <a:t> of Evade1-0000</a:t>
-            </a:r>
-          </a:p>
-        </p:txBody>
-      </p:sp>
-      <p:pic>
-        <p:nvPicPr>
-          <p:cNvPr id="6148" name="Picture 4">
-            <a:extLst>
-              <a:ext uri="{FF2B5EF4-FFF2-40B4-BE49-F238E27FC236}">
-                <a16:creationId xmlns:a16="http://schemas.microsoft.com/office/drawing/2014/main" id="{25AA8FA6-7551-7C3E-D94D-997D0F612282}"/>
-              </a:ext>
-            </a:extLst>
-          </p:cNvPr>
-          <p:cNvPicPr>
-            <a:picLocks noChangeAspect="1" noChangeArrowheads="1"/>
-          </p:cNvPicPr>
-          <p:nvPr/>
-        </p:nvPicPr>
-        <p:blipFill>
-          <a:blip r:embed="rId2">
-            <a:extLst>
-              <a:ext uri="{28A0092B-C50C-407E-A947-70E740481C1C}">
-                <a14:useLocalDpi xmlns:a14="http://schemas.microsoft.com/office/drawing/2010/main" val="0"/>
-              </a:ext>
-            </a:extLst>
-          </a:blip>
-          <a:srcRect/>
-          <a:stretch>
-            <a:fillRect/>
-          </a:stretch>
-        </p:blipFill>
-        <p:spPr bwMode="auto">
-          <a:xfrm>
-            <a:off x="2710774" y="2405610"/>
-            <a:ext cx="6770451" cy="3771353"/>
-          </a:xfrm>
-          <a:prstGeom prst="rect">
-            <a:avLst/>
-          </a:prstGeom>
-          <a:noFill/>
-          <a:extLst>
-            <a:ext uri="{909E8E84-426E-40DD-AFC4-6F175D3DCCD1}">
-              <a14:hiddenFill xmlns:a14="http://schemas.microsoft.com/office/drawing/2010/main">
-                <a:solidFill>
-                  <a:srgbClr val="FFFFFF"/>
-                </a:solidFill>
-              </a14:hiddenFill>
-            </a:ext>
-          </a:extLst>
-        </p:spPr>
-      </p:pic>
-    </p:spTree>
-    <p:extLst>
-      <p:ext uri="{BB962C8B-B14F-4D97-AF65-F5344CB8AC3E}">
-        <p14:creationId xmlns:p14="http://schemas.microsoft.com/office/powerpoint/2010/main" val="3228301114"/>
-      </p:ext>
-    </p:extLst>
-  </p:cSld>
-  <p:clrMapOvr>
-    <a:masterClrMapping/>
-  </p:clrMapOvr>
-</p:sld>
-</file>
-
-<file path=ppt/slides/slide32.xml><?xml version="1.0" encoding="utf-8"?>
-<p:sld xmlns:a="http://schemas.openxmlformats.org/drawingml/2006/main" xmlns:r="http://schemas.openxmlformats.org/officeDocument/2006/relationships" xmlns:p="http://schemas.openxmlformats.org/presentationml/2006/main">
-  <p:cSld>
-    <p:spTree>
-      <p:nvGrpSpPr>
-        <p:cNvPr id="1" name=""/>
-        <p:cNvGrpSpPr/>
-        <p:nvPr/>
-      </p:nvGrpSpPr>
-      <p:grpSpPr>
-        <a:xfrm>
-          <a:off x="0" y="0"/>
-          <a:ext cx="0" cy="0"/>
-          <a:chOff x="0" y="0"/>
-          <a:chExt cx="0" cy="0"/>
-        </a:xfrm>
-      </p:grpSpPr>
-      <p:sp>
-        <p:nvSpPr>
-          <p:cNvPr id="2" name="Title 1">
-            <a:extLst>
-              <a:ext uri="{FF2B5EF4-FFF2-40B4-BE49-F238E27FC236}">
-                <a16:creationId xmlns:a16="http://schemas.microsoft.com/office/drawing/2014/main" id="{AEE02DBB-C14A-8616-FFD8-50B88CB36AF8}"/>
-              </a:ext>
-            </a:extLst>
-          </p:cNvPr>
-          <p:cNvSpPr>
-            <a:spLocks noGrp="1"/>
-          </p:cNvSpPr>
-          <p:nvPr>
-            <p:ph type="title"/>
-          </p:nvPr>
-        </p:nvSpPr>
-        <p:spPr/>
-        <p:txBody>
-          <a:bodyPr/>
-          <a:lstStyle/>
-          <a:p>
-            <a:r>
-              <a:rPr lang="en-US" dirty="0"/>
-              <a:t>Attack v3 Results</a:t>
-            </a:r>
-          </a:p>
-        </p:txBody>
-      </p:sp>
-      <p:sp>
-        <p:nvSpPr>
-          <p:cNvPr id="3" name="Content Placeholder 2">
-            <a:extLst>
-              <a:ext uri="{FF2B5EF4-FFF2-40B4-BE49-F238E27FC236}">
-                <a16:creationId xmlns:a16="http://schemas.microsoft.com/office/drawing/2014/main" id="{84A95DDF-59BE-8851-7B6F-A895021DE56A}"/>
-              </a:ext>
-            </a:extLst>
-          </p:cNvPr>
-          <p:cNvSpPr>
-            <a:spLocks noGrp="1"/>
-          </p:cNvSpPr>
-          <p:nvPr>
-            <p:ph idx="1"/>
-          </p:nvPr>
-        </p:nvSpPr>
-        <p:spPr/>
-        <p:txBody>
-          <a:bodyPr/>
-          <a:lstStyle/>
-          <a:p>
-            <a:r>
-              <a:rPr lang="en-US" dirty="0"/>
-              <a:t>Sandbox Execution</a:t>
-            </a:r>
-          </a:p>
-        </p:txBody>
-      </p:sp>
-      <p:pic>
-        <p:nvPicPr>
-          <p:cNvPr id="5122" name="Picture 2">
-            <a:extLst>
-              <a:ext uri="{FF2B5EF4-FFF2-40B4-BE49-F238E27FC236}">
-                <a16:creationId xmlns:a16="http://schemas.microsoft.com/office/drawing/2014/main" id="{8F09BF55-999E-0BF1-BEC6-7896F1EE3530}"/>
-              </a:ext>
-            </a:extLst>
-          </p:cNvPr>
-          <p:cNvPicPr>
-            <a:picLocks noChangeAspect="1" noChangeArrowheads="1"/>
-          </p:cNvPicPr>
-          <p:nvPr/>
-        </p:nvPicPr>
-        <p:blipFill>
-          <a:blip r:embed="rId2">
-            <a:extLst>
-              <a:ext uri="{28A0092B-C50C-407E-A947-70E740481C1C}">
-                <a14:useLocalDpi xmlns:a14="http://schemas.microsoft.com/office/drawing/2010/main" val="0"/>
-              </a:ext>
-            </a:extLst>
-          </a:blip>
-          <a:srcRect/>
-          <a:stretch>
-            <a:fillRect/>
-          </a:stretch>
-        </p:blipFill>
-        <p:spPr bwMode="auto">
-          <a:xfrm>
-            <a:off x="1801439" y="2344366"/>
-            <a:ext cx="8740846" cy="4277096"/>
-          </a:xfrm>
-          <a:prstGeom prst="rect">
-            <a:avLst/>
-          </a:prstGeom>
-          <a:noFill/>
-          <a:extLst>
-            <a:ext uri="{909E8E84-426E-40DD-AFC4-6F175D3DCCD1}">
-              <a14:hiddenFill xmlns:a14="http://schemas.microsoft.com/office/drawing/2010/main">
-                <a:solidFill>
-                  <a:srgbClr val="FFFFFF"/>
-                </a:solidFill>
-              </a14:hiddenFill>
-            </a:ext>
-          </a:extLst>
-        </p:spPr>
-      </p:pic>
-    </p:spTree>
-    <p:extLst>
-      <p:ext uri="{BB962C8B-B14F-4D97-AF65-F5344CB8AC3E}">
-        <p14:creationId xmlns:p14="http://schemas.microsoft.com/office/powerpoint/2010/main" val="3637972148"/>
-      </p:ext>
-    </p:extLst>
-  </p:cSld>
-  <p:clrMapOvr>
-    <a:masterClrMapping/>
-  </p:clrMapOvr>
-</p:sld>
-</file>
-
-<file path=ppt/slides/slide33.xml><?xml version="1.0" encoding="utf-8"?>
-<p:sld xmlns:a="http://schemas.openxmlformats.org/drawingml/2006/main" xmlns:r="http://schemas.openxmlformats.org/officeDocument/2006/relationships" xmlns:p="http://schemas.openxmlformats.org/presentationml/2006/main">
-  <p:cSld>
-    <p:spTree>
-      <p:nvGrpSpPr>
-        <p:cNvPr id="1" name=""/>
-        <p:cNvGrpSpPr/>
-        <p:nvPr/>
-      </p:nvGrpSpPr>
-      <p:grpSpPr>
-        <a:xfrm>
-          <a:off x="0" y="0"/>
-          <a:ext cx="0" cy="0"/>
-          <a:chOff x="0" y="0"/>
-          <a:chExt cx="0" cy="0"/>
-        </a:xfrm>
-      </p:grpSpPr>
-      <p:sp>
-        <p:nvSpPr>
-          <p:cNvPr id="2" name="Title 1">
-            <a:extLst>
-              <a:ext uri="{FF2B5EF4-FFF2-40B4-BE49-F238E27FC236}">
-                <a16:creationId xmlns:a16="http://schemas.microsoft.com/office/drawing/2014/main" id="{43FDD31E-DCC2-AFC2-013E-6A48E1E30BB5}"/>
-              </a:ext>
-            </a:extLst>
-          </p:cNvPr>
-          <p:cNvSpPr>
-            <a:spLocks noGrp="1"/>
-          </p:cNvSpPr>
-          <p:nvPr>
-            <p:ph type="title"/>
-          </p:nvPr>
-        </p:nvSpPr>
-        <p:spPr>
-          <a:xfrm>
-            <a:off x="838200" y="365125"/>
-            <a:ext cx="10704968" cy="1325563"/>
-          </a:xfrm>
-        </p:spPr>
-        <p:txBody>
-          <a:bodyPr/>
-          <a:lstStyle/>
-          <a:p>
-            <a:r>
-              <a:rPr lang="en-US" dirty="0"/>
-              <a:t>Additional Tools – Creating Encoded Resources</a:t>
-            </a:r>
-          </a:p>
-        </p:txBody>
-      </p:sp>
-      <p:sp>
-        <p:nvSpPr>
-          <p:cNvPr id="3" name="Content Placeholder 2">
-            <a:extLst>
-              <a:ext uri="{FF2B5EF4-FFF2-40B4-BE49-F238E27FC236}">
-                <a16:creationId xmlns:a16="http://schemas.microsoft.com/office/drawing/2014/main" id="{AF692A05-AB8A-7B1F-FACA-19004ED732DA}"/>
-              </a:ext>
-            </a:extLst>
-          </p:cNvPr>
-          <p:cNvSpPr>
-            <a:spLocks noGrp="1"/>
-          </p:cNvSpPr>
-          <p:nvPr>
-            <p:ph idx="1"/>
-          </p:nvPr>
-        </p:nvSpPr>
-        <p:spPr/>
-        <p:txBody>
-          <a:bodyPr/>
-          <a:lstStyle/>
-          <a:p>
-            <a:endParaRPr lang="en-US" dirty="0"/>
-          </a:p>
-        </p:txBody>
-      </p:sp>
-    </p:spTree>
-    <p:extLst>
-      <p:ext uri="{BB962C8B-B14F-4D97-AF65-F5344CB8AC3E}">
-        <p14:creationId xmlns:p14="http://schemas.microsoft.com/office/powerpoint/2010/main" val="3325892076"/>
-      </p:ext>
-    </p:extLst>
-  </p:cSld>
-  <p:clrMapOvr>
-    <a:masterClrMapping/>
-  </p:clrMapOvr>
-</p:sld>
-</file>
-
-<file path=ppt/slides/slide34.xml><?xml version="1.0" encoding="utf-8"?>
-<p:sld xmlns:a="http://schemas.openxmlformats.org/drawingml/2006/main" xmlns:r="http://schemas.openxmlformats.org/officeDocument/2006/relationships" xmlns:p="http://schemas.openxmlformats.org/presentationml/2006/main">
-  <p:cSld>
-    <p:spTree>
-      <p:nvGrpSpPr>
-        <p:cNvPr id="1" name=""/>
-        <p:cNvGrpSpPr/>
-        <p:nvPr/>
-      </p:nvGrpSpPr>
-      <p:grpSpPr>
-        <a:xfrm>
-          <a:off x="0" y="0"/>
-          <a:ext cx="0" cy="0"/>
-          <a:chOff x="0" y="0"/>
-          <a:chExt cx="0" cy="0"/>
-        </a:xfrm>
-      </p:grpSpPr>
-      <p:sp>
-        <p:nvSpPr>
-          <p:cNvPr id="2" name="Title 1">
-            <a:extLst>
-              <a:ext uri="{FF2B5EF4-FFF2-40B4-BE49-F238E27FC236}">
-                <a16:creationId xmlns:a16="http://schemas.microsoft.com/office/drawing/2014/main" id="{25F0A3C7-6F3B-40C5-0FEE-E15B04A59F83}"/>
-              </a:ext>
-            </a:extLst>
-          </p:cNvPr>
-          <p:cNvSpPr>
-            <a:spLocks noGrp="1"/>
-          </p:cNvSpPr>
-          <p:nvPr>
-            <p:ph type="title"/>
-          </p:nvPr>
-        </p:nvSpPr>
-        <p:spPr/>
-        <p:txBody>
-          <a:bodyPr/>
-          <a:lstStyle/>
-          <a:p>
-            <a:r>
-              <a:rPr lang="en-US" dirty="0"/>
-              <a:t>Additional Tools – Creating ROT1 int Arrays</a:t>
-            </a:r>
-          </a:p>
-        </p:txBody>
-      </p:sp>
-      <p:pic>
-        <p:nvPicPr>
-          <p:cNvPr id="8194" name="Picture 2">
-            <a:extLst>
-              <a:ext uri="{FF2B5EF4-FFF2-40B4-BE49-F238E27FC236}">
-                <a16:creationId xmlns:a16="http://schemas.microsoft.com/office/drawing/2014/main" id="{8A9AA135-7805-E79C-B149-7C5B228BCFF3}"/>
-              </a:ext>
-            </a:extLst>
-          </p:cNvPr>
-          <p:cNvPicPr>
-            <a:picLocks noGrp="1" noChangeAspect="1" noChangeArrowheads="1"/>
-          </p:cNvPicPr>
-          <p:nvPr>
-            <p:ph idx="1"/>
-          </p:nvPr>
-        </p:nvPicPr>
-        <p:blipFill>
-          <a:blip r:embed="rId2">
-            <a:extLst>
-              <a:ext uri="{28A0092B-C50C-407E-A947-70E740481C1C}">
-                <a14:useLocalDpi xmlns:a14="http://schemas.microsoft.com/office/drawing/2010/main" val="0"/>
-              </a:ext>
-            </a:extLst>
-          </a:blip>
-          <a:srcRect/>
-          <a:stretch>
-            <a:fillRect/>
-          </a:stretch>
-        </p:blipFill>
-        <p:spPr bwMode="auto">
-          <a:xfrm>
-            <a:off x="1058333" y="2489200"/>
-            <a:ext cx="5250653" cy="3177381"/>
-          </a:xfrm>
-          <a:prstGeom prst="rect">
-            <a:avLst/>
-          </a:prstGeom>
-          <a:noFill/>
-          <a:extLst>
-            <a:ext uri="{909E8E84-426E-40DD-AFC4-6F175D3DCCD1}">
-              <a14:hiddenFill xmlns:a14="http://schemas.microsoft.com/office/drawing/2010/main">
-                <a:solidFill>
-                  <a:srgbClr val="FFFFFF"/>
-                </a:solidFill>
-              </a14:hiddenFill>
-            </a:ext>
-          </a:extLst>
-        </p:spPr>
-      </p:pic>
-      <p:pic>
-        <p:nvPicPr>
-          <p:cNvPr id="4" name="Picture 2">
-            <a:extLst>
-              <a:ext uri="{FF2B5EF4-FFF2-40B4-BE49-F238E27FC236}">
-                <a16:creationId xmlns:a16="http://schemas.microsoft.com/office/drawing/2014/main" id="{4AA41AD5-D334-B690-E682-C29748E27A6F}"/>
-              </a:ext>
-            </a:extLst>
-          </p:cNvPr>
-          <p:cNvPicPr>
-            <a:picLocks noChangeAspect="1" noChangeArrowheads="1"/>
-          </p:cNvPicPr>
-          <p:nvPr/>
-        </p:nvPicPr>
-        <p:blipFill>
-          <a:blip r:embed="rId3">
-            <a:extLst>
-              <a:ext uri="{28A0092B-C50C-407E-A947-70E740481C1C}">
-                <a14:useLocalDpi xmlns:a14="http://schemas.microsoft.com/office/drawing/2010/main" val="0"/>
-              </a:ext>
-            </a:extLst>
-          </a:blip>
-          <a:srcRect/>
-          <a:stretch>
-            <a:fillRect/>
-          </a:stretch>
-        </p:blipFill>
-        <p:spPr bwMode="auto">
-          <a:xfrm>
-            <a:off x="6973169" y="1766358"/>
-            <a:ext cx="3698195" cy="4351338"/>
-          </a:xfrm>
-          <a:prstGeom prst="rect">
-            <a:avLst/>
-          </a:prstGeom>
-          <a:noFill/>
-          <a:extLst>
-            <a:ext uri="{909E8E84-426E-40DD-AFC4-6F175D3DCCD1}">
-              <a14:hiddenFill xmlns:a14="http://schemas.microsoft.com/office/drawing/2010/main">
-                <a:solidFill>
-                  <a:srgbClr val="FFFFFF"/>
-                </a:solidFill>
-              </a14:hiddenFill>
-            </a:ext>
-          </a:extLst>
-        </p:spPr>
-      </p:pic>
-    </p:spTree>
-    <p:extLst>
-      <p:ext uri="{BB962C8B-B14F-4D97-AF65-F5344CB8AC3E}">
-        <p14:creationId xmlns:p14="http://schemas.microsoft.com/office/powerpoint/2010/main" val="3883530197"/>
+        <p14:creationId xmlns:p14="http://schemas.microsoft.com/office/powerpoint/2010/main" val="2985131579"/>
       </p:ext>
     </p:extLst>
   </p:cSld>
@@ -6966,7 +5272,7 @@
           <a:p>
             <a:r>
               <a:rPr lang="en-US" dirty="0"/>
-              <a:t>Feature Extraction</a:t>
+              <a:t>Byte file</a:t>
             </a:r>
           </a:p>
         </p:txBody>
@@ -6994,44 +5300,145 @@
           </a:bodyPr>
           <a:lstStyle/>
           <a:p>
-            <a:pPr marL="0" indent="0">
-              <a:buNone/>
-            </a:pPr>
             <a:r>
               <a:rPr lang="en-US" dirty="0"/>
-              <a:t>414 features in total extracted</a:t>
-            </a:r>
-          </a:p>
-          <a:p>
+              <a:t>We run </a:t>
+            </a:r>
+            <a:r>
+              <a:rPr lang="en-US" dirty="0" err="1"/>
+              <a:t>pe.get_data</a:t>
+            </a:r>
             <a:r>
               <a:rPr lang="en-US" dirty="0"/>
-              <a:t>14 header features </a:t>
-            </a:r>
-          </a:p>
-          <a:p>
-            <a:r>
-              <a:rPr lang="en-US" dirty="0"/>
-              <a:t>200 bi-gram byte features </a:t>
-            </a:r>
-          </a:p>
-          <a:p>
-            <a:r>
-              <a:rPr lang="en-US" dirty="0"/>
-              <a:t>100 bi-gram opcode features </a:t>
-            </a:r>
-          </a:p>
-          <a:p>
-            <a:r>
-              <a:rPr lang="en-US" dirty="0"/>
-              <a:t>100 tri-gram opcode features</a:t>
-            </a:r>
+              <a:t>() </a:t>
+            </a:r>
+          </a:p>
+          <a:p>
+            <a:endParaRPr lang="en-US" dirty="0"/>
+          </a:p>
+          <a:p>
+            <a:r>
+              <a:rPr lang="en-US" b="1" dirty="0"/>
+              <a:t>if </a:t>
+            </a:r>
+            <a:r>
+              <a:rPr lang="en-US" b="1" dirty="0" err="1"/>
+              <a:t>pe.OPTIONAL_HEADER.SizeOfCode</a:t>
+            </a:r>
+            <a:r>
+              <a:rPr lang="en-US" b="1" dirty="0"/>
+              <a:t> &gt; </a:t>
+            </a:r>
+            <a:r>
+              <a:rPr lang="en-US" b="1" dirty="0" err="1"/>
+              <a:t>maxBytes</a:t>
+            </a:r>
+            <a:r>
+              <a:rPr lang="en-US" b="1" dirty="0"/>
+              <a:t> (50,000 for our test)</a:t>
+            </a:r>
+          </a:p>
+          <a:p>
+            <a:pPr marL="685800" lvl="2">
+              <a:spcBef>
+                <a:spcPts val="1000"/>
+              </a:spcBef>
+            </a:pPr>
+            <a:r>
+              <a:rPr lang="en-US" sz="2400" dirty="0" err="1"/>
+              <a:t>byte_file</a:t>
+            </a:r>
+            <a:r>
+              <a:rPr lang="en-US" sz="2400" dirty="0"/>
+              <a:t> = </a:t>
+            </a:r>
+            <a:r>
+              <a:rPr lang="en-US" sz="2400" dirty="0" err="1"/>
+              <a:t>pe.get_data</a:t>
+            </a:r>
+            <a:r>
+              <a:rPr lang="en-US" sz="2400" dirty="0"/>
+              <a:t>(</a:t>
+            </a:r>
+            <a:r>
+              <a:rPr lang="en-US" sz="2400" dirty="0" err="1"/>
+              <a:t>pe.OPTIONAL_HEADER.BaseOfCode</a:t>
+            </a:r>
+            <a:r>
+              <a:rPr lang="en-US" sz="2400" dirty="0"/>
+              <a:t>, MAX_BYTES)</a:t>
+            </a:r>
+          </a:p>
+          <a:p>
+            <a:pPr marL="685800" lvl="2">
+              <a:spcBef>
+                <a:spcPts val="1000"/>
+              </a:spcBef>
+            </a:pPr>
+            <a:endParaRPr lang="en-US" sz="2400" dirty="0"/>
+          </a:p>
+          <a:p>
+            <a:pPr marL="228600" lvl="1">
+              <a:spcBef>
+                <a:spcPts val="1000"/>
+              </a:spcBef>
+            </a:pPr>
+            <a:r>
+              <a:rPr lang="en-US" sz="2800" b="1" dirty="0"/>
+              <a:t>else: </a:t>
+            </a:r>
+          </a:p>
+          <a:p>
+            <a:pPr marL="685800" lvl="2">
+              <a:spcBef>
+                <a:spcPts val="1000"/>
+              </a:spcBef>
+            </a:pPr>
+            <a:r>
+              <a:rPr lang="en-US" sz="2400" dirty="0" err="1"/>
+              <a:t>byte_file</a:t>
+            </a:r>
+            <a:r>
+              <a:rPr lang="en-US" sz="2400" dirty="0"/>
+              <a:t> = </a:t>
+            </a:r>
+            <a:r>
+              <a:rPr lang="en-US" sz="2400" dirty="0" err="1"/>
+              <a:t>pe.get_data</a:t>
+            </a:r>
+            <a:r>
+              <a:rPr lang="en-US" sz="2400" dirty="0"/>
+              <a:t>(</a:t>
+            </a:r>
+            <a:r>
+              <a:rPr lang="en-US" sz="2400" dirty="0" err="1"/>
+              <a:t>pe.OPTIONAL_HEADER.BaseOfCode</a:t>
+            </a:r>
+            <a:r>
+              <a:rPr lang="en-US" sz="2400" dirty="0"/>
+              <a:t>, </a:t>
+            </a:r>
+            <a:r>
+              <a:rPr lang="en-US" sz="2400" dirty="0" err="1"/>
+              <a:t>pe.OPTIONAL_HEADER.SizeOfCode</a:t>
+            </a:r>
+            <a:r>
+              <a:rPr lang="en-US" sz="2400" dirty="0"/>
+              <a:t>)</a:t>
+            </a:r>
+          </a:p>
+          <a:p>
+            <a:pPr marL="457200" lvl="1" indent="0">
+              <a:buNone/>
+            </a:pPr>
+            <a:endParaRPr lang="en-US" dirty="0"/>
           </a:p>
         </p:txBody>
       </p:sp>
     </p:spTree>
     <p:extLst>
       <p:ext uri="{BB962C8B-B14F-4D97-AF65-F5344CB8AC3E}">
-        <p14:creationId xmlns:p14="http://schemas.microsoft.com/office/powerpoint/2010/main" val="2985131579"/>
+        <p14:creationId xmlns:p14="http://schemas.microsoft.com/office/powerpoint/2010/main" val="1143660799"/>
       </p:ext>
     </p:extLst>
   </p:cSld>
@@ -7063,7 +5470,7 @@
           <p:cNvPr id="2" name="Title 1">
             <a:extLst>
               <a:ext uri="{FF2B5EF4-FFF2-40B4-BE49-F238E27FC236}">
-                <a16:creationId xmlns:a16="http://schemas.microsoft.com/office/drawing/2014/main" id="{0E04E9B0-DC28-AD6F-AC22-81DBE9E4DF81}"/>
+                <a16:creationId xmlns:a16="http://schemas.microsoft.com/office/drawing/2014/main" id="{F0CF6617-A08A-C0D6-F1DE-192CBAA5BE64}"/>
               </a:ext>
             </a:extLst>
           </p:cNvPr>
@@ -7081,7 +5488,7 @@
           <a:p>
             <a:r>
               <a:rPr lang="en-US" dirty="0"/>
-              <a:t>Attack v1 Summary</a:t>
+              <a:t>ASM file</a:t>
             </a:r>
           </a:p>
         </p:txBody>
@@ -7091,7 +5498,7 @@
           <p:cNvPr id="3" name="Content Placeholder 2">
             <a:extLst>
               <a:ext uri="{FF2B5EF4-FFF2-40B4-BE49-F238E27FC236}">
-                <a16:creationId xmlns:a16="http://schemas.microsoft.com/office/drawing/2014/main" id="{7243B9E0-1B8B-E788-951C-CDE48E5BE931}"/>
+                <a16:creationId xmlns:a16="http://schemas.microsoft.com/office/drawing/2014/main" id="{BB3EDD30-3F33-08E6-18FC-603451BAE124}"/>
               </a:ext>
             </a:extLst>
           </p:cNvPr>
@@ -7105,86 +5512,49 @@
         <p:spPr/>
         <p:txBody>
           <a:bodyPr>
-            <a:normAutofit/>
+            <a:normAutofit lnSpcReduction="10000"/>
           </a:bodyPr>
           <a:lstStyle/>
           <a:p>
             <a:r>
               <a:rPr lang="en-US" dirty="0"/>
-              <a:t>A list of improvements added:</a:t>
-            </a:r>
-          </a:p>
-          <a:p>
-            <a:pPr marL="914400" lvl="1" indent="-457200">
-              <a:buFont typeface="+mj-lt"/>
-              <a:buAutoNum type="arabicPeriod"/>
-            </a:pPr>
+              <a:t>We get the byte file</a:t>
+            </a:r>
+          </a:p>
+          <a:p>
+            <a:endParaRPr lang="en-US" dirty="0"/>
+          </a:p>
+          <a:p>
             <a:r>
               <a:rPr lang="en-US" dirty="0"/>
-              <a:t>Removed all but 3 static APIs from original attack</a:t>
-            </a:r>
-          </a:p>
-          <a:p>
-            <a:pPr marL="1371600" lvl="2" indent="-457200">
-              <a:buFont typeface="+mj-lt"/>
-              <a:buAutoNum type="romanLcPeriod"/>
-            </a:pPr>
-            <a:r>
-              <a:rPr lang="en-US" dirty="0" err="1"/>
-              <a:t>GetModuleHandleA</a:t>
-            </a:r>
+              <a:t>Disassemble into ASM using the dis library </a:t>
+            </a:r>
+          </a:p>
+          <a:p>
             <a:endParaRPr lang="en-US" dirty="0"/>
           </a:p>
           <a:p>
-            <a:pPr marL="1428750" lvl="2" indent="-514350">
-              <a:buFont typeface="+mj-lt"/>
-              <a:buAutoNum type="romanLcPeriod"/>
-            </a:pPr>
-            <a:r>
-              <a:rPr lang="en-US" dirty="0" err="1"/>
-              <a:t>GetProcAddress</a:t>
-            </a:r>
+            <a:r>
+              <a:rPr lang="en-US" dirty="0"/>
+              <a:t>Split by new lines to get each instruction line</a:t>
+            </a:r>
+          </a:p>
+          <a:p>
             <a:endParaRPr lang="en-US" dirty="0"/>
           </a:p>
           <a:p>
-            <a:pPr marL="1428750" lvl="2" indent="-514350">
-              <a:buFont typeface="+mj-lt"/>
-              <a:buAutoNum type="romanLcPeriod"/>
-            </a:pPr>
-            <a:r>
-              <a:rPr lang="en-US" dirty="0" err="1"/>
-              <a:t>LoadLibraryA</a:t>
-            </a:r>
+            <a:r>
+              <a:rPr lang="en-US" dirty="0"/>
+              <a:t>Split each instruction line to get the opcode</a:t>
+            </a:r>
+          </a:p>
+          <a:p>
             <a:endParaRPr lang="en-US" dirty="0"/>
           </a:p>
           <a:p>
-            <a:pPr marL="914400" lvl="1" indent="-457200">
-              <a:buFont typeface="+mj-lt"/>
-              <a:buAutoNum type="arabicPeriod"/>
-            </a:pPr>
             <a:r>
               <a:rPr lang="en-US" dirty="0"/>
-              <a:t>Replaced original handle reference to Kernel32.dll</a:t>
-            </a:r>
-          </a:p>
-          <a:p>
-            <a:pPr marL="914400" lvl="1" indent="-457200">
-              <a:buFont typeface="+mj-lt"/>
-              <a:buAutoNum type="arabicPeriod"/>
-            </a:pPr>
-            <a:r>
-              <a:rPr lang="en-US" dirty="0"/>
-              <a:t>Further encrypted the int arrays by applying ROT1</a:t>
-            </a:r>
-          </a:p>
-          <a:p>
-            <a:pPr marL="914400" lvl="1" indent="-457200">
-              <a:buFont typeface="+mj-lt"/>
-              <a:buAutoNum type="arabicPeriod"/>
-            </a:pPr>
-            <a:r>
-              <a:rPr lang="en-US" dirty="0"/>
-              <a:t>Implemented manual Base64 decoding</a:t>
+              <a:t> return list of opcodes</a:t>
             </a:r>
           </a:p>
         </p:txBody>
@@ -7192,7 +5562,7 @@
     </p:spTree>
     <p:extLst>
       <p:ext uri="{BB962C8B-B14F-4D97-AF65-F5344CB8AC3E}">
-        <p14:creationId xmlns:p14="http://schemas.microsoft.com/office/powerpoint/2010/main" val="2344274572"/>
+        <p14:creationId xmlns:p14="http://schemas.microsoft.com/office/powerpoint/2010/main" val="1395282363"/>
       </p:ext>
     </p:extLst>
   </p:cSld>
@@ -7224,7 +5594,7 @@
           <p:cNvPr id="2" name="Title 1">
             <a:extLst>
               <a:ext uri="{FF2B5EF4-FFF2-40B4-BE49-F238E27FC236}">
-                <a16:creationId xmlns:a16="http://schemas.microsoft.com/office/drawing/2014/main" id="{14D63346-F92A-944A-2575-2BE5B0A79CD3}"/>
+                <a16:creationId xmlns:a16="http://schemas.microsoft.com/office/drawing/2014/main" id="{3B25F6F7-EF78-64B6-9D93-BFF7FACB8359}"/>
               </a:ext>
             </a:extLst>
           </p:cNvPr>
@@ -7242,50 +5612,201 @@
           <a:p>
             <a:r>
               <a:rPr lang="en-US" dirty="0"/>
-              <a:t>Attack v1 Visualization</a:t>
-            </a:r>
-          </a:p>
-        </p:txBody>
-      </p:sp>
-      <p:pic>
-        <p:nvPicPr>
-          <p:cNvPr id="7" name="Content Placeholder 6" descr="Graphical user interface, text, chat or text message&#10;&#10;Description automatically generated">
-            <a:extLst>
-              <a:ext uri="{FF2B5EF4-FFF2-40B4-BE49-F238E27FC236}">
-                <a16:creationId xmlns:a16="http://schemas.microsoft.com/office/drawing/2014/main" id="{0F79E74D-E484-C5DC-7335-406892AB7B54}"/>
-              </a:ext>
-            </a:extLst>
-          </p:cNvPr>
-          <p:cNvPicPr>
-            <a:picLocks noGrp="1" noChangeAspect="1"/>
-          </p:cNvPicPr>
+              <a:t>Header feature - selection</a:t>
+            </a:r>
+          </a:p>
+        </p:txBody>
+      </p:sp>
+      <p:sp>
+        <p:nvSpPr>
+          <p:cNvPr id="3" name="Content Placeholder 2">
+            <a:extLst>
+              <a:ext uri="{FF2B5EF4-FFF2-40B4-BE49-F238E27FC236}">
+                <a16:creationId xmlns:a16="http://schemas.microsoft.com/office/drawing/2014/main" id="{9102029A-D9D6-38EC-1827-9D6254A869B5}"/>
+              </a:ext>
+            </a:extLst>
+          </p:cNvPr>
+          <p:cNvSpPr>
+            <a:spLocks noGrp="1"/>
+          </p:cNvSpPr>
           <p:nvPr>
             <p:ph idx="1"/>
           </p:nvPr>
-        </p:nvPicPr>
-        <p:blipFill>
-          <a:blip r:embed="rId2">
-            <a:extLst>
-              <a:ext uri="{28A0092B-C50C-407E-A947-70E740481C1C}">
-                <a14:useLocalDpi xmlns:a14="http://schemas.microsoft.com/office/drawing/2010/main" val="0"/>
-              </a:ext>
-            </a:extLst>
-          </a:blip>
-          <a:stretch>
-            <a:fillRect/>
-          </a:stretch>
-        </p:blipFill>
-        <p:spPr>
-          <a:xfrm>
-            <a:off x="3414338" y="2162712"/>
-            <a:ext cx="5363323" cy="3677163"/>
-          </a:xfrm>
-        </p:spPr>
-      </p:pic>
+        </p:nvSpPr>
+        <p:spPr/>
+        <p:txBody>
+          <a:bodyPr>
+            <a:normAutofit fontScale="92500" lnSpcReduction="10000"/>
+          </a:bodyPr>
+          <a:lstStyle/>
+          <a:p>
+            <a:pPr>
+              <a:lnSpc>
+                <a:spcPct val="100000"/>
+              </a:lnSpc>
+            </a:pPr>
+            <a:r>
+              <a:rPr lang="en-US" dirty="0">
+                <a:solidFill>
+                  <a:srgbClr val="374151"/>
+                </a:solidFill>
+                <a:latin typeface="Söhne"/>
+              </a:rPr>
+              <a:t>Every static header feature from the PE file is being processed into a single feature vector</a:t>
+            </a:r>
+          </a:p>
+          <a:p>
+            <a:pPr>
+              <a:lnSpc>
+                <a:spcPct val="100000"/>
+              </a:lnSpc>
+            </a:pPr>
+            <a:endParaRPr lang="en-US" dirty="0">
+              <a:solidFill>
+                <a:srgbClr val="374151"/>
+              </a:solidFill>
+              <a:latin typeface="Söhne"/>
+            </a:endParaRPr>
+          </a:p>
+          <a:p>
+            <a:pPr>
+              <a:lnSpc>
+                <a:spcPct val="100000"/>
+              </a:lnSpc>
+            </a:pPr>
+            <a:r>
+              <a:rPr lang="en-US" dirty="0">
+                <a:solidFill>
+                  <a:srgbClr val="374151"/>
+                </a:solidFill>
+                <a:latin typeface="Söhne"/>
+              </a:rPr>
+              <a:t>Selected top 14 most influential header features from the PE file were used for classification </a:t>
+            </a:r>
+          </a:p>
+          <a:p>
+            <a:pPr>
+              <a:lnSpc>
+                <a:spcPct val="100000"/>
+              </a:lnSpc>
+            </a:pPr>
+            <a:endParaRPr lang="en-US" dirty="0">
+              <a:solidFill>
+                <a:srgbClr val="374151"/>
+              </a:solidFill>
+              <a:latin typeface="Söhne"/>
+            </a:endParaRPr>
+          </a:p>
+          <a:p>
+            <a:pPr>
+              <a:lnSpc>
+                <a:spcPct val="100000"/>
+              </a:lnSpc>
+            </a:pPr>
+            <a:r>
+              <a:rPr lang="en-US" dirty="0">
+                <a:solidFill>
+                  <a:srgbClr val="374151"/>
+                </a:solidFill>
+                <a:latin typeface="Söhne"/>
+              </a:rPr>
+              <a:t>We selected the features using the </a:t>
+            </a:r>
+            <a:r>
+              <a:rPr lang="en-US" dirty="0" err="1"/>
+              <a:t>RandomForest</a:t>
+            </a:r>
+            <a:r>
+              <a:rPr lang="en-US" dirty="0"/>
+              <a:t> (</a:t>
+            </a:r>
+            <a:r>
+              <a:rPr lang="en-US" altLang="zh-CN" dirty="0" err="1"/>
+              <a:t>n_</a:t>
+            </a:r>
+            <a:r>
+              <a:rPr lang="en-US" dirty="0" err="1"/>
+              <a:t>estimators</a:t>
+            </a:r>
+            <a:r>
+              <a:rPr lang="en-US" dirty="0"/>
+              <a:t>=1000, </a:t>
+            </a:r>
+            <a:r>
+              <a:rPr lang="en-US" dirty="0" err="1"/>
+              <a:t>max_depth</a:t>
+            </a:r>
+            <a:r>
+              <a:rPr lang="en-US" dirty="0"/>
+              <a:t>=5) </a:t>
+            </a:r>
+            <a:r>
+              <a:rPr lang="en-US" altLang="zh-CN" dirty="0">
+                <a:solidFill>
+                  <a:srgbClr val="374151"/>
+                </a:solidFill>
+                <a:latin typeface="Söhne"/>
+              </a:rPr>
+              <a:t>classifier</a:t>
+            </a:r>
+          </a:p>
+          <a:p>
+            <a:pPr marL="0" indent="0">
+              <a:lnSpc>
+                <a:spcPct val="100000"/>
+              </a:lnSpc>
+              <a:buNone/>
+            </a:pPr>
+            <a:br>
+              <a:rPr lang="en-US" dirty="0">
+                <a:solidFill>
+                  <a:srgbClr val="374151"/>
+                </a:solidFill>
+                <a:latin typeface="Söhne"/>
+              </a:rPr>
+            </a:br>
+            <a:endParaRPr lang="en-US" dirty="0">
+              <a:solidFill>
+                <a:srgbClr val="374151"/>
+              </a:solidFill>
+              <a:latin typeface="Söhne"/>
+            </a:endParaRPr>
+          </a:p>
+          <a:p>
+            <a:pPr>
+              <a:lnSpc>
+                <a:spcPct val="100000"/>
+              </a:lnSpc>
+            </a:pPr>
+            <a:endParaRPr lang="en-US" b="0" i="0" dirty="0">
+              <a:solidFill>
+                <a:srgbClr val="374151"/>
+              </a:solidFill>
+              <a:effectLst/>
+              <a:latin typeface="Söhne"/>
+            </a:endParaRPr>
+          </a:p>
+          <a:p>
+            <a:pPr marL="0" indent="0">
+              <a:lnSpc>
+                <a:spcPct val="100000"/>
+              </a:lnSpc>
+              <a:buNone/>
+            </a:pPr>
+            <a:endParaRPr lang="en-US" b="0" i="0" dirty="0">
+              <a:solidFill>
+                <a:srgbClr val="374151"/>
+              </a:solidFill>
+              <a:effectLst/>
+              <a:latin typeface="Söhne"/>
+            </a:endParaRPr>
+          </a:p>
+        </p:txBody>
+      </p:sp>
     </p:spTree>
     <p:extLst>
       <p:ext uri="{BB962C8B-B14F-4D97-AF65-F5344CB8AC3E}">
-        <p14:creationId xmlns:p14="http://schemas.microsoft.com/office/powerpoint/2010/main" val="1128754286"/>
+        <p14:creationId xmlns:p14="http://schemas.microsoft.com/office/powerpoint/2010/main" val="3962489378"/>
       </p:ext>
     </p:extLst>
   </p:cSld>
@@ -7317,7 +5838,7 @@
           <p:cNvPr id="2" name="Title 1">
             <a:extLst>
               <a:ext uri="{FF2B5EF4-FFF2-40B4-BE49-F238E27FC236}">
-                <a16:creationId xmlns:a16="http://schemas.microsoft.com/office/drawing/2014/main" id="{14D63346-F92A-944A-2575-2BE5B0A79CD3}"/>
+                <a16:creationId xmlns:a16="http://schemas.microsoft.com/office/drawing/2014/main" id="{3B25F6F7-EF78-64B6-9D93-BFF7FACB8359}"/>
               </a:ext>
             </a:extLst>
           </p:cNvPr>
@@ -7335,51 +5856,166 @@
           <a:p>
             <a:r>
               <a:rPr lang="en-US" dirty="0"/>
-              <a:t>Attack v1 Visualization</a:t>
-            </a:r>
-          </a:p>
-        </p:txBody>
-      </p:sp>
-      <p:pic>
-        <p:nvPicPr>
-          <p:cNvPr id="5" name="Picture 4" descr="Text&#10;&#10;Description automatically generated">
-            <a:extLst>
-              <a:ext uri="{FF2B5EF4-FFF2-40B4-BE49-F238E27FC236}">
-                <a16:creationId xmlns:a16="http://schemas.microsoft.com/office/drawing/2014/main" id="{EA83D573-93A7-385F-9C47-C60B05B27694}"/>
-              </a:ext>
-            </a:extLst>
-          </p:cNvPr>
-          <p:cNvPicPr>
-            <a:picLocks noChangeAspect="1"/>
-          </p:cNvPicPr>
-          <p:nvPr/>
-        </p:nvPicPr>
-        <p:blipFill>
-          <a:blip r:embed="rId2">
-            <a:extLst>
-              <a:ext uri="{28A0092B-C50C-407E-A947-70E740481C1C}">
-                <a14:useLocalDpi xmlns:a14="http://schemas.microsoft.com/office/drawing/2010/main" val="0"/>
-              </a:ext>
-            </a:extLst>
-          </a:blip>
-          <a:stretch>
-            <a:fillRect/>
-          </a:stretch>
-        </p:blipFill>
-        <p:spPr>
-          <a:xfrm>
-            <a:off x="2492992" y="1927724"/>
-            <a:ext cx="7206016" cy="3759070"/>
-          </a:xfrm>
-          <a:prstGeom prst="rect">
-            <a:avLst/>
-          </a:prstGeom>
-        </p:spPr>
-      </p:pic>
+              <a:t>Header feature – 14 selected results</a:t>
+            </a:r>
+          </a:p>
+        </p:txBody>
+      </p:sp>
+      <p:sp>
+        <p:nvSpPr>
+          <p:cNvPr id="3" name="Content Placeholder 2">
+            <a:extLst>
+              <a:ext uri="{FF2B5EF4-FFF2-40B4-BE49-F238E27FC236}">
+                <a16:creationId xmlns:a16="http://schemas.microsoft.com/office/drawing/2014/main" id="{9102029A-D9D6-38EC-1827-9D6254A869B5}"/>
+              </a:ext>
+            </a:extLst>
+          </p:cNvPr>
+          <p:cNvSpPr>
+            <a:spLocks noGrp="1"/>
+          </p:cNvSpPr>
+          <p:nvPr>
+            <p:ph idx="1"/>
+          </p:nvPr>
+        </p:nvSpPr>
+        <p:spPr/>
+        <p:txBody>
+          <a:bodyPr>
+            <a:normAutofit/>
+          </a:bodyPr>
+          <a:lstStyle/>
+          <a:p>
+            <a:pPr marL="0" indent="0">
+              <a:lnSpc>
+                <a:spcPct val="100000"/>
+              </a:lnSpc>
+              <a:buNone/>
+            </a:pPr>
+            <a:r>
+              <a:rPr lang="en-US" sz="2400" b="0" i="0" dirty="0">
+                <a:solidFill>
+                  <a:srgbClr val="374151"/>
+                </a:solidFill>
+                <a:effectLst/>
+                <a:latin typeface="Söhne"/>
+              </a:rPr>
+              <a:t>FILE_HEADER.MACHINE - target architecture for the file (e.g., Intel x86, AMD64, ARM).</a:t>
+            </a:r>
+          </a:p>
+          <a:p>
+            <a:pPr marL="0" indent="0">
+              <a:lnSpc>
+                <a:spcPct val="100000"/>
+              </a:lnSpc>
+              <a:buNone/>
+            </a:pPr>
+            <a:endParaRPr lang="en-US" sz="2400" dirty="0">
+              <a:solidFill>
+                <a:srgbClr val="374151"/>
+              </a:solidFill>
+              <a:latin typeface="Söhne"/>
+            </a:endParaRPr>
+          </a:p>
+          <a:p>
+            <a:pPr marL="0" indent="0">
+              <a:lnSpc>
+                <a:spcPct val="100000"/>
+              </a:lnSpc>
+              <a:buNone/>
+            </a:pPr>
+            <a:r>
+              <a:rPr lang="en-US" sz="2400" b="0" i="0" dirty="0">
+                <a:solidFill>
+                  <a:srgbClr val="374151"/>
+                </a:solidFill>
+                <a:effectLst/>
+                <a:latin typeface="Söhne"/>
+              </a:rPr>
+              <a:t>FILE_HEADER.CHARACTERISTICS</a:t>
+            </a:r>
+            <a:r>
+              <a:rPr lang="en-US" sz="2400" dirty="0">
+                <a:solidFill>
+                  <a:srgbClr val="374151"/>
+                </a:solidFill>
+                <a:latin typeface="Söhne"/>
+              </a:rPr>
+              <a:t> - </a:t>
+            </a:r>
+            <a:r>
+              <a:rPr lang="en-US" sz="2400" b="0" i="0" dirty="0">
+                <a:solidFill>
+                  <a:srgbClr val="374151"/>
+                </a:solidFill>
+                <a:effectLst/>
+                <a:latin typeface="Söhne"/>
+              </a:rPr>
+              <a:t>16-bit value that denotes different features and properties of the file. These features are defined using a bitwise OR combination of multiple constants that establish the traits of the executable file.</a:t>
+            </a:r>
+          </a:p>
+          <a:p>
+            <a:pPr marL="0" indent="0">
+              <a:lnSpc>
+                <a:spcPct val="100000"/>
+              </a:lnSpc>
+              <a:buNone/>
+            </a:pPr>
+            <a:endParaRPr lang="en-US" sz="2400" dirty="0">
+              <a:solidFill>
+                <a:srgbClr val="374151"/>
+              </a:solidFill>
+              <a:latin typeface="Söhne"/>
+            </a:endParaRPr>
+          </a:p>
+          <a:p>
+            <a:pPr marL="0" indent="0" algn="l">
+              <a:buNone/>
+            </a:pPr>
+            <a:r>
+              <a:rPr lang="en-US" sz="2400" dirty="0">
+                <a:solidFill>
+                  <a:srgbClr val="374151"/>
+                </a:solidFill>
+                <a:latin typeface="Söhne"/>
+              </a:rPr>
+              <a:t>FILE_HEADER.SIZEOFOPTIONALHEADER: This field specifies the size of the optional header that immediately follows the file header.</a:t>
+            </a:r>
+          </a:p>
+          <a:p>
+            <a:pPr marL="0" indent="0">
+              <a:lnSpc>
+                <a:spcPct val="100000"/>
+              </a:lnSpc>
+              <a:buNone/>
+            </a:pPr>
+            <a:endParaRPr lang="en-US" b="0" i="0" dirty="0">
+              <a:solidFill>
+                <a:srgbClr val="374151"/>
+              </a:solidFill>
+              <a:effectLst/>
+              <a:latin typeface="Söhne"/>
+            </a:endParaRPr>
+          </a:p>
+          <a:p>
+            <a:pPr marL="0" indent="0">
+              <a:lnSpc>
+                <a:spcPct val="100000"/>
+              </a:lnSpc>
+              <a:buNone/>
+            </a:pPr>
+            <a:endParaRPr lang="en-US" b="0" i="0" dirty="0">
+              <a:solidFill>
+                <a:srgbClr val="374151"/>
+              </a:solidFill>
+              <a:effectLst/>
+              <a:latin typeface="Söhne"/>
+            </a:endParaRPr>
+          </a:p>
+        </p:txBody>
+      </p:sp>
     </p:spTree>
     <p:extLst>
       <p:ext uri="{BB962C8B-B14F-4D97-AF65-F5344CB8AC3E}">
-        <p14:creationId xmlns:p14="http://schemas.microsoft.com/office/powerpoint/2010/main" val="3766210935"/>
+        <p14:creationId xmlns:p14="http://schemas.microsoft.com/office/powerpoint/2010/main" val="2302183500"/>
       </p:ext>
     </p:extLst>
   </p:cSld>
@@ -7411,7 +6047,7 @@
           <p:cNvPr id="2" name="Title 1">
             <a:extLst>
               <a:ext uri="{FF2B5EF4-FFF2-40B4-BE49-F238E27FC236}">
-                <a16:creationId xmlns:a16="http://schemas.microsoft.com/office/drawing/2014/main" id="{14D63346-F92A-944A-2575-2BE5B0A79CD3}"/>
+                <a16:creationId xmlns:a16="http://schemas.microsoft.com/office/drawing/2014/main" id="{3B25F6F7-EF78-64B6-9D93-BFF7FACB8359}"/>
               </a:ext>
             </a:extLst>
           </p:cNvPr>
@@ -7429,51 +6065,156 @@
           <a:p>
             <a:r>
               <a:rPr lang="en-US" dirty="0"/>
-              <a:t>Attack v1 Visualization</a:t>
-            </a:r>
-          </a:p>
-        </p:txBody>
-      </p:sp>
-      <p:pic>
-        <p:nvPicPr>
-          <p:cNvPr id="5" name="Picture 4" descr="Text&#10;&#10;Description automatically generated">
-            <a:extLst>
-              <a:ext uri="{FF2B5EF4-FFF2-40B4-BE49-F238E27FC236}">
-                <a16:creationId xmlns:a16="http://schemas.microsoft.com/office/drawing/2014/main" id="{F409F10A-B260-71CA-01DF-3FF3F5CF9E12}"/>
-              </a:ext>
-            </a:extLst>
-          </p:cNvPr>
-          <p:cNvPicPr>
-            <a:picLocks noChangeAspect="1"/>
-          </p:cNvPicPr>
-          <p:nvPr/>
-        </p:nvPicPr>
-        <p:blipFill>
-          <a:blip r:embed="rId2">
-            <a:extLst>
-              <a:ext uri="{28A0092B-C50C-407E-A947-70E740481C1C}">
-                <a14:useLocalDpi xmlns:a14="http://schemas.microsoft.com/office/drawing/2010/main" val="0"/>
-              </a:ext>
-            </a:extLst>
-          </a:blip>
-          <a:stretch>
-            <a:fillRect/>
-          </a:stretch>
-        </p:blipFill>
-        <p:spPr>
-          <a:xfrm>
-            <a:off x="1599572" y="1899995"/>
-            <a:ext cx="8992855" cy="3477110"/>
-          </a:xfrm>
-          <a:prstGeom prst="rect">
-            <a:avLst/>
-          </a:prstGeom>
-        </p:spPr>
-      </p:pic>
+              <a:t>Header feature – 14 selected results</a:t>
+            </a:r>
+          </a:p>
+        </p:txBody>
+      </p:sp>
+      <p:sp>
+        <p:nvSpPr>
+          <p:cNvPr id="3" name="Content Placeholder 2">
+            <a:extLst>
+              <a:ext uri="{FF2B5EF4-FFF2-40B4-BE49-F238E27FC236}">
+                <a16:creationId xmlns:a16="http://schemas.microsoft.com/office/drawing/2014/main" id="{9102029A-D9D6-38EC-1827-9D6254A869B5}"/>
+              </a:ext>
+            </a:extLst>
+          </p:cNvPr>
+          <p:cNvSpPr>
+            <a:spLocks noGrp="1"/>
+          </p:cNvSpPr>
+          <p:nvPr>
+            <p:ph idx="1"/>
+          </p:nvPr>
+        </p:nvSpPr>
+        <p:spPr/>
+        <p:txBody>
+          <a:bodyPr>
+            <a:normAutofit/>
+          </a:bodyPr>
+          <a:lstStyle/>
+          <a:p>
+            <a:pPr algn="l">
+              <a:buFont typeface="Arial" panose="020B0604020202020204" pitchFamily="34" charset="0"/>
+              <a:buChar char="•"/>
+            </a:pPr>
+            <a:r>
+              <a:rPr lang="en-US" sz="2400" dirty="0">
+                <a:solidFill>
+                  <a:srgbClr val="374151"/>
+                </a:solidFill>
+                <a:latin typeface="Söhne"/>
+              </a:rPr>
+              <a:t>OPTIONAL_HEADER.IMAGEBASE: This field specifies the preferred address of the first byte of the image when it is loaded into memory.</a:t>
+            </a:r>
+          </a:p>
+          <a:p>
+            <a:pPr algn="l">
+              <a:buFont typeface="Arial" panose="020B0604020202020204" pitchFamily="34" charset="0"/>
+              <a:buChar char="•"/>
+            </a:pPr>
+            <a:r>
+              <a:rPr lang="en-US" sz="2400" dirty="0">
+                <a:solidFill>
+                  <a:srgbClr val="374151"/>
+                </a:solidFill>
+                <a:latin typeface="Söhne"/>
+              </a:rPr>
+              <a:t>OPTIONAL_HEADER.MAJOROPERATINGSYSTEM: This field specifies the major version number of the operating system required to run the file.</a:t>
+            </a:r>
+          </a:p>
+          <a:p>
+            <a:pPr algn="l">
+              <a:buFont typeface="Arial" panose="020B0604020202020204" pitchFamily="34" charset="0"/>
+              <a:buChar char="•"/>
+            </a:pPr>
+            <a:r>
+              <a:rPr lang="en-US" sz="2400" dirty="0">
+                <a:solidFill>
+                  <a:srgbClr val="374151"/>
+                </a:solidFill>
+                <a:latin typeface="Söhne"/>
+              </a:rPr>
+              <a:t>OPTIONAL_HEADER.MAJORSUBSYSTEMVERSION: This field specifies the major version number of the subsystem required to run the file.</a:t>
+            </a:r>
+          </a:p>
+          <a:p>
+            <a:pPr algn="l">
+              <a:buFont typeface="Arial" panose="020B0604020202020204" pitchFamily="34" charset="0"/>
+              <a:buChar char="•"/>
+            </a:pPr>
+            <a:r>
+              <a:rPr lang="en-US" sz="2400" dirty="0">
+                <a:solidFill>
+                  <a:srgbClr val="374151"/>
+                </a:solidFill>
+                <a:latin typeface="Söhne"/>
+              </a:rPr>
+              <a:t>OPTIONAL_HEADER.DLLCHARACTERISTICS: This field specifies various attributes and characteristics of the file, such as whether it is a DLL or a driver.</a:t>
+            </a:r>
+          </a:p>
+          <a:p>
+            <a:pPr algn="l">
+              <a:buFont typeface="Arial" panose="020B0604020202020204" pitchFamily="34" charset="0"/>
+              <a:buChar char="•"/>
+            </a:pPr>
+            <a:r>
+              <a:rPr lang="en-US" sz="2400" dirty="0">
+                <a:solidFill>
+                  <a:srgbClr val="374151"/>
+                </a:solidFill>
+                <a:latin typeface="Söhne"/>
+              </a:rPr>
+              <a:t>OPTIONAL_HEADER.SUBSYSTEM: This field specifies the subsystem required to run the file, such as Windows or Console.</a:t>
+            </a:r>
+          </a:p>
+          <a:p>
+            <a:pPr algn="l">
+              <a:buFont typeface="Arial" panose="020B0604020202020204" pitchFamily="34" charset="0"/>
+              <a:buChar char="•"/>
+            </a:pPr>
+            <a:endParaRPr lang="en-US" sz="2400" dirty="0">
+              <a:solidFill>
+                <a:srgbClr val="374151"/>
+              </a:solidFill>
+              <a:latin typeface="Söhne"/>
+            </a:endParaRPr>
+          </a:p>
+          <a:p>
+            <a:pPr marL="0" indent="0">
+              <a:lnSpc>
+                <a:spcPct val="100000"/>
+              </a:lnSpc>
+              <a:buNone/>
+            </a:pPr>
+            <a:endParaRPr lang="en-US" b="0" i="0" dirty="0">
+              <a:solidFill>
+                <a:srgbClr val="374151"/>
+              </a:solidFill>
+              <a:effectLst/>
+              <a:latin typeface="Söhne"/>
+            </a:endParaRPr>
+          </a:p>
+          <a:p>
+            <a:pPr marL="0" indent="0">
+              <a:lnSpc>
+                <a:spcPct val="100000"/>
+              </a:lnSpc>
+              <a:buNone/>
+            </a:pPr>
+            <a:endParaRPr lang="en-US" b="0" i="0" dirty="0">
+              <a:solidFill>
+                <a:srgbClr val="374151"/>
+              </a:solidFill>
+              <a:effectLst/>
+              <a:latin typeface="Söhne"/>
+            </a:endParaRPr>
+          </a:p>
+        </p:txBody>
+      </p:sp>
     </p:spTree>
     <p:extLst>
       <p:ext uri="{BB962C8B-B14F-4D97-AF65-F5344CB8AC3E}">
-        <p14:creationId xmlns:p14="http://schemas.microsoft.com/office/powerpoint/2010/main" val="1092951323"/>
+        <p14:creationId xmlns:p14="http://schemas.microsoft.com/office/powerpoint/2010/main" val="2430832914"/>
       </p:ext>
     </p:extLst>
   </p:cSld>
@@ -7505,7 +6246,7 @@
           <p:cNvPr id="2" name="Title 1">
             <a:extLst>
               <a:ext uri="{FF2B5EF4-FFF2-40B4-BE49-F238E27FC236}">
-                <a16:creationId xmlns:a16="http://schemas.microsoft.com/office/drawing/2014/main" id="{14D63346-F92A-944A-2575-2BE5B0A79CD3}"/>
+                <a16:creationId xmlns:a16="http://schemas.microsoft.com/office/drawing/2014/main" id="{3B25F6F7-EF78-64B6-9D93-BFF7FACB8359}"/>
               </a:ext>
             </a:extLst>
           </p:cNvPr>
@@ -7523,87 +6264,154 @@
           <a:p>
             <a:r>
               <a:rPr lang="en-US" dirty="0"/>
-              <a:t>Attack v1 Visualization</a:t>
-            </a:r>
-          </a:p>
-        </p:txBody>
-      </p:sp>
-      <p:pic>
-        <p:nvPicPr>
-          <p:cNvPr id="5" name="Picture 4" descr="Text&#10;&#10;Description automatically generated">
-            <a:extLst>
-              <a:ext uri="{FF2B5EF4-FFF2-40B4-BE49-F238E27FC236}">
-                <a16:creationId xmlns:a16="http://schemas.microsoft.com/office/drawing/2014/main" id="{E27216BE-849E-C148-B0BC-EE44E876A663}"/>
-              </a:ext>
-            </a:extLst>
-          </p:cNvPr>
-          <p:cNvPicPr>
-            <a:picLocks noChangeAspect="1"/>
-          </p:cNvPicPr>
-          <p:nvPr/>
-        </p:nvPicPr>
-        <p:blipFill>
-          <a:blip r:embed="rId2">
-            <a:extLst>
-              <a:ext uri="{28A0092B-C50C-407E-A947-70E740481C1C}">
-                <a14:useLocalDpi xmlns:a14="http://schemas.microsoft.com/office/drawing/2010/main" val="0"/>
-              </a:ext>
-            </a:extLst>
-          </a:blip>
-          <a:stretch>
-            <a:fillRect/>
-          </a:stretch>
-        </p:blipFill>
-        <p:spPr>
-          <a:xfrm>
-            <a:off x="1666257" y="1690687"/>
-            <a:ext cx="4429743" cy="4553585"/>
-          </a:xfrm>
-          <a:prstGeom prst="rect">
-            <a:avLst/>
-          </a:prstGeom>
-        </p:spPr>
-      </p:pic>
-      <p:pic>
-        <p:nvPicPr>
-          <p:cNvPr id="7" name="Picture 6" descr="Text&#10;&#10;Description automatically generated">
-            <a:extLst>
-              <a:ext uri="{FF2B5EF4-FFF2-40B4-BE49-F238E27FC236}">
-                <a16:creationId xmlns:a16="http://schemas.microsoft.com/office/drawing/2014/main" id="{B51071DA-4946-5E2B-E820-06D726E22D10}"/>
-              </a:ext>
-            </a:extLst>
-          </p:cNvPr>
-          <p:cNvPicPr>
-            <a:picLocks noChangeAspect="1"/>
-          </p:cNvPicPr>
-          <p:nvPr/>
-        </p:nvPicPr>
-        <p:blipFill>
-          <a:blip r:embed="rId3">
-            <a:extLst>
-              <a:ext uri="{28A0092B-C50C-407E-A947-70E740481C1C}">
-                <a14:useLocalDpi xmlns:a14="http://schemas.microsoft.com/office/drawing/2010/main" val="0"/>
-              </a:ext>
-            </a:extLst>
-          </a:blip>
-          <a:stretch>
-            <a:fillRect/>
-          </a:stretch>
-        </p:blipFill>
-        <p:spPr>
-          <a:xfrm>
-            <a:off x="6371915" y="2505187"/>
-            <a:ext cx="4439270" cy="2924583"/>
-          </a:xfrm>
-          <a:prstGeom prst="rect">
-            <a:avLst/>
-          </a:prstGeom>
-        </p:spPr>
-      </p:pic>
+              <a:t>Header feature – 14 selected results</a:t>
+            </a:r>
+          </a:p>
+        </p:txBody>
+      </p:sp>
+      <p:sp>
+        <p:nvSpPr>
+          <p:cNvPr id="3" name="Content Placeholder 2">
+            <a:extLst>
+              <a:ext uri="{FF2B5EF4-FFF2-40B4-BE49-F238E27FC236}">
+                <a16:creationId xmlns:a16="http://schemas.microsoft.com/office/drawing/2014/main" id="{9102029A-D9D6-38EC-1827-9D6254A869B5}"/>
+              </a:ext>
+            </a:extLst>
+          </p:cNvPr>
+          <p:cNvSpPr>
+            <a:spLocks noGrp="1"/>
+          </p:cNvSpPr>
+          <p:nvPr>
+            <p:ph idx="1"/>
+          </p:nvPr>
+        </p:nvSpPr>
+        <p:spPr/>
+        <p:txBody>
+          <a:bodyPr>
+            <a:normAutofit fontScale="70000" lnSpcReduction="20000"/>
+          </a:bodyPr>
+          <a:lstStyle/>
+          <a:p>
+            <a:r>
+              <a:rPr lang="en-US" sz="2400" dirty="0">
+                <a:solidFill>
+                  <a:srgbClr val="374151"/>
+                </a:solidFill>
+                <a:latin typeface="Söhne"/>
+              </a:rPr>
+              <a:t>PE_SECTIONS.MAXENTROPY: This field represents the maximum entropy value of the binary sections of the PE file. Entropy is a measure of the randomness or unpredictability of data, and high entropy values can indicate that a section of the binary code may be obfuscated or encrypted.</a:t>
+            </a:r>
+          </a:p>
+          <a:p>
+            <a:endParaRPr lang="en-US" sz="2400" dirty="0">
+              <a:solidFill>
+                <a:srgbClr val="374151"/>
+              </a:solidFill>
+              <a:latin typeface="Söhne"/>
+            </a:endParaRPr>
+          </a:p>
+          <a:p>
+            <a:r>
+              <a:rPr lang="en-US" sz="2400" dirty="0">
+                <a:solidFill>
+                  <a:srgbClr val="374151"/>
+                </a:solidFill>
+                <a:latin typeface="Söhne"/>
+              </a:rPr>
+              <a:t>PE_SECTIONS.MINENTROPY: This field represents the minimum entropy value of the binary sections of the PE file.</a:t>
+            </a:r>
+          </a:p>
+          <a:p>
+            <a:endParaRPr lang="en-US" sz="2400" dirty="0">
+              <a:solidFill>
+                <a:srgbClr val="374151"/>
+              </a:solidFill>
+              <a:latin typeface="Söhne"/>
+            </a:endParaRPr>
+          </a:p>
+          <a:p>
+            <a:r>
+              <a:rPr lang="en-US" sz="2400" dirty="0">
+                <a:solidFill>
+                  <a:srgbClr val="374151"/>
+                </a:solidFill>
+                <a:latin typeface="Söhne"/>
+              </a:rPr>
+              <a:t>PE_SECTIONS.MEANENTROPY: This field represents the mean entropy value of the binary sections of the PE file.</a:t>
+            </a:r>
+          </a:p>
+          <a:p>
+            <a:endParaRPr lang="en-US" sz="2400" dirty="0">
+              <a:solidFill>
+                <a:srgbClr val="374151"/>
+              </a:solidFill>
+              <a:latin typeface="Söhne"/>
+            </a:endParaRPr>
+          </a:p>
+          <a:p>
+            <a:r>
+              <a:rPr lang="en-US" sz="2400" dirty="0">
+                <a:solidFill>
+                  <a:srgbClr val="374151"/>
+                </a:solidFill>
+                <a:latin typeface="Söhne"/>
+              </a:rPr>
+              <a:t>RESOURCES.MAXENTROPY: This field represents the maximum entropy value of the resources section of the PE file.</a:t>
+            </a:r>
+          </a:p>
+          <a:p>
+            <a:endParaRPr lang="en-US" sz="2400" dirty="0">
+              <a:solidFill>
+                <a:srgbClr val="374151"/>
+              </a:solidFill>
+              <a:latin typeface="Söhne"/>
+            </a:endParaRPr>
+          </a:p>
+          <a:p>
+            <a:r>
+              <a:rPr lang="en-US" sz="2400" dirty="0">
+                <a:solidFill>
+                  <a:srgbClr val="374151"/>
+                </a:solidFill>
+                <a:latin typeface="Söhne"/>
+              </a:rPr>
+              <a:t>RESOURCES.MINENTROPY: This field represents the minimum entropy value of the resources section of the PE file.</a:t>
+            </a:r>
+          </a:p>
+          <a:p>
+            <a:endParaRPr lang="en-US" sz="2400" dirty="0">
+              <a:solidFill>
+                <a:srgbClr val="374151"/>
+              </a:solidFill>
+              <a:latin typeface="Söhne"/>
+            </a:endParaRPr>
+          </a:p>
+          <a:p>
+            <a:r>
+              <a:rPr lang="en-US" sz="2400" dirty="0" err="1">
+                <a:solidFill>
+                  <a:srgbClr val="374151"/>
+                </a:solidFill>
+                <a:latin typeface="Söhne"/>
+              </a:rPr>
+              <a:t>VS_VERSIONINFO.Length</a:t>
+            </a:r>
+            <a:r>
+              <a:rPr lang="en-US" sz="2400" dirty="0">
+                <a:solidFill>
+                  <a:srgbClr val="374151"/>
+                </a:solidFill>
+                <a:latin typeface="Söhne"/>
+              </a:rPr>
+              <a:t>: This field specifies the length, in bytes, of the VS_VERSIONINFO resource.</a:t>
+            </a:r>
+          </a:p>
+        </p:txBody>
+      </p:sp>
     </p:spTree>
     <p:extLst>
       <p:ext uri="{BB962C8B-B14F-4D97-AF65-F5344CB8AC3E}">
-        <p14:creationId xmlns:p14="http://schemas.microsoft.com/office/powerpoint/2010/main" val="88909814"/>
+        <p14:creationId xmlns:p14="http://schemas.microsoft.com/office/powerpoint/2010/main" val="2895776560"/>
       </p:ext>
     </p:extLst>
   </p:cSld>
